--- a/curriculum/Unit1/Unit1.pptx
+++ b/curriculum/Unit1/Unit1.pptx
@@ -5,7 +5,7 @@
     <p:sldMasterId id="2147483660" r:id="rId4"/>
   </p:sldMasterIdLst>
   <p:notesMasterIdLst>
-    <p:notesMasterId r:id="rId83"/>
+    <p:notesMasterId r:id="rId81"/>
   </p:notesMasterIdLst>
   <p:sldIdLst>
     <p:sldId id="256" r:id="rId5"/>
@@ -61,31 +61,29 @@
     <p:sldId id="306" r:id="rId55"/>
     <p:sldId id="307" r:id="rId56"/>
     <p:sldId id="308" r:id="rId57"/>
-    <p:sldId id="309" r:id="rId58"/>
-    <p:sldId id="310" r:id="rId59"/>
-    <p:sldId id="311" r:id="rId60"/>
-    <p:sldId id="312" r:id="rId61"/>
-    <p:sldId id="313" r:id="rId62"/>
-    <p:sldId id="314" r:id="rId63"/>
-    <p:sldId id="315" r:id="rId64"/>
-    <p:sldId id="316" r:id="rId65"/>
-    <p:sldId id="317" r:id="rId66"/>
-    <p:sldId id="318" r:id="rId67"/>
-    <p:sldId id="319" r:id="rId68"/>
-    <p:sldId id="320" r:id="rId69"/>
-    <p:sldId id="321" r:id="rId70"/>
-    <p:sldId id="322" r:id="rId71"/>
-    <p:sldId id="323" r:id="rId72"/>
-    <p:sldId id="324" r:id="rId73"/>
-    <p:sldId id="325" r:id="rId74"/>
-    <p:sldId id="326" r:id="rId75"/>
-    <p:sldId id="327" r:id="rId76"/>
-    <p:sldId id="328" r:id="rId77"/>
-    <p:sldId id="329" r:id="rId78"/>
-    <p:sldId id="330" r:id="rId79"/>
-    <p:sldId id="331" r:id="rId80"/>
-    <p:sldId id="332" r:id="rId81"/>
-    <p:sldId id="333" r:id="rId82"/>
+    <p:sldId id="310" r:id="rId58"/>
+    <p:sldId id="311" r:id="rId59"/>
+    <p:sldId id="312" r:id="rId60"/>
+    <p:sldId id="313" r:id="rId61"/>
+    <p:sldId id="314" r:id="rId62"/>
+    <p:sldId id="315" r:id="rId63"/>
+    <p:sldId id="317" r:id="rId64"/>
+    <p:sldId id="318" r:id="rId65"/>
+    <p:sldId id="319" r:id="rId66"/>
+    <p:sldId id="320" r:id="rId67"/>
+    <p:sldId id="321" r:id="rId68"/>
+    <p:sldId id="322" r:id="rId69"/>
+    <p:sldId id="323" r:id="rId70"/>
+    <p:sldId id="324" r:id="rId71"/>
+    <p:sldId id="325" r:id="rId72"/>
+    <p:sldId id="326" r:id="rId73"/>
+    <p:sldId id="327" r:id="rId74"/>
+    <p:sldId id="328" r:id="rId75"/>
+    <p:sldId id="329" r:id="rId76"/>
+    <p:sldId id="330" r:id="rId77"/>
+    <p:sldId id="331" r:id="rId78"/>
+    <p:sldId id="332" r:id="rId79"/>
+    <p:sldId id="333" r:id="rId80"/>
   </p:sldIdLst>
   <p:sldSz cx="12192000" cy="6858000"/>
   <p:notesSz cx="6858000" cy="9144000"/>
@@ -274,7 +272,7 @@
           <a:p>
             <a:fld id="{42D9BDAC-028F-451F-BA65-774BB04CD417}" type="datetimeFigureOut">
               <a:rPr lang="en-US" smtClean="0"/>
-              <a:t>8/17/2016</a:t>
+              <a:t>2/18/2020</a:t>
             </a:fld>
             <a:endParaRPr lang="en-US"/>
           </a:p>
@@ -1204,8 +1202,44 @@
           <a:bodyPr/>
           <a:lstStyle/>
           <a:p>
+            <a:r>
+              <a:rPr lang="en-US" dirty="0"/>
+              <a:t>Things to go over in 1.06:</a:t>
+            </a:r>
+          </a:p>
+          <a:p>
+            <a:r>
+              <a:rPr lang="en-US" dirty="0"/>
+              <a:t>Method inside method.</a:t>
+            </a:r>
+          </a:p>
+          <a:p>
+            <a:r>
+              <a:rPr lang="en-US" dirty="0"/>
+              <a:t>Control Flow</a:t>
+            </a:r>
+          </a:p>
+          <a:p>
+            <a:r>
+              <a:rPr lang="en-US" dirty="0"/>
+              <a:t>Practice It</a:t>
+            </a:r>
+          </a:p>
+          <a:p>
+            <a:endParaRPr lang="en-US" dirty="0"/>
+          </a:p>
+          <a:p>
+            <a:r>
+              <a:rPr lang="en-US" dirty="0"/>
+              <a:t>Can use the optional challenges in the lesson plan; some students may struggle here, make sure that they’re all caught up.</a:t>
+            </a:r>
+          </a:p>
+          <a:p>
             <a:endParaRPr lang="en-US"/>
           </a:p>
+          <a:p>
+            <a:endParaRPr lang="en-US"/>
+          </a:p>
         </p:txBody>
       </p:sp>
       <p:sp>
@@ -1223,9 +1257,9 @@
           <a:bodyPr/>
           <a:lstStyle/>
           <a:p>
-            <a:fld id="{12DDABE6-33D4-4B6C-BD5C-6A7018727DCF}" type="slidenum">
+            <a:fld id="{197435A7-3BE8-4836-8ACC-0E47B45A1619}" type="slidenum">
               <a:rPr lang="en-US" smtClean="0"/>
-              <a:t>54</a:t>
+              <a:t>55</a:t>
             </a:fld>
             <a:endParaRPr lang="en-US"/>
           </a:p>
@@ -1234,7 +1268,7 @@
     </p:spTree>
     <p:extLst>
       <p:ext uri="{BB962C8B-B14F-4D97-AF65-F5344CB8AC3E}">
-        <p14:creationId xmlns:p14="http://schemas.microsoft.com/office/powerpoint/2010/main" val="862761481"/>
+        <p14:creationId xmlns:p14="http://schemas.microsoft.com/office/powerpoint/2010/main" val="758009756"/>
       </p:ext>
     </p:extLst>
   </p:cSld>
@@ -1290,126 +1324,6 @@
           <a:p>
             <a:r>
               <a:rPr lang="en-US" dirty="0"/>
-              <a:t>Things to go over in 1.06:</a:t>
-            </a:r>
-          </a:p>
-          <a:p>
-            <a:r>
-              <a:rPr lang="en-US" dirty="0"/>
-              <a:t>Method inside method.</a:t>
-            </a:r>
-          </a:p>
-          <a:p>
-            <a:r>
-              <a:rPr lang="en-US" dirty="0"/>
-              <a:t>Control Flow</a:t>
-            </a:r>
-          </a:p>
-          <a:p>
-            <a:r>
-              <a:rPr lang="en-US" dirty="0"/>
-              <a:t>Practice It</a:t>
-            </a:r>
-          </a:p>
-          <a:p>
-            <a:endParaRPr lang="en-US" dirty="0"/>
-          </a:p>
-          <a:p>
-            <a:r>
-              <a:rPr lang="en-US" dirty="0"/>
-              <a:t>Can use the optional challenges in the lesson plan; some students may struggle here, make sure that they’re all caught up.</a:t>
-            </a:r>
-          </a:p>
-          <a:p>
-            <a:endParaRPr lang="en-US"/>
-          </a:p>
-          <a:p>
-            <a:endParaRPr lang="en-US"/>
-          </a:p>
-        </p:txBody>
-      </p:sp>
-      <p:sp>
-        <p:nvSpPr>
-          <p:cNvPr id="4" name="Slide Number Placeholder 3"/>
-          <p:cNvSpPr>
-            <a:spLocks noGrp="1"/>
-          </p:cNvSpPr>
-          <p:nvPr>
-            <p:ph type="sldNum" sz="quarter" idx="10"/>
-          </p:nvPr>
-        </p:nvSpPr>
-        <p:spPr/>
-        <p:txBody>
-          <a:bodyPr/>
-          <a:lstStyle/>
-          <a:p>
-            <a:fld id="{197435A7-3BE8-4836-8ACC-0E47B45A1619}" type="slidenum">
-              <a:rPr lang="en-US" smtClean="0"/>
-              <a:t>56</a:t>
-            </a:fld>
-            <a:endParaRPr lang="en-US"/>
-          </a:p>
-        </p:txBody>
-      </p:sp>
-    </p:spTree>
-    <p:extLst>
-      <p:ext uri="{BB962C8B-B14F-4D97-AF65-F5344CB8AC3E}">
-        <p14:creationId xmlns:p14="http://schemas.microsoft.com/office/powerpoint/2010/main" val="758009756"/>
-      </p:ext>
-    </p:extLst>
-  </p:cSld>
-  <p:clrMapOvr>
-    <a:masterClrMapping/>
-  </p:clrMapOvr>
-</p:notes>
-</file>
-
-<file path=ppt/notesSlides/notesSlide8.xml><?xml version="1.0" encoding="utf-8"?>
-<p:notes xmlns:a="http://schemas.openxmlformats.org/drawingml/2006/main" xmlns:r="http://schemas.openxmlformats.org/officeDocument/2006/relationships" xmlns:p="http://schemas.openxmlformats.org/presentationml/2006/main">
-  <p:cSld>
-    <p:spTree>
-      <p:nvGrpSpPr>
-        <p:cNvPr id="1" name=""/>
-        <p:cNvGrpSpPr/>
-        <p:nvPr/>
-      </p:nvGrpSpPr>
-      <p:grpSpPr>
-        <a:xfrm>
-          <a:off x="0" y="0"/>
-          <a:ext cx="0" cy="0"/>
-          <a:chOff x="0" y="0"/>
-          <a:chExt cx="0" cy="0"/>
-        </a:xfrm>
-      </p:grpSpPr>
-      <p:sp>
-        <p:nvSpPr>
-          <p:cNvPr id="2" name="Slide Image Placeholder 1"/>
-          <p:cNvSpPr>
-            <a:spLocks noGrp="1" noRot="1" noChangeAspect="1"/>
-          </p:cNvSpPr>
-          <p:nvPr>
-            <p:ph type="sldImg"/>
-          </p:nvPr>
-        </p:nvSpPr>
-        <p:spPr/>
-      </p:sp>
-      <p:sp>
-        <p:nvSpPr>
-          <p:cNvPr id="3" name="Notes Placeholder 2"/>
-          <p:cNvSpPr>
-            <a:spLocks noGrp="1"/>
-          </p:cNvSpPr>
-          <p:nvPr>
-            <p:ph type="body" idx="1"/>
-          </p:nvPr>
-        </p:nvSpPr>
-        <p:spPr/>
-        <p:txBody>
-          <a:bodyPr/>
-          <a:lstStyle/>
-          <a:p>
-            <a:r>
-              <a:rPr lang="en-US" dirty="0"/>
               <a:t>Things to go over in 1.08:</a:t>
             </a:r>
           </a:p>
@@ -1459,7 +1373,7 @@
           <a:p>
             <a:fld id="{459862D3-EC7A-4EA7-954F-2FA91CD1808C}" type="slidenum">
               <a:rPr lang="en-US" smtClean="0"/>
-              <a:t>68</a:t>
+              <a:t>66</a:t>
             </a:fld>
             <a:endParaRPr lang="en-US"/>
           </a:p>
@@ -1609,7 +1523,7 @@
           <a:p>
             <a:fld id="{58F15600-01B2-4DEF-ADD3-B13F327F5D75}" type="datetimeFigureOut">
               <a:rPr lang="en-US" smtClean="0"/>
-              <a:t>8/17/2016</a:t>
+              <a:t>2/18/2020</a:t>
             </a:fld>
             <a:endParaRPr lang="en-US"/>
           </a:p>
@@ -1777,7 +1691,7 @@
           <a:p>
             <a:fld id="{58F15600-01B2-4DEF-ADD3-B13F327F5D75}" type="datetimeFigureOut">
               <a:rPr lang="en-US" smtClean="0"/>
-              <a:t>8/17/2016</a:t>
+              <a:t>2/18/2020</a:t>
             </a:fld>
             <a:endParaRPr lang="en-US"/>
           </a:p>
@@ -1955,7 +1869,7 @@
           <a:p>
             <a:fld id="{58F15600-01B2-4DEF-ADD3-B13F327F5D75}" type="datetimeFigureOut">
               <a:rPr lang="en-US" smtClean="0"/>
-              <a:t>8/17/2016</a:t>
+              <a:t>2/18/2020</a:t>
             </a:fld>
             <a:endParaRPr lang="en-US"/>
           </a:p>
@@ -2123,7 +2037,7 @@
           <a:p>
             <a:fld id="{58F15600-01B2-4DEF-ADD3-B13F327F5D75}" type="datetimeFigureOut">
               <a:rPr lang="en-US" smtClean="0"/>
-              <a:t>8/17/2016</a:t>
+              <a:t>2/18/2020</a:t>
             </a:fld>
             <a:endParaRPr lang="en-US"/>
           </a:p>
@@ -2368,7 +2282,7 @@
           <a:p>
             <a:fld id="{58F15600-01B2-4DEF-ADD3-B13F327F5D75}" type="datetimeFigureOut">
               <a:rPr lang="en-US" smtClean="0"/>
-              <a:t>8/17/2016</a:t>
+              <a:t>2/18/2020</a:t>
             </a:fld>
             <a:endParaRPr lang="en-US"/>
           </a:p>
@@ -2597,7 +2511,7 @@
           <a:p>
             <a:fld id="{58F15600-01B2-4DEF-ADD3-B13F327F5D75}" type="datetimeFigureOut">
               <a:rPr lang="en-US" smtClean="0"/>
-              <a:t>8/17/2016</a:t>
+              <a:t>2/18/2020</a:t>
             </a:fld>
             <a:endParaRPr lang="en-US"/>
           </a:p>
@@ -2961,7 +2875,7 @@
           <a:p>
             <a:fld id="{58F15600-01B2-4DEF-ADD3-B13F327F5D75}" type="datetimeFigureOut">
               <a:rPr lang="en-US" smtClean="0"/>
-              <a:t>8/17/2016</a:t>
+              <a:t>2/18/2020</a:t>
             </a:fld>
             <a:endParaRPr lang="en-US"/>
           </a:p>
@@ -3078,7 +2992,7 @@
           <a:p>
             <a:fld id="{58F15600-01B2-4DEF-ADD3-B13F327F5D75}" type="datetimeFigureOut">
               <a:rPr lang="en-US" smtClean="0"/>
-              <a:t>8/17/2016</a:t>
+              <a:t>2/18/2020</a:t>
             </a:fld>
             <a:endParaRPr lang="en-US"/>
           </a:p>
@@ -3173,7 +3087,7 @@
           <a:p>
             <a:fld id="{58F15600-01B2-4DEF-ADD3-B13F327F5D75}" type="datetimeFigureOut">
               <a:rPr lang="en-US" smtClean="0"/>
-              <a:t>8/17/2016</a:t>
+              <a:t>2/18/2020</a:t>
             </a:fld>
             <a:endParaRPr lang="en-US"/>
           </a:p>
@@ -3448,7 +3362,7 @@
           <a:p>
             <a:fld id="{58F15600-01B2-4DEF-ADD3-B13F327F5D75}" type="datetimeFigureOut">
               <a:rPr lang="en-US" smtClean="0"/>
-              <a:t>8/17/2016</a:t>
+              <a:t>2/18/2020</a:t>
             </a:fld>
             <a:endParaRPr lang="en-US"/>
           </a:p>
@@ -3703,7 +3617,7 @@
           <a:p>
             <a:fld id="{58F15600-01B2-4DEF-ADD3-B13F327F5D75}" type="datetimeFigureOut">
               <a:rPr lang="en-US" smtClean="0"/>
-              <a:t>8/17/2016</a:t>
+              <a:t>2/18/2020</a:t>
             </a:fld>
             <a:endParaRPr lang="en-US"/>
           </a:p>
@@ -3914,7 +3828,7 @@
           <a:p>
             <a:fld id="{58F15600-01B2-4DEF-ADD3-B13F327F5D75}" type="datetimeFigureOut">
               <a:rPr lang="en-US" smtClean="0"/>
-              <a:t>8/17/2016</a:t>
+              <a:t>2/18/2020</a:t>
             </a:fld>
             <a:endParaRPr lang="en-US"/>
           </a:p>
@@ -11484,9 +11398,7 @@
           <p:cNvGraphicFramePr>
             <a:graphicFrameLocks noGrp="1"/>
           </p:cNvGraphicFramePr>
-          <p:nvPr>
-            <p:extLst/>
-          </p:nvPr>
+          <p:nvPr/>
         </p:nvGraphicFramePr>
         <p:xfrm>
           <a:off x="1796027" y="4895213"/>
@@ -14397,14 +14309,14 @@
           <a:p>
             <a:r>
               <a:rPr lang="en-US" dirty="0"/>
-              <a:t>Practice-It</a:t>
-            </a:r>
-          </a:p>
-        </p:txBody>
-      </p:sp>
-      <p:sp>
-        <p:nvSpPr>
-          <p:cNvPr id="3" name="Subtitle 2"/>
+              <a:t>Homework</a:t>
+            </a:r>
+          </a:p>
+        </p:txBody>
+      </p:sp>
+      <p:sp>
+        <p:nvSpPr>
+          <p:cNvPr id="3" name="Content Placeholder 2"/>
           <p:cNvSpPr>
             <a:spLocks noGrp="1"/>
           </p:cNvSpPr>
@@ -14414,55 +14326,32 @@
         </p:nvSpPr>
         <p:spPr/>
         <p:txBody>
-          <a:bodyPr vert="horz" lIns="91440" tIns="45720" rIns="91440" bIns="45720" rtlCol="0" anchor="t">
-            <a:normAutofit/>
-          </a:bodyPr>
-          <a:lstStyle/>
-          <a:p>
-            <a:pPr marL="0" indent="0">
-              <a:buNone/>
-            </a:pPr>
-            <a:r>
-              <a:rPr lang="en-US" dirty="0"/>
-              <a:t>Complete the following practice-it questions:</a:t>
-            </a:r>
-          </a:p>
-          <a:p>
-            <a:pPr marL="0" indent="0">
-              <a:buNone/>
-            </a:pPr>
+          <a:bodyPr/>
+          <a:lstStyle/>
+          <a:p>
+            <a:r>
+              <a:rPr lang="en-US" dirty="0"/>
+              <a:t>Read chapter 1 section 5 (1.5) (p. 40-46)</a:t>
+            </a:r>
+          </a:p>
+          <a:p>
             <a:endParaRPr lang="en-US" dirty="0"/>
           </a:p>
           <a:p>
             <a:r>
               <a:rPr lang="en-US" dirty="0"/>
-              <a:t>Tricky</a:t>
-            </a:r>
-          </a:p>
-          <a:p>
-            <a:r>
-              <a:rPr lang="en-US" dirty="0"/>
-              <a:t>Strange</a:t>
-            </a:r>
-          </a:p>
-          <a:p>
-            <a:r>
-              <a:rPr lang="en-US" dirty="0"/>
-              <a:t>Confusing</a:t>
-            </a:r>
-          </a:p>
-          <a:p>
-            <a:r>
-              <a:rPr lang="en-US" dirty="0"/>
-              <a:t>Lots-of-Errors</a:t>
-            </a:r>
+              <a:t>Do chapter 1 exercises 11, 12, 14, and 16. (p. 56-58)</a:t>
+            </a:r>
+          </a:p>
+          <a:p>
+            <a:endParaRPr lang="en-US" dirty="0"/>
           </a:p>
         </p:txBody>
       </p:sp>
     </p:spTree>
     <p:extLst>
       <p:ext uri="{BB962C8B-B14F-4D97-AF65-F5344CB8AC3E}">
-        <p14:creationId xmlns:p14="http://schemas.microsoft.com/office/powerpoint/2010/main" val="3667980683"/>
+        <p14:creationId xmlns:p14="http://schemas.microsoft.com/office/powerpoint/2010/main" val="1594540306"/>
       </p:ext>
     </p:extLst>
   </p:cSld>
@@ -14496,92 +14385,6 @@
             <a:spLocks noGrp="1"/>
           </p:cNvSpPr>
           <p:nvPr>
-            <p:ph type="title"/>
-          </p:nvPr>
-        </p:nvSpPr>
-        <p:spPr/>
-        <p:txBody>
-          <a:bodyPr/>
-          <a:lstStyle/>
-          <a:p>
-            <a:r>
-              <a:rPr lang="en-US" dirty="0"/>
-              <a:t>Homework</a:t>
-            </a:r>
-          </a:p>
-        </p:txBody>
-      </p:sp>
-      <p:sp>
-        <p:nvSpPr>
-          <p:cNvPr id="3" name="Content Placeholder 2"/>
-          <p:cNvSpPr>
-            <a:spLocks noGrp="1"/>
-          </p:cNvSpPr>
-          <p:nvPr>
-            <p:ph idx="1"/>
-          </p:nvPr>
-        </p:nvSpPr>
-        <p:spPr/>
-        <p:txBody>
-          <a:bodyPr/>
-          <a:lstStyle/>
-          <a:p>
-            <a:r>
-              <a:rPr lang="en-US" dirty="0"/>
-              <a:t>Read chapter 1 section 5 (1.5) (p. 40-46)</a:t>
-            </a:r>
-          </a:p>
-          <a:p>
-            <a:endParaRPr lang="en-US" dirty="0"/>
-          </a:p>
-          <a:p>
-            <a:r>
-              <a:rPr lang="en-US" dirty="0"/>
-              <a:t>Do chapter 1 exercises 11, 12, 14, and 16. (p. 56-58)</a:t>
-            </a:r>
-          </a:p>
-          <a:p>
-            <a:endParaRPr lang="en-US" dirty="0"/>
-          </a:p>
-        </p:txBody>
-      </p:sp>
-    </p:spTree>
-    <p:extLst>
-      <p:ext uri="{BB962C8B-B14F-4D97-AF65-F5344CB8AC3E}">
-        <p14:creationId xmlns:p14="http://schemas.microsoft.com/office/powerpoint/2010/main" val="1594540306"/>
-      </p:ext>
-    </p:extLst>
-  </p:cSld>
-  <p:clrMapOvr>
-    <a:masterClrMapping/>
-  </p:clrMapOvr>
-</p:sld>
-</file>
-
-<file path=ppt/slides/slide56.xml><?xml version="1.0" encoding="utf-8"?>
-<p:sld xmlns:a="http://schemas.openxmlformats.org/drawingml/2006/main" xmlns:r="http://schemas.openxmlformats.org/officeDocument/2006/relationships" xmlns:p="http://schemas.openxmlformats.org/presentationml/2006/main">
-  <p:cSld>
-    <p:spTree>
-      <p:nvGrpSpPr>
-        <p:cNvPr id="1" name=""/>
-        <p:cNvGrpSpPr/>
-        <p:nvPr/>
-      </p:nvGrpSpPr>
-      <p:grpSpPr>
-        <a:xfrm>
-          <a:off x="0" y="0"/>
-          <a:ext cx="0" cy="0"/>
-          <a:chOff x="0" y="0"/>
-          <a:chExt cx="0" cy="0"/>
-        </a:xfrm>
-      </p:grpSpPr>
-      <p:sp>
-        <p:nvSpPr>
-          <p:cNvPr id="2" name="Title 1"/>
-          <p:cNvSpPr>
-            <a:spLocks noGrp="1"/>
-          </p:cNvSpPr>
-          <p:nvPr>
             <p:ph type="ctrTitle"/>
           </p:nvPr>
         </p:nvSpPr>
@@ -14639,7 +14442,7 @@
 </p:sld>
 </file>
 
-<file path=ppt/slides/slide57.xml><?xml version="1.0" encoding="utf-8"?>
+<file path=ppt/slides/slide56.xml><?xml version="1.0" encoding="utf-8"?>
 <p:sld xmlns:a="http://schemas.openxmlformats.org/drawingml/2006/main" xmlns:r="http://schemas.openxmlformats.org/officeDocument/2006/relationships" xmlns:p="http://schemas.openxmlformats.org/presentationml/2006/main">
   <p:cSld>
     <p:spTree>
@@ -15389,7 +15192,7 @@
 </p:sld>
 </file>
 
-<file path=ppt/slides/slide58.xml><?xml version="1.0" encoding="utf-8"?>
+<file path=ppt/slides/slide57.xml><?xml version="1.0" encoding="utf-8"?>
 <p:sld xmlns:a="http://schemas.openxmlformats.org/drawingml/2006/main" xmlns:r="http://schemas.openxmlformats.org/officeDocument/2006/relationships" xmlns:p="http://schemas.openxmlformats.org/presentationml/2006/main">
   <p:cSld>
     <p:spTree>
@@ -16207,6 +16010,176 @@
 </p:sld>
 </file>
 
+<file path=ppt/slides/slide58.xml><?xml version="1.0" encoding="utf-8"?>
+<p:sld xmlns:a="http://schemas.openxmlformats.org/drawingml/2006/main" xmlns:r="http://schemas.openxmlformats.org/officeDocument/2006/relationships" xmlns:p="http://schemas.openxmlformats.org/presentationml/2006/main">
+  <p:cSld>
+    <p:spTree>
+      <p:nvGrpSpPr>
+        <p:cNvPr id="1" name=""/>
+        <p:cNvGrpSpPr/>
+        <p:nvPr/>
+      </p:nvGrpSpPr>
+      <p:grpSpPr>
+        <a:xfrm>
+          <a:off x="0" y="0"/>
+          <a:ext cx="0" cy="0"/>
+          <a:chOff x="0" y="0"/>
+          <a:chExt cx="0" cy="0"/>
+        </a:xfrm>
+      </p:grpSpPr>
+      <p:sp>
+        <p:nvSpPr>
+          <p:cNvPr id="2" name="Title 1"/>
+          <p:cNvSpPr>
+            <a:spLocks noGrp="1"/>
+          </p:cNvSpPr>
+          <p:nvPr>
+            <p:ph type="title"/>
+          </p:nvPr>
+        </p:nvSpPr>
+        <p:spPr/>
+        <p:txBody>
+          <a:bodyPr/>
+          <a:lstStyle/>
+          <a:p>
+            <a:r>
+              <a:rPr lang="en-US" dirty="0"/>
+              <a:t>Review Exercises</a:t>
+            </a:r>
+          </a:p>
+        </p:txBody>
+      </p:sp>
+      <p:sp>
+        <p:nvSpPr>
+          <p:cNvPr id="3" name="Content Placeholder 2"/>
+          <p:cNvSpPr>
+            <a:spLocks noGrp="1"/>
+          </p:cNvSpPr>
+          <p:nvPr>
+            <p:ph idx="1"/>
+          </p:nvPr>
+        </p:nvSpPr>
+        <p:spPr/>
+        <p:txBody>
+          <a:bodyPr/>
+          <a:lstStyle/>
+          <a:p>
+            <a:pPr marL="0" indent="0">
+              <a:buNone/>
+            </a:pPr>
+            <a:r>
+              <a:rPr lang="en-US" dirty="0"/>
+              <a:t>Write  a program that prints your name in the following forms:</a:t>
+            </a:r>
+          </a:p>
+          <a:p>
+            <a:pPr lvl="1"/>
+            <a:r>
+              <a:rPr lang="en-US" dirty="0" err="1"/>
+              <a:t>FirstName</a:t>
+            </a:r>
+            <a:r>
+              <a:rPr lang="en-US" dirty="0"/>
+              <a:t> </a:t>
+            </a:r>
+            <a:r>
+              <a:rPr lang="en-US" dirty="0" err="1"/>
+              <a:t>LastName</a:t>
+            </a:r>
+            <a:endParaRPr lang="en-US" dirty="0"/>
+          </a:p>
+          <a:p>
+            <a:pPr lvl="1"/>
+            <a:r>
+              <a:rPr lang="en-US" dirty="0" err="1"/>
+              <a:t>FirstName</a:t>
+            </a:r>
+            <a:r>
+              <a:rPr lang="en-US" dirty="0"/>
+              <a:t> </a:t>
+            </a:r>
+            <a:r>
+              <a:rPr lang="en-US" dirty="0" err="1"/>
+              <a:t>MiddleName</a:t>
+            </a:r>
+            <a:r>
+              <a:rPr lang="en-US" dirty="0"/>
+              <a:t> </a:t>
+            </a:r>
+            <a:r>
+              <a:rPr lang="en-US" dirty="0" err="1"/>
+              <a:t>LastName</a:t>
+            </a:r>
+            <a:endParaRPr lang="en-US" dirty="0"/>
+          </a:p>
+          <a:p>
+            <a:pPr lvl="1"/>
+            <a:r>
+              <a:rPr lang="en-US" dirty="0" err="1"/>
+              <a:t>LastName</a:t>
+            </a:r>
+            <a:r>
+              <a:rPr lang="en-US" dirty="0"/>
+              <a:t>, </a:t>
+            </a:r>
+            <a:r>
+              <a:rPr lang="en-US" dirty="0" err="1"/>
+              <a:t>FirstName</a:t>
+            </a:r>
+            <a:endParaRPr lang="en-US" dirty="0"/>
+          </a:p>
+          <a:p>
+            <a:pPr lvl="1"/>
+            <a:r>
+              <a:rPr lang="en-US" dirty="0" err="1"/>
+              <a:t>LastName</a:t>
+            </a:r>
+            <a:r>
+              <a:rPr lang="en-US" dirty="0"/>
+              <a:t>, </a:t>
+            </a:r>
+            <a:r>
+              <a:rPr lang="en-US" dirty="0" err="1"/>
+              <a:t>FirstName</a:t>
+            </a:r>
+            <a:r>
+              <a:rPr lang="en-US" dirty="0"/>
+              <a:t> </a:t>
+            </a:r>
+            <a:r>
+              <a:rPr lang="en-US" dirty="0" err="1"/>
+              <a:t>MiddleName</a:t>
+            </a:r>
+            <a:endParaRPr lang="en-US" dirty="0"/>
+          </a:p>
+          <a:p>
+            <a:pPr lvl="1"/>
+            <a:endParaRPr lang="en-US" dirty="0"/>
+          </a:p>
+          <a:p>
+            <a:pPr marL="0" indent="0">
+              <a:buNone/>
+            </a:pPr>
+            <a:r>
+              <a:rPr lang="en-US" dirty="0"/>
+              <a:t>Rewrite the above program using static void methods</a:t>
+            </a:r>
+          </a:p>
+        </p:txBody>
+      </p:sp>
+    </p:spTree>
+    <p:extLst>
+      <p:ext uri="{BB962C8B-B14F-4D97-AF65-F5344CB8AC3E}">
+        <p14:creationId xmlns:p14="http://schemas.microsoft.com/office/powerpoint/2010/main" val="3009895862"/>
+      </p:ext>
+    </p:extLst>
+  </p:cSld>
+  <p:clrMapOvr>
+    <a:masterClrMapping/>
+  </p:clrMapOvr>
+</p:sld>
+</file>
+
 <file path=ppt/slides/slide59.xml><?xml version="1.0" encoding="utf-8"?>
 <p:sld xmlns:a="http://schemas.openxmlformats.org/drawingml/2006/main" xmlns:r="http://schemas.openxmlformats.org/officeDocument/2006/relationships" xmlns:p="http://schemas.openxmlformats.org/presentationml/2006/main">
   <p:cSld>
@@ -16234,14 +16207,19 @@
             <p:ph type="title"/>
           </p:nvPr>
         </p:nvSpPr>
-        <p:spPr/>
+        <p:spPr>
+          <a:xfrm>
+            <a:off x="838200" y="698500"/>
+            <a:ext cx="6689651" cy="1157288"/>
+          </a:xfrm>
+        </p:spPr>
         <p:txBody>
           <a:bodyPr/>
           <a:lstStyle/>
           <a:p>
             <a:r>
               <a:rPr lang="en-US" dirty="0"/>
-              <a:t>Review Exercises</a:t>
+              <a:t>Challenge</a:t>
             </a:r>
           </a:p>
         </p:txBody>
@@ -16256,118 +16234,303 @@
             <p:ph idx="1"/>
           </p:nvPr>
         </p:nvSpPr>
-        <p:spPr/>
+        <p:spPr>
+          <a:xfrm>
+            <a:off x="838200" y="2057399"/>
+            <a:ext cx="6689651" cy="4119563"/>
+          </a:xfrm>
+        </p:spPr>
         <p:txBody>
           <a:bodyPr/>
           <a:lstStyle/>
           <a:p>
-            <a:pPr marL="0" indent="0">
-              <a:buNone/>
-            </a:pPr>
-            <a:r>
-              <a:rPr lang="en-US" dirty="0"/>
-              <a:t>Write  a program that prints your name in the following forms:</a:t>
-            </a:r>
-          </a:p>
-          <a:p>
-            <a:pPr lvl="1"/>
+            <a:r>
+              <a:rPr lang="en-US" dirty="0"/>
+              <a:t>There’s a 10 minute time limit.</a:t>
+            </a:r>
+          </a:p>
+          <a:p>
+            <a:r>
+              <a:rPr lang="en-US" dirty="0"/>
+              <a:t>Write a Java program called </a:t>
+            </a:r>
             <a:r>
               <a:rPr lang="en-US" dirty="0" err="1"/>
-              <a:t>FirstName</a:t>
-            </a:r>
-            <a:r>
-              <a:rPr lang="en-US" dirty="0"/>
-              <a:t> </a:t>
-            </a:r>
-            <a:r>
-              <a:rPr lang="en-US" dirty="0" err="1"/>
-              <a:t>LastName</a:t>
-            </a:r>
-            <a:endParaRPr lang="en-US" dirty="0"/>
-          </a:p>
-          <a:p>
-            <a:pPr lvl="1"/>
-            <a:r>
-              <a:rPr lang="en-US" dirty="0" err="1"/>
-              <a:t>FirstName</a:t>
-            </a:r>
-            <a:r>
-              <a:rPr lang="en-US" dirty="0"/>
-              <a:t> </a:t>
-            </a:r>
-            <a:r>
-              <a:rPr lang="en-US" dirty="0" err="1"/>
-              <a:t>MiddleName</a:t>
-            </a:r>
-            <a:r>
-              <a:rPr lang="en-US" dirty="0"/>
-              <a:t> </a:t>
-            </a:r>
-            <a:r>
-              <a:rPr lang="en-US" dirty="0" err="1"/>
-              <a:t>LastName</a:t>
-            </a:r>
-            <a:endParaRPr lang="en-US" dirty="0"/>
-          </a:p>
-          <a:p>
-            <a:pPr lvl="1"/>
-            <a:r>
-              <a:rPr lang="en-US" dirty="0" err="1"/>
-              <a:t>LastName</a:t>
-            </a:r>
-            <a:r>
-              <a:rPr lang="en-US" dirty="0"/>
-              <a:t>, </a:t>
-            </a:r>
-            <a:r>
-              <a:rPr lang="en-US" dirty="0" err="1"/>
-              <a:t>FirstName</a:t>
-            </a:r>
-            <a:endParaRPr lang="en-US" dirty="0"/>
-          </a:p>
-          <a:p>
-            <a:pPr lvl="1"/>
-            <a:r>
-              <a:rPr lang="en-US" dirty="0" err="1"/>
-              <a:t>LastName</a:t>
-            </a:r>
-            <a:r>
-              <a:rPr lang="en-US" dirty="0"/>
-              <a:t>, </a:t>
-            </a:r>
-            <a:r>
-              <a:rPr lang="en-US" dirty="0" err="1"/>
-              <a:t>FirstName</a:t>
-            </a:r>
-            <a:r>
-              <a:rPr lang="en-US" dirty="0"/>
-              <a:t> </a:t>
-            </a:r>
-            <a:r>
-              <a:rPr lang="en-US" dirty="0" err="1"/>
-              <a:t>MiddleName</a:t>
-            </a:r>
-            <a:endParaRPr lang="en-US" dirty="0"/>
-          </a:p>
-          <a:p>
-            <a:pPr lvl="1"/>
-            <a:endParaRPr lang="en-US" dirty="0"/>
-          </a:p>
-          <a:p>
-            <a:pPr marL="0" indent="0">
-              <a:buNone/>
-            </a:pPr>
-            <a:r>
-              <a:rPr lang="en-US" dirty="0"/>
-              <a:t>Rewrite the above program using static void methods</a:t>
-            </a:r>
+              <a:t>StarFigures</a:t>
+            </a:r>
+            <a:r>
+              <a:rPr lang="en-US" dirty="0"/>
+              <a:t> that generates the following output</a:t>
+            </a:r>
+          </a:p>
+          <a:p>
+            <a:r>
+              <a:rPr lang="en-US" dirty="0"/>
+              <a:t>You MUST include a structure diagram or your answer will be disqualified</a:t>
+            </a:r>
+          </a:p>
+          <a:p>
+            <a:r>
+              <a:rPr lang="en-US" dirty="0"/>
+              <a:t>A correct answer will use static methods to show structure and eliminate redundancy in your solution</a:t>
+            </a:r>
+          </a:p>
+        </p:txBody>
+      </p:sp>
+      <p:sp>
+        <p:nvSpPr>
+          <p:cNvPr id="5" name="TextBox 4"/>
+          <p:cNvSpPr txBox="1"/>
+          <p:nvPr/>
+        </p:nvSpPr>
+        <p:spPr>
+          <a:xfrm>
+            <a:off x="7846827" y="698500"/>
+            <a:ext cx="4019107" cy="6463308"/>
+          </a:xfrm>
+          <a:prstGeom prst="rect">
+            <a:avLst/>
+          </a:prstGeom>
+          <a:noFill/>
+        </p:spPr>
+        <p:txBody>
+          <a:bodyPr wrap="square" rtlCol="0">
+            <a:spAutoFit/>
+          </a:bodyPr>
+          <a:lstStyle/>
+          <a:p>
+            <a:pPr algn="ctr"/>
+            <a:r>
+              <a:rPr lang="en-US" dirty="0">
+                <a:latin typeface="Courier New" panose="02070309020205020404" pitchFamily="49" charset="0"/>
+                <a:cs typeface="Courier New" panose="02070309020205020404" pitchFamily="49" charset="0"/>
+              </a:rPr>
+              <a:t>*****</a:t>
+            </a:r>
+          </a:p>
+          <a:p>
+            <a:pPr algn="ctr"/>
+            <a:r>
+              <a:rPr lang="en-US" dirty="0">
+                <a:latin typeface="Courier New" panose="02070309020205020404" pitchFamily="49" charset="0"/>
+                <a:cs typeface="Courier New" panose="02070309020205020404" pitchFamily="49" charset="0"/>
+              </a:rPr>
+              <a:t>*****</a:t>
+            </a:r>
+          </a:p>
+          <a:p>
+            <a:pPr algn="ctr"/>
+            <a:r>
+              <a:rPr lang="en-US" dirty="0">
+                <a:latin typeface="Courier New" panose="02070309020205020404" pitchFamily="49" charset="0"/>
+                <a:cs typeface="Courier New" panose="02070309020205020404" pitchFamily="49" charset="0"/>
+              </a:rPr>
+              <a:t>* *</a:t>
+            </a:r>
+          </a:p>
+          <a:p>
+            <a:pPr algn="ctr"/>
+            <a:r>
+              <a:rPr lang="en-US" dirty="0">
+                <a:latin typeface="Courier New" panose="02070309020205020404" pitchFamily="49" charset="0"/>
+                <a:cs typeface="Courier New" panose="02070309020205020404" pitchFamily="49" charset="0"/>
+              </a:rPr>
+              <a:t>*</a:t>
+            </a:r>
+          </a:p>
+          <a:p>
+            <a:pPr algn="ctr"/>
+            <a:r>
+              <a:rPr lang="en-US" dirty="0">
+                <a:latin typeface="Courier New" panose="02070309020205020404" pitchFamily="49" charset="0"/>
+                <a:cs typeface="Courier New" panose="02070309020205020404" pitchFamily="49" charset="0"/>
+              </a:rPr>
+              <a:t>* *</a:t>
+            </a:r>
+          </a:p>
+          <a:p>
+            <a:pPr marL="285750" indent="-285750" algn="ctr">
+              <a:buFont typeface="Arial" panose="020B0604020202020204" pitchFamily="34" charset="0"/>
+              <a:buChar char="•"/>
+            </a:pPr>
+            <a:endParaRPr lang="en-US" dirty="0">
+              <a:latin typeface="Courier New" panose="02070309020205020404" pitchFamily="49" charset="0"/>
+              <a:cs typeface="Courier New" panose="02070309020205020404" pitchFamily="49" charset="0"/>
+            </a:endParaRPr>
+          </a:p>
+          <a:p>
+            <a:pPr algn="ctr"/>
+            <a:r>
+              <a:rPr lang="en-US" dirty="0">
+                <a:latin typeface="Courier New" panose="02070309020205020404" pitchFamily="49" charset="0"/>
+                <a:cs typeface="Courier New" panose="02070309020205020404" pitchFamily="49" charset="0"/>
+              </a:rPr>
+              <a:t>*****</a:t>
+            </a:r>
+          </a:p>
+          <a:p>
+            <a:pPr algn="ctr"/>
+            <a:r>
+              <a:rPr lang="en-US" dirty="0">
+                <a:latin typeface="Courier New" panose="02070309020205020404" pitchFamily="49" charset="0"/>
+                <a:cs typeface="Courier New" panose="02070309020205020404" pitchFamily="49" charset="0"/>
+              </a:rPr>
+              <a:t>*****</a:t>
+            </a:r>
+          </a:p>
+          <a:p>
+            <a:pPr algn="ctr"/>
+            <a:r>
+              <a:rPr lang="en-US" dirty="0">
+                <a:latin typeface="Courier New" panose="02070309020205020404" pitchFamily="49" charset="0"/>
+                <a:cs typeface="Courier New" panose="02070309020205020404" pitchFamily="49" charset="0"/>
+              </a:rPr>
+              <a:t>* *</a:t>
+            </a:r>
+          </a:p>
+          <a:p>
+            <a:pPr algn="ctr"/>
+            <a:r>
+              <a:rPr lang="en-US" dirty="0">
+                <a:latin typeface="Courier New" panose="02070309020205020404" pitchFamily="49" charset="0"/>
+                <a:cs typeface="Courier New" panose="02070309020205020404" pitchFamily="49" charset="0"/>
+              </a:rPr>
+              <a:t>*</a:t>
+            </a:r>
+          </a:p>
+          <a:p>
+            <a:pPr algn="ctr"/>
+            <a:r>
+              <a:rPr lang="en-US" dirty="0">
+                <a:latin typeface="Courier New" panose="02070309020205020404" pitchFamily="49" charset="0"/>
+                <a:cs typeface="Courier New" panose="02070309020205020404" pitchFamily="49" charset="0"/>
+              </a:rPr>
+              <a:t>* *</a:t>
+            </a:r>
+          </a:p>
+          <a:p>
+            <a:pPr algn="ctr"/>
+            <a:r>
+              <a:rPr lang="en-US" dirty="0">
+                <a:latin typeface="Courier New" panose="02070309020205020404" pitchFamily="49" charset="0"/>
+                <a:cs typeface="Courier New" panose="02070309020205020404" pitchFamily="49" charset="0"/>
+              </a:rPr>
+              <a:t>*****</a:t>
+            </a:r>
+          </a:p>
+          <a:p>
+            <a:pPr algn="ctr"/>
+            <a:r>
+              <a:rPr lang="en-US" dirty="0">
+                <a:latin typeface="Courier New" panose="02070309020205020404" pitchFamily="49" charset="0"/>
+                <a:cs typeface="Courier New" panose="02070309020205020404" pitchFamily="49" charset="0"/>
+              </a:rPr>
+              <a:t>*****</a:t>
+            </a:r>
+          </a:p>
+          <a:p>
+            <a:pPr algn="ctr"/>
+            <a:endParaRPr lang="en-US" dirty="0">
+              <a:latin typeface="Courier New" panose="02070309020205020404" pitchFamily="49" charset="0"/>
+              <a:cs typeface="Courier New" panose="02070309020205020404" pitchFamily="49" charset="0"/>
+            </a:endParaRPr>
+          </a:p>
+          <a:p>
+            <a:pPr algn="ctr"/>
+            <a:r>
+              <a:rPr lang="en-US" dirty="0">
+                <a:latin typeface="Courier New" panose="02070309020205020404" pitchFamily="49" charset="0"/>
+                <a:cs typeface="Courier New" panose="02070309020205020404" pitchFamily="49" charset="0"/>
+              </a:rPr>
+              <a:t>*</a:t>
+            </a:r>
+          </a:p>
+          <a:p>
+            <a:pPr algn="ctr"/>
+            <a:r>
+              <a:rPr lang="en-US" dirty="0">
+                <a:latin typeface="Courier New" panose="02070309020205020404" pitchFamily="49" charset="0"/>
+                <a:cs typeface="Courier New" panose="02070309020205020404" pitchFamily="49" charset="0"/>
+              </a:rPr>
+              <a:t>*</a:t>
+            </a:r>
+          </a:p>
+          <a:p>
+            <a:pPr algn="ctr"/>
+            <a:r>
+              <a:rPr lang="en-US" dirty="0">
+                <a:latin typeface="Courier New" panose="02070309020205020404" pitchFamily="49" charset="0"/>
+                <a:cs typeface="Courier New" panose="02070309020205020404" pitchFamily="49" charset="0"/>
+              </a:rPr>
+              <a:t>*</a:t>
+            </a:r>
+          </a:p>
+          <a:p>
+            <a:pPr algn="ctr"/>
+            <a:r>
+              <a:rPr lang="en-US" dirty="0">
+                <a:latin typeface="Courier New" panose="02070309020205020404" pitchFamily="49" charset="0"/>
+                <a:cs typeface="Courier New" panose="02070309020205020404" pitchFamily="49" charset="0"/>
+              </a:rPr>
+              <a:t>*****</a:t>
+            </a:r>
+          </a:p>
+          <a:p>
+            <a:pPr algn="ctr"/>
+            <a:r>
+              <a:rPr lang="en-US" dirty="0">
+                <a:latin typeface="Courier New" panose="02070309020205020404" pitchFamily="49" charset="0"/>
+                <a:cs typeface="Courier New" panose="02070309020205020404" pitchFamily="49" charset="0"/>
+              </a:rPr>
+              <a:t>*****</a:t>
+            </a:r>
+          </a:p>
+          <a:p>
+            <a:pPr algn="ctr"/>
+            <a:r>
+              <a:rPr lang="en-US" dirty="0">
+                <a:latin typeface="Courier New" panose="02070309020205020404" pitchFamily="49" charset="0"/>
+                <a:cs typeface="Courier New" panose="02070309020205020404" pitchFamily="49" charset="0"/>
+              </a:rPr>
+              <a:t>* *</a:t>
+            </a:r>
+          </a:p>
+          <a:p>
+            <a:pPr algn="ctr"/>
+            <a:r>
+              <a:rPr lang="en-US" dirty="0">
+                <a:latin typeface="Courier New" panose="02070309020205020404" pitchFamily="49" charset="0"/>
+                <a:cs typeface="Courier New" panose="02070309020205020404" pitchFamily="49" charset="0"/>
+              </a:rPr>
+              <a:t>*</a:t>
+            </a:r>
+          </a:p>
+          <a:p>
+            <a:pPr algn="ctr"/>
+            <a:r>
+              <a:rPr lang="en-US" dirty="0">
+                <a:latin typeface="Courier New" panose="02070309020205020404" pitchFamily="49" charset="0"/>
+                <a:cs typeface="Courier New" panose="02070309020205020404" pitchFamily="49" charset="0"/>
+              </a:rPr>
+              <a:t>* *</a:t>
+            </a:r>
+            <a:br>
+              <a:rPr lang="en-US" dirty="0">
+                <a:latin typeface="Courier New" panose="02070309020205020404" pitchFamily="49" charset="0"/>
+                <a:cs typeface="Courier New" panose="02070309020205020404" pitchFamily="49" charset="0"/>
+              </a:rPr>
+            </a:br>
+            <a:endParaRPr lang="en-US" dirty="0">
+              <a:latin typeface="Courier New" panose="02070309020205020404" pitchFamily="49" charset="0"/>
+              <a:cs typeface="Courier New" panose="02070309020205020404" pitchFamily="49" charset="0"/>
+            </a:endParaRPr>
           </a:p>
         </p:txBody>
       </p:sp>
     </p:spTree>
     <p:extLst>
       <p:ext uri="{BB962C8B-B14F-4D97-AF65-F5344CB8AC3E}">
-        <p14:creationId xmlns:p14="http://schemas.microsoft.com/office/powerpoint/2010/main" val="3009895862"/>
+        <p14:creationId xmlns:p14="http://schemas.microsoft.com/office/powerpoint/2010/main" val="29498804"/>
       </p:ext>
     </p:extLst>
   </p:cSld>
@@ -16451,9 +16614,7 @@
           <p:cNvGraphicFramePr>
             <a:graphicFrameLocks noGrp="1"/>
           </p:cNvGraphicFramePr>
-          <p:nvPr>
-            <p:extLst/>
-          </p:nvPr>
+          <p:nvPr/>
         </p:nvGraphicFramePr>
         <p:xfrm>
           <a:off x="2032000" y="2960192"/>
@@ -16510,9 +16671,7 @@
           <p:cNvGraphicFramePr>
             <a:graphicFrameLocks noGrp="1"/>
           </p:cNvGraphicFramePr>
-          <p:nvPr>
-            <p:extLst/>
-          </p:nvPr>
+          <p:nvPr/>
         </p:nvGraphicFramePr>
         <p:xfrm>
           <a:off x="2032001" y="3855365"/>
@@ -16695,9 +16854,7 @@
           <p:cNvGraphicFramePr>
             <a:graphicFrameLocks noGrp="1"/>
           </p:cNvGraphicFramePr>
-          <p:nvPr>
-            <p:extLst/>
-          </p:nvPr>
+          <p:nvPr/>
         </p:nvGraphicFramePr>
         <p:xfrm>
           <a:off x="2032001" y="5361603"/>
@@ -16822,19 +16979,14 @@
             <p:ph type="title"/>
           </p:nvPr>
         </p:nvSpPr>
-        <p:spPr>
-          <a:xfrm>
-            <a:off x="838200" y="698500"/>
-            <a:ext cx="6689651" cy="1157288"/>
-          </a:xfrm>
-        </p:spPr>
+        <p:spPr/>
         <p:txBody>
           <a:bodyPr/>
           <a:lstStyle/>
           <a:p>
             <a:r>
               <a:rPr lang="en-US" dirty="0"/>
-              <a:t>Challenge</a:t>
+              <a:t>Homework</a:t>
             </a:r>
           </a:p>
         </p:txBody>
@@ -16849,303 +17001,45 @@
             <p:ph idx="1"/>
           </p:nvPr>
         </p:nvSpPr>
-        <p:spPr>
-          <a:xfrm>
-            <a:off x="838200" y="2057399"/>
-            <a:ext cx="6689651" cy="4119563"/>
-          </a:xfrm>
-        </p:spPr>
+        <p:spPr/>
         <p:txBody>
           <a:bodyPr/>
           <a:lstStyle/>
           <a:p>
             <a:r>
               <a:rPr lang="en-US" dirty="0"/>
-              <a:t>There’s a 10 minute time limit.</a:t>
-            </a:r>
-          </a:p>
-          <a:p>
-            <a:r>
-              <a:rPr lang="en-US" dirty="0"/>
-              <a:t>Write a Java program called </a:t>
-            </a:r>
-            <a:r>
-              <a:rPr lang="en-US" dirty="0" err="1"/>
-              <a:t>StarFigures</a:t>
-            </a:r>
-            <a:r>
-              <a:rPr lang="en-US" dirty="0"/>
-              <a:t> that generates the following output</a:t>
-            </a:r>
-          </a:p>
-          <a:p>
-            <a:r>
-              <a:rPr lang="en-US" dirty="0"/>
-              <a:t>You MUST include a structure diagram or your answer will be disqualified</a:t>
-            </a:r>
-          </a:p>
-          <a:p>
-            <a:r>
-              <a:rPr lang="en-US" dirty="0"/>
-              <a:t>A correct answer will use static methods to show structure and eliminate redundancy in your solution</a:t>
-            </a:r>
-          </a:p>
-        </p:txBody>
-      </p:sp>
-      <p:sp>
-        <p:nvSpPr>
-          <p:cNvPr id="5" name="TextBox 4"/>
-          <p:cNvSpPr txBox="1"/>
-          <p:nvPr/>
-        </p:nvSpPr>
-        <p:spPr>
-          <a:xfrm>
-            <a:off x="7846827" y="698500"/>
-            <a:ext cx="4019107" cy="6463308"/>
-          </a:xfrm>
-          <a:prstGeom prst="rect">
-            <a:avLst/>
-          </a:prstGeom>
-          <a:noFill/>
-        </p:spPr>
-        <p:txBody>
-          <a:bodyPr wrap="square" rtlCol="0">
-            <a:spAutoFit/>
-          </a:bodyPr>
-          <a:lstStyle/>
-          <a:p>
-            <a:pPr algn="ctr"/>
-            <a:r>
-              <a:rPr lang="en-US" dirty="0">
-                <a:latin typeface="Courier New" panose="02070309020205020404" pitchFamily="49" charset="0"/>
-                <a:cs typeface="Courier New" panose="02070309020205020404" pitchFamily="49" charset="0"/>
-              </a:rPr>
-              <a:t>*****</a:t>
-            </a:r>
-          </a:p>
-          <a:p>
-            <a:pPr algn="ctr"/>
-            <a:r>
-              <a:rPr lang="en-US" dirty="0">
-                <a:latin typeface="Courier New" panose="02070309020205020404" pitchFamily="49" charset="0"/>
-                <a:cs typeface="Courier New" panose="02070309020205020404" pitchFamily="49" charset="0"/>
-              </a:rPr>
-              <a:t>*****</a:t>
-            </a:r>
-          </a:p>
-          <a:p>
-            <a:pPr algn="ctr"/>
-            <a:r>
-              <a:rPr lang="en-US" dirty="0">
-                <a:latin typeface="Courier New" panose="02070309020205020404" pitchFamily="49" charset="0"/>
-                <a:cs typeface="Courier New" panose="02070309020205020404" pitchFamily="49" charset="0"/>
-              </a:rPr>
-              <a:t>* *</a:t>
-            </a:r>
-          </a:p>
-          <a:p>
-            <a:pPr algn="ctr"/>
-            <a:r>
-              <a:rPr lang="en-US" dirty="0">
-                <a:latin typeface="Courier New" panose="02070309020205020404" pitchFamily="49" charset="0"/>
-                <a:cs typeface="Courier New" panose="02070309020205020404" pitchFamily="49" charset="0"/>
-              </a:rPr>
-              <a:t>*</a:t>
-            </a:r>
-          </a:p>
-          <a:p>
-            <a:pPr algn="ctr"/>
-            <a:r>
-              <a:rPr lang="en-US" dirty="0">
-                <a:latin typeface="Courier New" panose="02070309020205020404" pitchFamily="49" charset="0"/>
-                <a:cs typeface="Courier New" panose="02070309020205020404" pitchFamily="49" charset="0"/>
-              </a:rPr>
-              <a:t>* *</a:t>
-            </a:r>
-          </a:p>
-          <a:p>
-            <a:pPr marL="285750" indent="-285750" algn="ctr">
-              <a:buFont typeface="Arial" panose="020B0604020202020204" pitchFamily="34" charset="0"/>
-              <a:buChar char="•"/>
-            </a:pPr>
-            <a:endParaRPr lang="en-US" dirty="0">
-              <a:latin typeface="Courier New" panose="02070309020205020404" pitchFamily="49" charset="0"/>
-              <a:cs typeface="Courier New" panose="02070309020205020404" pitchFamily="49" charset="0"/>
-            </a:endParaRPr>
-          </a:p>
-          <a:p>
-            <a:pPr algn="ctr"/>
-            <a:r>
-              <a:rPr lang="en-US" dirty="0">
-                <a:latin typeface="Courier New" panose="02070309020205020404" pitchFamily="49" charset="0"/>
-                <a:cs typeface="Courier New" panose="02070309020205020404" pitchFamily="49" charset="0"/>
-              </a:rPr>
-              <a:t>*****</a:t>
-            </a:r>
-          </a:p>
-          <a:p>
-            <a:pPr algn="ctr"/>
-            <a:r>
-              <a:rPr lang="en-US" dirty="0">
-                <a:latin typeface="Courier New" panose="02070309020205020404" pitchFamily="49" charset="0"/>
-                <a:cs typeface="Courier New" panose="02070309020205020404" pitchFamily="49" charset="0"/>
-              </a:rPr>
-              <a:t>*****</a:t>
-            </a:r>
-          </a:p>
-          <a:p>
-            <a:pPr algn="ctr"/>
-            <a:r>
-              <a:rPr lang="en-US" dirty="0">
-                <a:latin typeface="Courier New" panose="02070309020205020404" pitchFamily="49" charset="0"/>
-                <a:cs typeface="Courier New" panose="02070309020205020404" pitchFamily="49" charset="0"/>
-              </a:rPr>
-              <a:t>* *</a:t>
-            </a:r>
-          </a:p>
-          <a:p>
-            <a:pPr algn="ctr"/>
-            <a:r>
-              <a:rPr lang="en-US" dirty="0">
-                <a:latin typeface="Courier New" panose="02070309020205020404" pitchFamily="49" charset="0"/>
-                <a:cs typeface="Courier New" panose="02070309020205020404" pitchFamily="49" charset="0"/>
-              </a:rPr>
-              <a:t>*</a:t>
-            </a:r>
-          </a:p>
-          <a:p>
-            <a:pPr algn="ctr"/>
-            <a:r>
-              <a:rPr lang="en-US" dirty="0">
-                <a:latin typeface="Courier New" panose="02070309020205020404" pitchFamily="49" charset="0"/>
-                <a:cs typeface="Courier New" panose="02070309020205020404" pitchFamily="49" charset="0"/>
-              </a:rPr>
-              <a:t>* *</a:t>
-            </a:r>
-          </a:p>
-          <a:p>
-            <a:pPr algn="ctr"/>
-            <a:r>
-              <a:rPr lang="en-US" dirty="0">
-                <a:latin typeface="Courier New" panose="02070309020205020404" pitchFamily="49" charset="0"/>
-                <a:cs typeface="Courier New" panose="02070309020205020404" pitchFamily="49" charset="0"/>
-              </a:rPr>
-              <a:t>*****</a:t>
-            </a:r>
-          </a:p>
-          <a:p>
-            <a:pPr algn="ctr"/>
-            <a:r>
-              <a:rPr lang="en-US" dirty="0">
-                <a:latin typeface="Courier New" panose="02070309020205020404" pitchFamily="49" charset="0"/>
-                <a:cs typeface="Courier New" panose="02070309020205020404" pitchFamily="49" charset="0"/>
-              </a:rPr>
-              <a:t>*****</a:t>
-            </a:r>
-          </a:p>
-          <a:p>
-            <a:pPr algn="ctr"/>
-            <a:endParaRPr lang="en-US" dirty="0">
-              <a:latin typeface="Courier New" panose="02070309020205020404" pitchFamily="49" charset="0"/>
-              <a:cs typeface="Courier New" panose="02070309020205020404" pitchFamily="49" charset="0"/>
-            </a:endParaRPr>
-          </a:p>
-          <a:p>
-            <a:pPr algn="ctr"/>
-            <a:r>
-              <a:rPr lang="en-US" dirty="0">
-                <a:latin typeface="Courier New" panose="02070309020205020404" pitchFamily="49" charset="0"/>
-                <a:cs typeface="Courier New" panose="02070309020205020404" pitchFamily="49" charset="0"/>
-              </a:rPr>
-              <a:t>*</a:t>
-            </a:r>
-          </a:p>
-          <a:p>
-            <a:pPr algn="ctr"/>
-            <a:r>
-              <a:rPr lang="en-US" dirty="0">
-                <a:latin typeface="Courier New" panose="02070309020205020404" pitchFamily="49" charset="0"/>
-                <a:cs typeface="Courier New" panose="02070309020205020404" pitchFamily="49" charset="0"/>
-              </a:rPr>
-              <a:t>*</a:t>
-            </a:r>
-          </a:p>
-          <a:p>
-            <a:pPr algn="ctr"/>
-            <a:r>
-              <a:rPr lang="en-US" dirty="0">
-                <a:latin typeface="Courier New" panose="02070309020205020404" pitchFamily="49" charset="0"/>
-                <a:cs typeface="Courier New" panose="02070309020205020404" pitchFamily="49" charset="0"/>
-              </a:rPr>
-              <a:t>*</a:t>
-            </a:r>
-          </a:p>
-          <a:p>
-            <a:pPr algn="ctr"/>
-            <a:r>
-              <a:rPr lang="en-US" dirty="0">
-                <a:latin typeface="Courier New" panose="02070309020205020404" pitchFamily="49" charset="0"/>
-                <a:cs typeface="Courier New" panose="02070309020205020404" pitchFamily="49" charset="0"/>
-              </a:rPr>
-              <a:t>*****</a:t>
-            </a:r>
-          </a:p>
-          <a:p>
-            <a:pPr algn="ctr"/>
-            <a:r>
-              <a:rPr lang="en-US" dirty="0">
-                <a:latin typeface="Courier New" panose="02070309020205020404" pitchFamily="49" charset="0"/>
-                <a:cs typeface="Courier New" panose="02070309020205020404" pitchFamily="49" charset="0"/>
-              </a:rPr>
-              <a:t>*****</a:t>
-            </a:r>
-          </a:p>
-          <a:p>
-            <a:pPr algn="ctr"/>
-            <a:r>
-              <a:rPr lang="en-US" dirty="0">
-                <a:latin typeface="Courier New" panose="02070309020205020404" pitchFamily="49" charset="0"/>
-                <a:cs typeface="Courier New" panose="02070309020205020404" pitchFamily="49" charset="0"/>
-              </a:rPr>
-              <a:t>* *</a:t>
-            </a:r>
-          </a:p>
-          <a:p>
-            <a:pPr algn="ctr"/>
-            <a:r>
-              <a:rPr lang="en-US" dirty="0">
-                <a:latin typeface="Courier New" panose="02070309020205020404" pitchFamily="49" charset="0"/>
-                <a:cs typeface="Courier New" panose="02070309020205020404" pitchFamily="49" charset="0"/>
-              </a:rPr>
-              <a:t>*</a:t>
-            </a:r>
-          </a:p>
-          <a:p>
-            <a:pPr algn="ctr"/>
-            <a:r>
-              <a:rPr lang="en-US" dirty="0">
-                <a:latin typeface="Courier New" panose="02070309020205020404" pitchFamily="49" charset="0"/>
-                <a:cs typeface="Courier New" panose="02070309020205020404" pitchFamily="49" charset="0"/>
-              </a:rPr>
-              <a:t>* *</a:t>
-            </a:r>
-            <a:br>
-              <a:rPr lang="en-US" dirty="0">
-                <a:latin typeface="Courier New" panose="02070309020205020404" pitchFamily="49" charset="0"/>
-                <a:cs typeface="Courier New" panose="02070309020205020404" pitchFamily="49" charset="0"/>
-              </a:rPr>
-            </a:br>
-            <a:endParaRPr lang="en-US" dirty="0">
-              <a:latin typeface="Courier New" panose="02070309020205020404" pitchFamily="49" charset="0"/>
-              <a:cs typeface="Courier New" panose="02070309020205020404" pitchFamily="49" charset="0"/>
-            </a:endParaRPr>
+              <a:t>No reading tonight!</a:t>
+            </a:r>
+          </a:p>
+          <a:p>
+            <a:endParaRPr lang="en-US" dirty="0"/>
+          </a:p>
+          <a:p>
+            <a:r>
+              <a:rPr lang="en-US" dirty="0"/>
+              <a:t>Complete an outline for chapter 1</a:t>
+            </a:r>
+          </a:p>
+          <a:p>
+            <a:endParaRPr lang="en-US" dirty="0"/>
+          </a:p>
+          <a:p>
+            <a:r>
+              <a:rPr lang="en-US" dirty="0"/>
+              <a:t>Please complete programming project 1.1 </a:t>
+            </a:r>
+            <a:r>
+              <a:rPr lang="en-US"/>
+              <a:t>and 1.3</a:t>
+            </a:r>
+            <a:endParaRPr lang="en-US" dirty="0"/>
           </a:p>
         </p:txBody>
       </p:sp>
     </p:spTree>
     <p:extLst>
       <p:ext uri="{BB962C8B-B14F-4D97-AF65-F5344CB8AC3E}">
-        <p14:creationId xmlns:p14="http://schemas.microsoft.com/office/powerpoint/2010/main" val="29498804"/>
+        <p14:creationId xmlns:p14="http://schemas.microsoft.com/office/powerpoint/2010/main" val="3918666505"/>
       </p:ext>
     </p:extLst>
   </p:cSld>
@@ -17179,7 +17073,7 @@
             <a:spLocks noGrp="1"/>
           </p:cNvSpPr>
           <p:nvPr>
-            <p:ph type="title"/>
+            <p:ph type="ctrTitle"/>
           </p:nvPr>
         </p:nvSpPr>
         <p:spPr/>
@@ -17189,19 +17083,19 @@
           <a:p>
             <a:r>
               <a:rPr lang="en-US" dirty="0"/>
-              <a:t>Practice It</a:t>
-            </a:r>
-          </a:p>
-        </p:txBody>
-      </p:sp>
-      <p:sp>
-        <p:nvSpPr>
-          <p:cNvPr id="3" name="Content Placeholder 2"/>
-          <p:cNvSpPr>
-            <a:spLocks noGrp="1"/>
-          </p:cNvSpPr>
-          <p:nvPr>
-            <p:ph idx="1"/>
+              <a:t>Programming Project</a:t>
+            </a:r>
+          </a:p>
+        </p:txBody>
+      </p:sp>
+      <p:sp>
+        <p:nvSpPr>
+          <p:cNvPr id="3" name="Subtitle 2"/>
+          <p:cNvSpPr>
+            <a:spLocks noGrp="1"/>
+          </p:cNvSpPr>
+          <p:nvPr>
+            <p:ph type="subTitle" idx="1"/>
           </p:nvPr>
         </p:nvSpPr>
         <p:spPr/>
@@ -17209,33 +17103,9 @@
           <a:bodyPr/>
           <a:lstStyle/>
           <a:p>
-            <a:pPr marL="0" indent="0">
-              <a:buNone/>
-            </a:pPr>
-            <a:r>
-              <a:rPr lang="en-US" dirty="0"/>
-              <a:t>If you speed through and finish early, here are some problems for you to try:</a:t>
-            </a:r>
-          </a:p>
-          <a:p>
-            <a:endParaRPr lang="en-US" dirty="0"/>
-          </a:p>
-          <a:p>
-            <a:pPr lvl="1"/>
-            <a:r>
-              <a:rPr lang="en-US" dirty="0"/>
-              <a:t>Complete Strange 2, Strange 3, Complicated 2 and Complicated 3 Practice-It</a:t>
-            </a:r>
-          </a:p>
-          <a:p>
-            <a:pPr lvl="1"/>
-            <a:endParaRPr lang="en-US" dirty="0"/>
-          </a:p>
-          <a:p>
-            <a:pPr lvl="1"/>
-            <a:r>
-              <a:rPr lang="en-US" dirty="0"/>
-              <a:t>Work on sample test questions with outputs that can be written using method calls. Make sure to include an answer key to your sample!</a:t>
+            <a:r>
+              <a:rPr lang="en-US" dirty="0"/>
+              <a:t>[ 1.07 ] [ Today’s Date ] [ Instructor Name ]</a:t>
             </a:r>
           </a:p>
         </p:txBody>
@@ -17243,7 +17113,7 @@
     </p:spTree>
     <p:extLst>
       <p:ext uri="{BB962C8B-B14F-4D97-AF65-F5344CB8AC3E}">
-        <p14:creationId xmlns:p14="http://schemas.microsoft.com/office/powerpoint/2010/main" val="3871720585"/>
+        <p14:creationId xmlns:p14="http://schemas.microsoft.com/office/powerpoint/2010/main" val="1878197193"/>
       </p:ext>
     </p:extLst>
   </p:cSld>
@@ -17287,7 +17157,7 @@
           <a:p>
             <a:r>
               <a:rPr lang="en-US" dirty="0"/>
-              <a:t>Homework</a:t>
+              <a:t>Programming Project 2: Similar Letters	</a:t>
             </a:r>
           </a:p>
         </p:txBody>
@@ -17307,40 +17177,50 @@
           <a:bodyPr/>
           <a:lstStyle/>
           <a:p>
-            <a:r>
-              <a:rPr lang="en-US" dirty="0"/>
-              <a:t>No reading tonight!</a:t>
+            <a:pPr marL="0" indent="0">
+              <a:buNone/>
+            </a:pPr>
+            <a:r>
+              <a:rPr lang="en-US" dirty="0"/>
+              <a:t>Should be able to print similar letters to three people of your choice</a:t>
+            </a:r>
+          </a:p>
+          <a:p>
+            <a:pPr marL="0" indent="0">
+              <a:buNone/>
+            </a:pPr>
+            <a:r>
+              <a:rPr lang="en-US" dirty="0"/>
+              <a:t>Each letter should have one paragraph in common with each other letter</a:t>
+            </a:r>
+          </a:p>
+          <a:p>
+            <a:pPr marL="0" indent="0">
+              <a:buNone/>
+            </a:pPr>
+            <a:r>
+              <a:rPr lang="en-US" dirty="0"/>
+              <a:t>Your main program should only have three method calls</a:t>
             </a:r>
           </a:p>
           <a:p>
             <a:endParaRPr lang="en-US" dirty="0"/>
           </a:p>
           <a:p>
-            <a:r>
-              <a:rPr lang="en-US" dirty="0"/>
-              <a:t>Complete an outline for chapter 1</a:t>
-            </a:r>
-          </a:p>
-          <a:p>
-            <a:endParaRPr lang="en-US" dirty="0"/>
-          </a:p>
-          <a:p>
-            <a:r>
-              <a:rPr lang="en-US" dirty="0"/>
-              <a:t>Please complete programming project 1.1 </a:t>
-            </a:r>
-            <a:r>
-              <a:rPr lang="en-US"/>
-              <a:t>and 1.3</a:t>
-            </a:r>
-            <a:endParaRPr lang="en-US" dirty="0"/>
+            <a:pPr marL="0" indent="0">
+              <a:buNone/>
+            </a:pPr>
+            <a:r>
+              <a:rPr lang="en-US" dirty="0"/>
+              <a:t>TIPS: Try to isolate repeated tasks into methods. Include comments in with your code so others can easily understand what your code is supposed to do</a:t>
+            </a:r>
           </a:p>
         </p:txBody>
       </p:sp>
     </p:spTree>
     <p:extLst>
       <p:ext uri="{BB962C8B-B14F-4D97-AF65-F5344CB8AC3E}">
-        <p14:creationId xmlns:p14="http://schemas.microsoft.com/office/powerpoint/2010/main" val="3918666505"/>
+        <p14:creationId xmlns:p14="http://schemas.microsoft.com/office/powerpoint/2010/main" val="1954838073"/>
       </p:ext>
     </p:extLst>
   </p:cSld>
@@ -17374,39 +17254,68 @@
             <a:spLocks noGrp="1"/>
           </p:cNvSpPr>
           <p:nvPr>
-            <p:ph type="ctrTitle"/>
+            <p:ph type="title"/>
           </p:nvPr>
         </p:nvSpPr>
         <p:spPr/>
         <p:txBody>
+          <a:bodyPr>
+            <a:normAutofit fontScale="90000"/>
+          </a:bodyPr>
+          <a:lstStyle/>
+          <a:p>
+            <a:r>
+              <a:rPr lang="en-US" dirty="0"/>
+              <a:t>Programming Project 5: The House that Jack Built</a:t>
+            </a:r>
+          </a:p>
+        </p:txBody>
+      </p:sp>
+      <p:sp>
+        <p:nvSpPr>
+          <p:cNvPr id="3" name="Content Placeholder 2"/>
+          <p:cNvSpPr>
+            <a:spLocks noGrp="1"/>
+          </p:cNvSpPr>
+          <p:nvPr>
+            <p:ph idx="1"/>
+          </p:nvPr>
+        </p:nvSpPr>
+        <p:spPr/>
+        <p:txBody>
           <a:bodyPr/>
           <a:lstStyle/>
           <a:p>
-            <a:r>
-              <a:rPr lang="en-US" dirty="0"/>
-              <a:t>Programming Project</a:t>
-            </a:r>
-          </a:p>
-        </p:txBody>
-      </p:sp>
-      <p:sp>
-        <p:nvSpPr>
-          <p:cNvPr id="3" name="Subtitle 2"/>
-          <p:cNvSpPr>
-            <a:spLocks noGrp="1"/>
-          </p:cNvSpPr>
-          <p:nvPr>
-            <p:ph type="subTitle" idx="1"/>
-          </p:nvPr>
-        </p:nvSpPr>
-        <p:spPr/>
-        <p:txBody>
-          <a:bodyPr/>
-          <a:lstStyle/>
-          <a:p>
-            <a:r>
-              <a:rPr lang="en-US" dirty="0"/>
-              <a:t>[ 1.07 ] [ Today’s Date ] [ Instructor Name ]</a:t>
+            <a:pPr marL="0" indent="0">
+              <a:buNone/>
+            </a:pPr>
+            <a:r>
+              <a:rPr lang="en-US" dirty="0"/>
+              <a:t>Write a program that produces as output the words of the song,   </a:t>
+            </a:r>
+          </a:p>
+          <a:p>
+            <a:pPr marL="0" indent="0">
+              <a:buNone/>
+            </a:pPr>
+            <a:r>
+              <a:rPr lang="en-US" dirty="0"/>
+              <a:t>“The House that Jack Built”</a:t>
+            </a:r>
+          </a:p>
+          <a:p>
+            <a:endParaRPr lang="en-US" dirty="0"/>
+          </a:p>
+          <a:p>
+            <a:r>
+              <a:rPr lang="en-US" dirty="0"/>
+              <a:t>Reference page 60 of your textbook for the full lyrics</a:t>
+            </a:r>
+          </a:p>
+          <a:p>
+            <a:r>
+              <a:rPr lang="en-US" dirty="0"/>
+              <a:t>Use methods for each verse and repeated text</a:t>
             </a:r>
           </a:p>
         </p:txBody>
@@ -17414,7 +17323,7 @@
     </p:spTree>
     <p:extLst>
       <p:ext uri="{BB962C8B-B14F-4D97-AF65-F5344CB8AC3E}">
-        <p14:creationId xmlns:p14="http://schemas.microsoft.com/office/powerpoint/2010/main" val="1878197193"/>
+        <p14:creationId xmlns:p14="http://schemas.microsoft.com/office/powerpoint/2010/main" val="4241946082"/>
       </p:ext>
     </p:extLst>
   </p:cSld>
@@ -17448,72 +17357,24 @@
             <a:spLocks noGrp="1"/>
           </p:cNvSpPr>
           <p:nvPr>
-            <p:ph type="title"/>
-          </p:nvPr>
-        </p:nvSpPr>
-        <p:spPr/>
-        <p:txBody>
-          <a:bodyPr/>
-          <a:lstStyle/>
-          <a:p>
-            <a:r>
-              <a:rPr lang="en-US" dirty="0"/>
-              <a:t>Programming Project 2: Similar Letters	</a:t>
-            </a:r>
-          </a:p>
-        </p:txBody>
-      </p:sp>
-      <p:sp>
-        <p:nvSpPr>
-          <p:cNvPr id="3" name="Content Placeholder 2"/>
-          <p:cNvSpPr>
-            <a:spLocks noGrp="1"/>
-          </p:cNvSpPr>
-          <p:nvPr>
-            <p:ph idx="1"/>
-          </p:nvPr>
-        </p:nvSpPr>
-        <p:spPr/>
-        <p:txBody>
-          <a:bodyPr/>
-          <a:lstStyle/>
-          <a:p>
-            <a:pPr marL="0" indent="0">
-              <a:buNone/>
-            </a:pPr>
-            <a:r>
-              <a:rPr lang="en-US" dirty="0"/>
-              <a:t>Should be able to print similar letters to three people of your choice</a:t>
-            </a:r>
-          </a:p>
-          <a:p>
-            <a:pPr marL="0" indent="0">
-              <a:buNone/>
-            </a:pPr>
-            <a:r>
-              <a:rPr lang="en-US" dirty="0"/>
-              <a:t>Each letter should have one paragraph in common with each other letter</a:t>
-            </a:r>
-          </a:p>
-          <a:p>
-            <a:pPr marL="0" indent="0">
-              <a:buNone/>
-            </a:pPr>
-            <a:r>
-              <a:rPr lang="en-US" dirty="0"/>
-              <a:t>Your main program should only have three method calls</a:t>
-            </a:r>
-          </a:p>
-          <a:p>
-            <a:endParaRPr lang="en-US" dirty="0"/>
-          </a:p>
-          <a:p>
-            <a:pPr marL="0" indent="0">
-              <a:buNone/>
-            </a:pPr>
-            <a:r>
-              <a:rPr lang="en-US" dirty="0"/>
-              <a:t>TIPS: Try to isolate repeated tasks into methods. Include comments in with your code so others can easily understand what your code is supposed to do</a:t>
+            <p:ph type="ctrTitle"/>
+          </p:nvPr>
+        </p:nvSpPr>
+        <p:spPr>
+          <a:xfrm>
+            <a:off x="1524000" y="1864488"/>
+            <a:ext cx="9144000" cy="2387600"/>
+          </a:xfrm>
+        </p:spPr>
+        <p:txBody>
+          <a:bodyPr>
+            <a:normAutofit/>
+          </a:bodyPr>
+          <a:lstStyle/>
+          <a:p>
+            <a:r>
+              <a:rPr lang="en-US" sz="4400" dirty="0"/>
+              <a:t>If you finish early, work on Programming Project 4</a:t>
             </a:r>
           </a:p>
         </p:txBody>
@@ -17521,7 +17382,7 @@
     </p:spTree>
     <p:extLst>
       <p:ext uri="{BB962C8B-B14F-4D97-AF65-F5344CB8AC3E}">
-        <p14:creationId xmlns:p14="http://schemas.microsoft.com/office/powerpoint/2010/main" val="1954838073"/>
+        <p14:creationId xmlns:p14="http://schemas.microsoft.com/office/powerpoint/2010/main" val="61598905"/>
       </p:ext>
     </p:extLst>
   </p:cSld>
@@ -17560,14 +17421,12 @@
         </p:nvSpPr>
         <p:spPr/>
         <p:txBody>
-          <a:bodyPr>
-            <a:normAutofit fontScale="90000"/>
-          </a:bodyPr>
-          <a:lstStyle/>
-          <a:p>
-            <a:r>
-              <a:rPr lang="en-US" dirty="0"/>
-              <a:t>Programming Project 5: The House that Jack Built</a:t>
+          <a:bodyPr/>
+          <a:lstStyle/>
+          <a:p>
+            <a:r>
+              <a:rPr lang="en-US" dirty="0"/>
+              <a:t>Homework</a:t>
             </a:r>
           </a:p>
         </p:txBody>
@@ -17587,21 +17446,9 @@
           <a:bodyPr/>
           <a:lstStyle/>
           <a:p>
-            <a:pPr marL="0" indent="0">
-              <a:buNone/>
-            </a:pPr>
-            <a:r>
-              <a:rPr lang="en-US" dirty="0"/>
-              <a:t>Write a program that produces as output the words of the song,   </a:t>
-            </a:r>
-          </a:p>
-          <a:p>
-            <a:pPr marL="0" indent="0">
-              <a:buNone/>
-            </a:pPr>
-            <a:r>
-              <a:rPr lang="en-US" dirty="0"/>
-              <a:t>“The House that Jack Built”</a:t>
+            <a:r>
+              <a:rPr lang="en-US" dirty="0"/>
+              <a:t>All students must turn in notes for each day of class (including days missed due to absence)</a:t>
             </a:r>
           </a:p>
           <a:p>
@@ -17610,21 +17457,29 @@
           <a:p>
             <a:r>
               <a:rPr lang="en-US" dirty="0"/>
-              <a:t>Reference page 60 of your textbook for the full lyrics</a:t>
-            </a:r>
-          </a:p>
-          <a:p>
-            <a:r>
-              <a:rPr lang="en-US" dirty="0"/>
-              <a:t>Use methods for each verse and repeated text</a:t>
-            </a:r>
+              <a:t>Notes must be fully completed, adding daily summaries if needed</a:t>
+            </a:r>
+          </a:p>
+          <a:p>
+            <a:endParaRPr lang="en-US" dirty="0"/>
+          </a:p>
+          <a:p>
+            <a:r>
+              <a:rPr lang="en-US" dirty="0"/>
+              <a:t>Students may use the book to supplement their notes </a:t>
+            </a:r>
+            <a:r>
+              <a:rPr lang="en-US"/>
+              <a:t>if needed</a:t>
+            </a:r>
+            <a:endParaRPr lang="en-US" dirty="0"/>
           </a:p>
         </p:txBody>
       </p:sp>
     </p:spTree>
     <p:extLst>
       <p:ext uri="{BB962C8B-B14F-4D97-AF65-F5344CB8AC3E}">
-        <p14:creationId xmlns:p14="http://schemas.microsoft.com/office/powerpoint/2010/main" val="4241946082"/>
+        <p14:creationId xmlns:p14="http://schemas.microsoft.com/office/powerpoint/2010/main" val="3343804114"/>
       </p:ext>
     </p:extLst>
   </p:cSld>
@@ -17661,21 +17516,36 @@
             <p:ph type="ctrTitle"/>
           </p:nvPr>
         </p:nvSpPr>
-        <p:spPr>
-          <a:xfrm>
-            <a:off x="1524000" y="1864488"/>
-            <a:ext cx="9144000" cy="2387600"/>
-          </a:xfrm>
-        </p:spPr>
-        <p:txBody>
-          <a:bodyPr>
-            <a:normAutofit/>
-          </a:bodyPr>
-          <a:lstStyle/>
-          <a:p>
-            <a:r>
-              <a:rPr lang="en-US" sz="4400" dirty="0"/>
-              <a:t>If you finish early, work on Programming Project 4</a:t>
+        <p:spPr/>
+        <p:txBody>
+          <a:bodyPr/>
+          <a:lstStyle/>
+          <a:p>
+            <a:r>
+              <a:rPr lang="en-US" dirty="0"/>
+              <a:t>Finding and Fixing Errors</a:t>
+            </a:r>
+          </a:p>
+        </p:txBody>
+      </p:sp>
+      <p:sp>
+        <p:nvSpPr>
+          <p:cNvPr id="3" name="Subtitle 2"/>
+          <p:cNvSpPr>
+            <a:spLocks noGrp="1"/>
+          </p:cNvSpPr>
+          <p:nvPr>
+            <p:ph type="subTitle" idx="1"/>
+          </p:nvPr>
+        </p:nvSpPr>
+        <p:spPr/>
+        <p:txBody>
+          <a:bodyPr/>
+          <a:lstStyle/>
+          <a:p>
+            <a:r>
+              <a:rPr lang="en-US" dirty="0"/>
+              <a:t>[ 1.08 ] [ Today’s Date ] [ Instructor Name ]</a:t>
             </a:r>
           </a:p>
         </p:txBody>
@@ -17683,7 +17553,7 @@
     </p:spTree>
     <p:extLst>
       <p:ext uri="{BB962C8B-B14F-4D97-AF65-F5344CB8AC3E}">
-        <p14:creationId xmlns:p14="http://schemas.microsoft.com/office/powerpoint/2010/main" val="61598905"/>
+        <p14:creationId xmlns:p14="http://schemas.microsoft.com/office/powerpoint/2010/main" val="3197655362"/>
       </p:ext>
     </p:extLst>
   </p:cSld>
@@ -17727,7 +17597,7 @@
           <a:p>
             <a:r>
               <a:rPr lang="en-US" dirty="0"/>
-              <a:t>Homework</a:t>
+              <a:t>Today’s plan:</a:t>
             </a:r>
           </a:p>
         </p:txBody>
@@ -17747,40 +17617,59 @@
           <a:bodyPr/>
           <a:lstStyle/>
           <a:p>
-            <a:r>
-              <a:rPr lang="en-US" dirty="0"/>
-              <a:t>All students must turn in notes for each day of class (including days missed due to absence)</a:t>
+            <a:pPr marL="0" indent="0">
+              <a:buNone/>
+            </a:pPr>
+            <a:r>
+              <a:rPr lang="en-US" dirty="0"/>
+              <a:t>Error check and resubmit all chapter 1 assignments</a:t>
             </a:r>
           </a:p>
           <a:p>
             <a:endParaRPr lang="en-US" dirty="0"/>
           </a:p>
           <a:p>
-            <a:r>
-              <a:rPr lang="en-US" dirty="0"/>
-              <a:t>Notes must be fully completed, adding daily summaries if needed</a:t>
-            </a:r>
-          </a:p>
-          <a:p>
+            <a:pPr marL="0" indent="0">
+              <a:buNone/>
+            </a:pPr>
+            <a:r>
+              <a:rPr lang="en-US" dirty="0"/>
+              <a:t>Study for the test by:</a:t>
+            </a:r>
+          </a:p>
+          <a:p>
+            <a:pPr lvl="1"/>
+            <a:r>
+              <a:rPr lang="en-US" dirty="0"/>
+              <a:t>Reviewing all of the blue, self-check pages at the end of Chapter 1</a:t>
+            </a:r>
+          </a:p>
+          <a:p>
+            <a:pPr lvl="1"/>
+            <a:r>
+              <a:rPr lang="en-US" dirty="0"/>
+              <a:t>Re-reading sections as needed to complete the self-check problems</a:t>
+            </a:r>
+          </a:p>
+          <a:p>
+            <a:pPr lvl="1"/>
             <a:endParaRPr lang="en-US" dirty="0"/>
           </a:p>
           <a:p>
-            <a:r>
-              <a:rPr lang="en-US" dirty="0"/>
-              <a:t>Students may use the book to supplement their notes </a:t>
-            </a:r>
-            <a:r>
-              <a:rPr lang="en-US"/>
-              <a:t>if needed</a:t>
-            </a:r>
-            <a:endParaRPr lang="en-US" dirty="0"/>
+            <a:pPr marL="0" indent="0">
+              <a:buNone/>
+            </a:pPr>
+            <a:r>
+              <a:rPr lang="en-US" dirty="0"/>
+              <a:t>Submit 5 questions for review in class tomorrow</a:t>
+            </a:r>
           </a:p>
         </p:txBody>
       </p:sp>
     </p:spTree>
     <p:extLst>
       <p:ext uri="{BB962C8B-B14F-4D97-AF65-F5344CB8AC3E}">
-        <p14:creationId xmlns:p14="http://schemas.microsoft.com/office/powerpoint/2010/main" val="3343804114"/>
+        <p14:creationId xmlns:p14="http://schemas.microsoft.com/office/powerpoint/2010/main" val="4012499853"/>
       </p:ext>
     </p:extLst>
   </p:cSld>
@@ -17814,7 +17703,7 @@
             <a:spLocks noGrp="1"/>
           </p:cNvSpPr>
           <p:nvPr>
-            <p:ph type="ctrTitle"/>
+            <p:ph type="title"/>
           </p:nvPr>
         </p:nvSpPr>
         <p:spPr/>
@@ -17824,19 +17713,19 @@
           <a:p>
             <a:r>
               <a:rPr lang="en-US" dirty="0"/>
-              <a:t>Finding and Fixing Errors</a:t>
-            </a:r>
-          </a:p>
-        </p:txBody>
-      </p:sp>
-      <p:sp>
-        <p:nvSpPr>
-          <p:cNvPr id="3" name="Subtitle 2"/>
-          <p:cNvSpPr>
-            <a:spLocks noGrp="1"/>
-          </p:cNvSpPr>
-          <p:nvPr>
-            <p:ph type="subTitle" idx="1"/>
+              <a:t>Homework Regrade/Resubmit</a:t>
+            </a:r>
+          </a:p>
+        </p:txBody>
+      </p:sp>
+      <p:sp>
+        <p:nvSpPr>
+          <p:cNvPr id="3" name="Content Placeholder 2"/>
+          <p:cNvSpPr>
+            <a:spLocks noGrp="1"/>
+          </p:cNvSpPr>
+          <p:nvPr>
+            <p:ph idx="1"/>
           </p:nvPr>
         </p:nvSpPr>
         <p:spPr/>
@@ -17844,9 +17733,24 @@
           <a:bodyPr/>
           <a:lstStyle/>
           <a:p>
-            <a:r>
-              <a:rPr lang="en-US" dirty="0"/>
-              <a:t>[ 1.08 ] [ Today’s Date ] [ Instructor Name ]</a:t>
+            <a:pPr marL="0" indent="0">
+              <a:buNone/>
+            </a:pPr>
+            <a:r>
+              <a:rPr lang="en-US" dirty="0"/>
+              <a:t>You all have the opportunity to get full credit  on your homework grades by correcting them now, in class</a:t>
+            </a:r>
+          </a:p>
+          <a:p>
+            <a:endParaRPr lang="en-US" dirty="0"/>
+          </a:p>
+          <a:p>
+            <a:pPr marL="0" indent="0">
+              <a:buNone/>
+            </a:pPr>
+            <a:r>
+              <a:rPr lang="en-US" dirty="0"/>
+              <a:t>Use your error checking algorithm, and if you need help just ask!</a:t>
             </a:r>
           </a:p>
         </p:txBody>
@@ -17854,7 +17758,7 @@
     </p:spTree>
     <p:extLst>
       <p:ext uri="{BB962C8B-B14F-4D97-AF65-F5344CB8AC3E}">
-        <p14:creationId xmlns:p14="http://schemas.microsoft.com/office/powerpoint/2010/main" val="3197655362"/>
+        <p14:creationId xmlns:p14="http://schemas.microsoft.com/office/powerpoint/2010/main" val="1861775452"/>
       </p:ext>
     </p:extLst>
   </p:cSld>
@@ -17898,7 +17802,7 @@
           <a:p>
             <a:r>
               <a:rPr lang="en-US" dirty="0"/>
-              <a:t>Today’s plan:</a:t>
+              <a:t>Caveat: Style</a:t>
             </a:r>
           </a:p>
         </p:txBody>
@@ -17923,46 +17827,25 @@
             </a:pPr>
             <a:r>
               <a:rPr lang="en-US" dirty="0"/>
-              <a:t>Error check and resubmit all chapter 1 assignments</a:t>
+              <a:t>In order to get your full credit, you’ll need to restyle your code</a:t>
             </a:r>
           </a:p>
           <a:p>
             <a:endParaRPr lang="en-US" dirty="0"/>
           </a:p>
           <a:p>
-            <a:pPr marL="0" indent="0">
-              <a:buNone/>
-            </a:pPr>
-            <a:r>
-              <a:rPr lang="en-US" dirty="0"/>
-              <a:t>Study for the test by:</a:t>
-            </a:r>
-          </a:p>
-          <a:p>
-            <a:pPr lvl="1"/>
-            <a:r>
-              <a:rPr lang="en-US" dirty="0"/>
-              <a:t>Reviewing all of the blue, self-check pages at the end of Chapter 1</a:t>
-            </a:r>
-          </a:p>
-          <a:p>
-            <a:pPr lvl="1"/>
-            <a:r>
-              <a:rPr lang="en-US" dirty="0"/>
-              <a:t>Re-reading sections as needed to complete the self-check problems</a:t>
-            </a:r>
-          </a:p>
-          <a:p>
-            <a:pPr lvl="1"/>
+            <a:r>
+              <a:rPr lang="en-US" dirty="0"/>
+              <a:t>In programming style is necessary</a:t>
+            </a:r>
+          </a:p>
+          <a:p>
             <a:endParaRPr lang="en-US" dirty="0"/>
           </a:p>
           <a:p>
-            <a:pPr marL="0" indent="0">
-              <a:buNone/>
-            </a:pPr>
-            <a:r>
-              <a:rPr lang="en-US" dirty="0"/>
-              <a:t>Submit 5 questions for review in class tomorrow</a:t>
+            <a:r>
+              <a:rPr lang="en-US" dirty="0"/>
+              <a:t>We’ll touch on a few major style guidelines</a:t>
             </a:r>
           </a:p>
         </p:txBody>
@@ -17970,7 +17853,7 @@
     </p:spTree>
     <p:extLst>
       <p:ext uri="{BB962C8B-B14F-4D97-AF65-F5344CB8AC3E}">
-        <p14:creationId xmlns:p14="http://schemas.microsoft.com/office/powerpoint/2010/main" val="4012499853"/>
+        <p14:creationId xmlns:p14="http://schemas.microsoft.com/office/powerpoint/2010/main" val="3413153245"/>
       </p:ext>
     </p:extLst>
   </p:cSld>
@@ -18133,7 +18016,7 @@
           <a:p>
             <a:r>
               <a:rPr lang="en-US" dirty="0"/>
-              <a:t>Homework Regrade/Resubmit</a:t>
+              <a:t>Style:</a:t>
             </a:r>
           </a:p>
         </p:txBody>
@@ -18158,11 +18041,40 @@
             </a:pPr>
             <a:r>
               <a:rPr lang="en-US" dirty="0"/>
-              <a:t>You all have the opportunity to get full credit  on your homework grades by correcting them now, in class</a:t>
-            </a:r>
-          </a:p>
-          <a:p>
-            <a:endParaRPr lang="en-US" dirty="0"/>
+              <a:t>Class Names</a:t>
+            </a:r>
+            <a:endParaRPr lang="en-US" dirty="0">
+              <a:latin typeface="Courier New" panose="02070309020205020404" pitchFamily="49" charset="0"/>
+              <a:cs typeface="Courier New" panose="02070309020205020404" pitchFamily="49" charset="0"/>
+            </a:endParaRPr>
+          </a:p>
+          <a:p>
+            <a:pPr lvl="1"/>
+            <a:r>
+              <a:rPr lang="en-US" dirty="0" err="1">
+                <a:latin typeface="Courier New" panose="02070309020205020404" pitchFamily="49" charset="0"/>
+                <a:cs typeface="Courier New" panose="02070309020205020404" pitchFamily="49" charset="0"/>
+              </a:rPr>
+              <a:t>MyProgram</a:t>
+            </a:r>
+            <a:r>
+              <a:rPr lang="en-US" dirty="0">
+                <a:latin typeface="Courier New" panose="02070309020205020404" pitchFamily="49" charset="0"/>
+                <a:cs typeface="Courier New" panose="02070309020205020404" pitchFamily="49" charset="0"/>
+              </a:rPr>
+              <a:t>, </a:t>
+            </a:r>
+            <a:r>
+              <a:rPr lang="en-US" dirty="0" err="1">
+                <a:latin typeface="Courier New" panose="02070309020205020404" pitchFamily="49" charset="0"/>
+                <a:cs typeface="Courier New" panose="02070309020205020404" pitchFamily="49" charset="0"/>
+              </a:rPr>
+              <a:t>CritterMain</a:t>
+            </a:r>
+            <a:endParaRPr lang="en-US" dirty="0">
+              <a:latin typeface="Courier New" panose="02070309020205020404" pitchFamily="49" charset="0"/>
+              <a:cs typeface="Courier New" panose="02070309020205020404" pitchFamily="49" charset="0"/>
+            </a:endParaRPr>
           </a:p>
           <a:p>
             <a:pPr marL="0" indent="0">
@@ -18170,7 +18082,97 @@
             </a:pPr>
             <a:r>
               <a:rPr lang="en-US" dirty="0"/>
-              <a:t>Use your error checking algorithm, and if you need help just ask!</a:t>
+              <a:t>Method/Variable Names</a:t>
+            </a:r>
+            <a:endParaRPr lang="en-US" dirty="0">
+              <a:latin typeface="Courier New" panose="02070309020205020404" pitchFamily="49" charset="0"/>
+              <a:cs typeface="Courier New" panose="02070309020205020404" pitchFamily="49" charset="0"/>
+            </a:endParaRPr>
+          </a:p>
+          <a:p>
+            <a:pPr lvl="1"/>
+            <a:r>
+              <a:rPr lang="en-US" dirty="0">
+                <a:latin typeface="Courier New" panose="02070309020205020404" pitchFamily="49" charset="0"/>
+                <a:cs typeface="Courier New" panose="02070309020205020404" pitchFamily="49" charset="0"/>
+              </a:rPr>
+              <a:t>greatMethod1(), String </a:t>
+            </a:r>
+            <a:r>
+              <a:rPr lang="en-US" dirty="0" err="1">
+                <a:latin typeface="Courier New" panose="02070309020205020404" pitchFamily="49" charset="0"/>
+                <a:cs typeface="Courier New" panose="02070309020205020404" pitchFamily="49" charset="0"/>
+              </a:rPr>
+              <a:t>firstName</a:t>
+            </a:r>
+            <a:r>
+              <a:rPr lang="en-US" dirty="0">
+                <a:latin typeface="Courier New" panose="02070309020205020404" pitchFamily="49" charset="0"/>
+                <a:cs typeface="Courier New" panose="02070309020205020404" pitchFamily="49" charset="0"/>
+              </a:rPr>
+              <a:t>, </a:t>
+            </a:r>
+            <a:r>
+              <a:rPr lang="en-US" dirty="0" err="1">
+                <a:latin typeface="Courier New" panose="02070309020205020404" pitchFamily="49" charset="0"/>
+                <a:cs typeface="Courier New" panose="02070309020205020404" pitchFamily="49" charset="0"/>
+              </a:rPr>
+              <a:t>int</a:t>
+            </a:r>
+            <a:r>
+              <a:rPr lang="en-US" dirty="0">
+                <a:latin typeface="Courier New" panose="02070309020205020404" pitchFamily="49" charset="0"/>
+                <a:cs typeface="Courier New" panose="02070309020205020404" pitchFamily="49" charset="0"/>
+              </a:rPr>
+              <a:t> </a:t>
+            </a:r>
+            <a:r>
+              <a:rPr lang="en-US" dirty="0" err="1">
+                <a:latin typeface="Courier New" panose="02070309020205020404" pitchFamily="49" charset="0"/>
+                <a:cs typeface="Courier New" panose="02070309020205020404" pitchFamily="49" charset="0"/>
+              </a:rPr>
+              <a:t>countOfX</a:t>
+            </a:r>
+            <a:endParaRPr lang="en-US" dirty="0">
+              <a:latin typeface="Courier New" panose="02070309020205020404" pitchFamily="49" charset="0"/>
+              <a:cs typeface="Courier New" panose="02070309020205020404" pitchFamily="49" charset="0"/>
+            </a:endParaRPr>
+          </a:p>
+          <a:p>
+            <a:pPr lvl="1"/>
+            <a:endParaRPr lang="en-US" dirty="0">
+              <a:latin typeface="Courier New" panose="02070309020205020404" pitchFamily="49" charset="0"/>
+              <a:cs typeface="Courier New" panose="02070309020205020404" pitchFamily="49" charset="0"/>
+            </a:endParaRPr>
+          </a:p>
+          <a:p>
+            <a:pPr marL="0" indent="0">
+              <a:buNone/>
+            </a:pPr>
+            <a:r>
+              <a:rPr lang="en-US" dirty="0"/>
+              <a:t>Use header, method, field, and inside-method commenting</a:t>
+            </a:r>
+          </a:p>
+          <a:p>
+            <a:pPr lvl="1"/>
+            <a:r>
+              <a:rPr lang="en-US" dirty="0"/>
+              <a:t>Method commenting: //Prints an introduction to programming style</a:t>
+            </a:r>
+          </a:p>
+          <a:p>
+            <a:pPr lvl="1"/>
+            <a:r>
+              <a:rPr lang="en-US" dirty="0"/>
+              <a:t>Inside-method commenting: //This variable is used to count your steps</a:t>
+            </a:r>
+          </a:p>
+          <a:p>
+            <a:pPr lvl="1"/>
+            <a:r>
+              <a:rPr lang="en-US" dirty="0"/>
+              <a:t>We’ll introduce more commenting and style as we move along!</a:t>
             </a:r>
           </a:p>
         </p:txBody>
@@ -18178,7 +18180,7 @@
     </p:spTree>
     <p:extLst>
       <p:ext uri="{BB962C8B-B14F-4D97-AF65-F5344CB8AC3E}">
-        <p14:creationId xmlns:p14="http://schemas.microsoft.com/office/powerpoint/2010/main" val="1861775452"/>
+        <p14:creationId xmlns:p14="http://schemas.microsoft.com/office/powerpoint/2010/main" val="1322998958"/>
       </p:ext>
     </p:extLst>
   </p:cSld>
@@ -18222,7 +18224,7 @@
           <a:p>
             <a:r>
               <a:rPr lang="en-US" dirty="0"/>
-              <a:t>Caveat: Style</a:t>
+              <a:t>Style:</a:t>
             </a:r>
           </a:p>
         </p:txBody>
@@ -18239,7 +18241,9 @@
         </p:nvSpPr>
         <p:spPr/>
         <p:txBody>
-          <a:bodyPr/>
+          <a:bodyPr>
+            <a:normAutofit/>
+          </a:bodyPr>
           <a:lstStyle/>
           <a:p>
             <a:pPr marL="0" indent="0">
@@ -18247,25 +18251,45 @@
             </a:pPr>
             <a:r>
               <a:rPr lang="en-US" dirty="0"/>
-              <a:t>In order to get your full credit, you’ll need to restyle your code</a:t>
-            </a:r>
-          </a:p>
-          <a:p>
+              <a:t>Formatting:</a:t>
+            </a:r>
+          </a:p>
+          <a:p>
+            <a:pPr lvl="1"/>
+            <a:r>
+              <a:rPr lang="en-US" dirty="0"/>
+              <a:t>Keep your lines under 100 characters of length, preferably 80 characters</a:t>
+            </a:r>
+          </a:p>
+          <a:p>
+            <a:pPr marL="0" indent="0">
+              <a:buNone/>
+            </a:pPr>
+            <a:r>
+              <a:rPr lang="en-US" dirty="0"/>
+              <a:t>Redundancy:</a:t>
+            </a:r>
+          </a:p>
+          <a:p>
+            <a:pPr lvl="1"/>
+            <a:r>
+              <a:rPr lang="en-US" dirty="0"/>
+              <a:t>We touched on this previously, but redundant code is bad style</a:t>
+            </a:r>
+          </a:p>
+          <a:p>
+            <a:pPr marL="457200" lvl="1" indent="0">
+              <a:buNone/>
+            </a:pPr>
             <a:endParaRPr lang="en-US" dirty="0"/>
           </a:p>
           <a:p>
-            <a:r>
-              <a:rPr lang="en-US" dirty="0"/>
-              <a:t>In programming style is necessary</a:t>
-            </a:r>
-          </a:p>
-          <a:p>
-            <a:endParaRPr lang="en-US" dirty="0"/>
-          </a:p>
-          <a:p>
-            <a:r>
-              <a:rPr lang="en-US" dirty="0"/>
-              <a:t>We’ll touch on a few major style guidelines</a:t>
+            <a:pPr marL="0" indent="0">
+              <a:buNone/>
+            </a:pPr>
+            <a:r>
+              <a:rPr lang="en-US" dirty="0"/>
+              <a:t>*For advanced coders: Do not use break, break-like, or continue statements in your code! Also no empty return statements!</a:t>
             </a:r>
           </a:p>
         </p:txBody>
@@ -18273,7 +18297,7 @@
     </p:spTree>
     <p:extLst>
       <p:ext uri="{BB962C8B-B14F-4D97-AF65-F5344CB8AC3E}">
-        <p14:creationId xmlns:p14="http://schemas.microsoft.com/office/powerpoint/2010/main" val="3413153245"/>
+        <p14:creationId xmlns:p14="http://schemas.microsoft.com/office/powerpoint/2010/main" val="3737129682"/>
       </p:ext>
     </p:extLst>
   </p:cSld>
@@ -18342,40 +18366,22 @@
             </a:pPr>
             <a:r>
               <a:rPr lang="en-US" dirty="0"/>
-              <a:t>Class Names</a:t>
-            </a:r>
-            <a:endParaRPr lang="en-US" dirty="0">
-              <a:latin typeface="Courier New" panose="02070309020205020404" pitchFamily="49" charset="0"/>
-              <a:cs typeface="Courier New" panose="02070309020205020404" pitchFamily="49" charset="0"/>
-            </a:endParaRPr>
+              <a:t>UW Commenting Guide:</a:t>
+            </a:r>
           </a:p>
           <a:p>
             <a:pPr lvl="1"/>
             <a:r>
-              <a:rPr lang="en-US" dirty="0" err="1">
-                <a:latin typeface="Courier New" panose="02070309020205020404" pitchFamily="49" charset="0"/>
-                <a:cs typeface="Courier New" panose="02070309020205020404" pitchFamily="49" charset="0"/>
-              </a:rPr>
-              <a:t>MyProgram</a:t>
-            </a:r>
-            <a:r>
               <a:rPr lang="en-US" dirty="0">
-                <a:latin typeface="Courier New" panose="02070309020205020404" pitchFamily="49" charset="0"/>
-                <a:cs typeface="Courier New" panose="02070309020205020404" pitchFamily="49" charset="0"/>
-              </a:rPr>
-              <a:t>, </a:t>
-            </a:r>
-            <a:r>
-              <a:rPr lang="en-US" dirty="0" err="1">
-                <a:latin typeface="Courier New" panose="02070309020205020404" pitchFamily="49" charset="0"/>
-                <a:cs typeface="Courier New" panose="02070309020205020404" pitchFamily="49" charset="0"/>
-              </a:rPr>
-              <a:t>CritterMain</a:t>
-            </a:r>
-            <a:endParaRPr lang="en-US" dirty="0">
-              <a:latin typeface="Courier New" panose="02070309020205020404" pitchFamily="49" charset="0"/>
-              <a:cs typeface="Courier New" panose="02070309020205020404" pitchFamily="49" charset="0"/>
-            </a:endParaRPr>
+                <a:hlinkClick r:id="rId2"/>
+              </a:rPr>
+              <a:t>http://courses.cs.washington.edu/courses/cse142/11au/handouts/comment-guide-eric-arendt.pdf</a:t>
+            </a:r>
+            <a:endParaRPr lang="en-US" dirty="0"/>
+          </a:p>
+          <a:p>
+            <a:pPr lvl="1"/>
+            <a:endParaRPr lang="en-US" dirty="0"/>
           </a:p>
           <a:p>
             <a:pPr marL="0" indent="0">
@@ -18383,105 +18389,29 @@
             </a:pPr>
             <a:r>
               <a:rPr lang="en-US" dirty="0"/>
-              <a:t>Method/Variable Names</a:t>
-            </a:r>
-            <a:endParaRPr lang="en-US" dirty="0">
-              <a:latin typeface="Courier New" panose="02070309020205020404" pitchFamily="49" charset="0"/>
-              <a:cs typeface="Courier New" panose="02070309020205020404" pitchFamily="49" charset="0"/>
-            </a:endParaRPr>
+              <a:t>UW Style Guide:</a:t>
+            </a:r>
           </a:p>
           <a:p>
             <a:pPr lvl="1"/>
             <a:r>
               <a:rPr lang="en-US" dirty="0">
-                <a:latin typeface="Courier New" panose="02070309020205020404" pitchFamily="49" charset="0"/>
-                <a:cs typeface="Courier New" panose="02070309020205020404" pitchFamily="49" charset="0"/>
-              </a:rPr>
-              <a:t>greatMethod1(), String </a:t>
-            </a:r>
-            <a:r>
-              <a:rPr lang="en-US" dirty="0" err="1">
-                <a:latin typeface="Courier New" panose="02070309020205020404" pitchFamily="49" charset="0"/>
-                <a:cs typeface="Courier New" panose="02070309020205020404" pitchFamily="49" charset="0"/>
-              </a:rPr>
-              <a:t>firstName</a:t>
-            </a:r>
-            <a:r>
-              <a:rPr lang="en-US" dirty="0">
-                <a:latin typeface="Courier New" panose="02070309020205020404" pitchFamily="49" charset="0"/>
-                <a:cs typeface="Courier New" panose="02070309020205020404" pitchFamily="49" charset="0"/>
-              </a:rPr>
-              <a:t>, </a:t>
-            </a:r>
-            <a:r>
-              <a:rPr lang="en-US" dirty="0" err="1">
-                <a:latin typeface="Courier New" panose="02070309020205020404" pitchFamily="49" charset="0"/>
-                <a:cs typeface="Courier New" panose="02070309020205020404" pitchFamily="49" charset="0"/>
-              </a:rPr>
-              <a:t>int</a:t>
-            </a:r>
-            <a:r>
-              <a:rPr lang="en-US" dirty="0">
-                <a:latin typeface="Courier New" panose="02070309020205020404" pitchFamily="49" charset="0"/>
-                <a:cs typeface="Courier New" panose="02070309020205020404" pitchFamily="49" charset="0"/>
-              </a:rPr>
-              <a:t> </a:t>
-            </a:r>
-            <a:r>
-              <a:rPr lang="en-US" dirty="0" err="1">
-                <a:latin typeface="Courier New" panose="02070309020205020404" pitchFamily="49" charset="0"/>
-                <a:cs typeface="Courier New" panose="02070309020205020404" pitchFamily="49" charset="0"/>
-              </a:rPr>
-              <a:t>countOfX</a:t>
-            </a:r>
-            <a:endParaRPr lang="en-US" dirty="0">
-              <a:latin typeface="Courier New" panose="02070309020205020404" pitchFamily="49" charset="0"/>
-              <a:cs typeface="Courier New" panose="02070309020205020404" pitchFamily="49" charset="0"/>
-            </a:endParaRPr>
+                <a:hlinkClick r:id="rId3"/>
+              </a:rPr>
+              <a:t>http://courses.cs.washington.edu/courses/cse143/13sp/handouts/style-guide.pdf</a:t>
+            </a:r>
+            <a:endParaRPr lang="en-US" dirty="0"/>
           </a:p>
           <a:p>
             <a:pPr lvl="1"/>
-            <a:endParaRPr lang="en-US" dirty="0">
-              <a:latin typeface="Courier New" panose="02070309020205020404" pitchFamily="49" charset="0"/>
-              <a:cs typeface="Courier New" panose="02070309020205020404" pitchFamily="49" charset="0"/>
-            </a:endParaRPr>
-          </a:p>
-          <a:p>
-            <a:pPr marL="0" indent="0">
-              <a:buNone/>
-            </a:pPr>
-            <a:r>
-              <a:rPr lang="en-US" dirty="0"/>
-              <a:t>Use header, method, field, and inside-method commenting</a:t>
-            </a:r>
-          </a:p>
-          <a:p>
-            <a:pPr lvl="1"/>
-            <a:r>
-              <a:rPr lang="en-US" dirty="0"/>
-              <a:t>Method commenting: //Prints an introduction to programming style</a:t>
-            </a:r>
-          </a:p>
-          <a:p>
-            <a:pPr lvl="1"/>
-            <a:r>
-              <a:rPr lang="en-US" dirty="0"/>
-              <a:t>Inside-method commenting: //This variable is used to count your steps</a:t>
-            </a:r>
-          </a:p>
-          <a:p>
-            <a:pPr lvl="1"/>
-            <a:r>
-              <a:rPr lang="en-US" dirty="0"/>
-              <a:t>We’ll introduce more commenting and style as we move along!</a:t>
-            </a:r>
+            <a:endParaRPr lang="en-US" dirty="0"/>
           </a:p>
         </p:txBody>
       </p:sp>
     </p:spTree>
     <p:extLst>
       <p:ext uri="{BB962C8B-B14F-4D97-AF65-F5344CB8AC3E}">
-        <p14:creationId xmlns:p14="http://schemas.microsoft.com/office/powerpoint/2010/main" val="1322998958"/>
+        <p14:creationId xmlns:p14="http://schemas.microsoft.com/office/powerpoint/2010/main" val="3493863621"/>
       </p:ext>
     </p:extLst>
   </p:cSld>
@@ -18524,9 +18454,10 @@
           <a:lstStyle/>
           <a:p>
             <a:r>
-              <a:rPr lang="en-US" dirty="0"/>
-              <a:t>Style:</a:t>
-            </a:r>
+              <a:rPr lang="en-US"/>
+              <a:t>Lab</a:t>
+            </a:r>
+            <a:endParaRPr lang="en-US" dirty="0"/>
           </a:p>
         </p:txBody>
       </p:sp>
@@ -18542,9 +18473,7 @@
         </p:nvSpPr>
         <p:spPr/>
         <p:txBody>
-          <a:bodyPr>
-            <a:normAutofit/>
-          </a:bodyPr>
+          <a:bodyPr/>
           <a:lstStyle/>
           <a:p>
             <a:pPr marL="0" indent="0">
@@ -18552,15 +18481,38 @@
             </a:pPr>
             <a:r>
               <a:rPr lang="en-US" dirty="0"/>
-              <a:t>Formatting:</a:t>
+              <a:t>Error check and resubmit all chapter 1 assignments</a:t>
+            </a:r>
+          </a:p>
+          <a:p>
+            <a:endParaRPr lang="en-US" dirty="0"/>
+          </a:p>
+          <a:p>
+            <a:pPr marL="0" indent="0">
+              <a:buNone/>
+            </a:pPr>
+            <a:r>
+              <a:rPr lang="en-US" dirty="0"/>
+              <a:t>Study for the test by:</a:t>
             </a:r>
           </a:p>
           <a:p>
             <a:pPr lvl="1"/>
             <a:r>
               <a:rPr lang="en-US" dirty="0"/>
-              <a:t>Keep your lines under 100 characters of length, preferably 80 characters</a:t>
-            </a:r>
+              <a:t>Reviewing all of the blue, self-check pages at the end of Chapter 1</a:t>
+            </a:r>
+          </a:p>
+          <a:p>
+            <a:pPr lvl="1"/>
+            <a:r>
+              <a:rPr lang="en-US" dirty="0"/>
+              <a:t>Re-reading sections as needed to complete the self-check problems</a:t>
+            </a:r>
+          </a:p>
+          <a:p>
+            <a:pPr lvl="1"/>
+            <a:endParaRPr lang="en-US" dirty="0"/>
           </a:p>
           <a:p>
             <a:pPr marL="0" indent="0">
@@ -18568,29 +18520,7 @@
             </a:pPr>
             <a:r>
               <a:rPr lang="en-US" dirty="0"/>
-              <a:t>Redundancy:</a:t>
-            </a:r>
-          </a:p>
-          <a:p>
-            <a:pPr lvl="1"/>
-            <a:r>
-              <a:rPr lang="en-US" dirty="0"/>
-              <a:t>We touched on this previously, but redundant code is bad style</a:t>
-            </a:r>
-          </a:p>
-          <a:p>
-            <a:pPr marL="457200" lvl="1" indent="0">
-              <a:buNone/>
-            </a:pPr>
-            <a:endParaRPr lang="en-US" dirty="0"/>
-          </a:p>
-          <a:p>
-            <a:pPr marL="0" indent="0">
-              <a:buNone/>
-            </a:pPr>
-            <a:r>
-              <a:rPr lang="en-US" dirty="0"/>
-              <a:t>*For advanced coders: Do not use break, break-like, or continue statements in your code! Also no empty return statements!</a:t>
+              <a:t>Submit 5 questions for review in class tomorrow</a:t>
             </a:r>
           </a:p>
         </p:txBody>
@@ -18598,7 +18528,7 @@
     </p:spTree>
     <p:extLst>
       <p:ext uri="{BB962C8B-B14F-4D97-AF65-F5344CB8AC3E}">
-        <p14:creationId xmlns:p14="http://schemas.microsoft.com/office/powerpoint/2010/main" val="3737129682"/>
+        <p14:creationId xmlns:p14="http://schemas.microsoft.com/office/powerpoint/2010/main" val="1373780676"/>
       </p:ext>
     </p:extLst>
   </p:cSld>
@@ -18642,7 +18572,7 @@
           <a:p>
             <a:r>
               <a:rPr lang="en-US" dirty="0"/>
-              <a:t>Style:</a:t>
+              <a:t>Homework</a:t>
             </a:r>
           </a:p>
         </p:txBody>
@@ -18662,57 +18592,26 @@
           <a:bodyPr/>
           <a:lstStyle/>
           <a:p>
-            <a:pPr marL="0" indent="0">
-              <a:buNone/>
-            </a:pPr>
-            <a:r>
-              <a:rPr lang="en-US" dirty="0"/>
-              <a:t>UW Commenting Guide:</a:t>
-            </a:r>
-          </a:p>
-          <a:p>
-            <a:pPr lvl="1"/>
-            <a:r>
-              <a:rPr lang="en-US" dirty="0">
-                <a:hlinkClick r:id="rId2"/>
-              </a:rPr>
-              <a:t>http://courses.cs.washington.edu/courses/cse142/11au/handouts/comment-guide-eric-arendt.pdf</a:t>
-            </a:r>
+            <a:r>
+              <a:rPr lang="en-US" dirty="0"/>
+              <a:t>Begin reviewing chapter one for the Unit Test</a:t>
+            </a:r>
+          </a:p>
+          <a:p>
             <a:endParaRPr lang="en-US" dirty="0"/>
           </a:p>
           <a:p>
-            <a:pPr lvl="1"/>
-            <a:endParaRPr lang="en-US" dirty="0"/>
-          </a:p>
-          <a:p>
-            <a:pPr marL="0" indent="0">
-              <a:buNone/>
-            </a:pPr>
-            <a:r>
-              <a:rPr lang="en-US" dirty="0"/>
-              <a:t>UW Style Guide:</a:t>
-            </a:r>
-          </a:p>
-          <a:p>
-            <a:pPr lvl="1"/>
-            <a:r>
-              <a:rPr lang="en-US" dirty="0">
-                <a:hlinkClick r:id="rId3"/>
-              </a:rPr>
-              <a:t>http://courses.cs.washington.edu/courses/cse143/13sp/handouts/style-guide.pdf</a:t>
-            </a:r>
-            <a:endParaRPr lang="en-US" dirty="0"/>
-          </a:p>
-          <a:p>
-            <a:pPr lvl="1"/>
-            <a:endParaRPr lang="en-US" dirty="0"/>
+            <a:r>
+              <a:rPr lang="en-US" dirty="0"/>
+              <a:t>Submit any questions you have for review</a:t>
+            </a:r>
           </a:p>
         </p:txBody>
       </p:sp>
     </p:spTree>
     <p:extLst>
       <p:ext uri="{BB962C8B-B14F-4D97-AF65-F5344CB8AC3E}">
-        <p14:creationId xmlns:p14="http://schemas.microsoft.com/office/powerpoint/2010/main" val="3493863621"/>
+        <p14:creationId xmlns:p14="http://schemas.microsoft.com/office/powerpoint/2010/main" val="3880164739"/>
       </p:ext>
     </p:extLst>
   </p:cSld>
@@ -18746,206 +18645,6 @@
             <a:spLocks noGrp="1"/>
           </p:cNvSpPr>
           <p:nvPr>
-            <p:ph type="title"/>
-          </p:nvPr>
-        </p:nvSpPr>
-        <p:spPr/>
-        <p:txBody>
-          <a:bodyPr/>
-          <a:lstStyle/>
-          <a:p>
-            <a:r>
-              <a:rPr lang="en-US"/>
-              <a:t>Lab</a:t>
-            </a:r>
-            <a:endParaRPr lang="en-US" dirty="0"/>
-          </a:p>
-        </p:txBody>
-      </p:sp>
-      <p:sp>
-        <p:nvSpPr>
-          <p:cNvPr id="3" name="Content Placeholder 2"/>
-          <p:cNvSpPr>
-            <a:spLocks noGrp="1"/>
-          </p:cNvSpPr>
-          <p:nvPr>
-            <p:ph idx="1"/>
-          </p:nvPr>
-        </p:nvSpPr>
-        <p:spPr/>
-        <p:txBody>
-          <a:bodyPr/>
-          <a:lstStyle/>
-          <a:p>
-            <a:pPr marL="0" indent="0">
-              <a:buNone/>
-            </a:pPr>
-            <a:r>
-              <a:rPr lang="en-US" dirty="0"/>
-              <a:t>Error check and resubmit all chapter 1 assignments</a:t>
-            </a:r>
-          </a:p>
-          <a:p>
-            <a:endParaRPr lang="en-US" dirty="0"/>
-          </a:p>
-          <a:p>
-            <a:pPr marL="0" indent="0">
-              <a:buNone/>
-            </a:pPr>
-            <a:r>
-              <a:rPr lang="en-US" dirty="0"/>
-              <a:t>Study for the test by:</a:t>
-            </a:r>
-          </a:p>
-          <a:p>
-            <a:pPr lvl="1"/>
-            <a:r>
-              <a:rPr lang="en-US" dirty="0"/>
-              <a:t>Reviewing all of the blue, self-check pages at the end of Chapter 1</a:t>
-            </a:r>
-          </a:p>
-          <a:p>
-            <a:pPr lvl="1"/>
-            <a:r>
-              <a:rPr lang="en-US" dirty="0"/>
-              <a:t>Re-reading sections as needed to complete the self-check problems</a:t>
-            </a:r>
-          </a:p>
-          <a:p>
-            <a:pPr lvl="1"/>
-            <a:endParaRPr lang="en-US" dirty="0"/>
-          </a:p>
-          <a:p>
-            <a:pPr marL="0" indent="0">
-              <a:buNone/>
-            </a:pPr>
-            <a:r>
-              <a:rPr lang="en-US" dirty="0"/>
-              <a:t>Submit 5 questions for review in class tomorrow</a:t>
-            </a:r>
-          </a:p>
-        </p:txBody>
-      </p:sp>
-    </p:spTree>
-    <p:extLst>
-      <p:ext uri="{BB962C8B-B14F-4D97-AF65-F5344CB8AC3E}">
-        <p14:creationId xmlns:p14="http://schemas.microsoft.com/office/powerpoint/2010/main" val="1373780676"/>
-      </p:ext>
-    </p:extLst>
-  </p:cSld>
-  <p:clrMapOvr>
-    <a:masterClrMapping/>
-  </p:clrMapOvr>
-</p:sld>
-</file>
-
-<file path=ppt/slides/slide76.xml><?xml version="1.0" encoding="utf-8"?>
-<p:sld xmlns:a="http://schemas.openxmlformats.org/drawingml/2006/main" xmlns:r="http://schemas.openxmlformats.org/officeDocument/2006/relationships" xmlns:p="http://schemas.openxmlformats.org/presentationml/2006/main">
-  <p:cSld>
-    <p:spTree>
-      <p:nvGrpSpPr>
-        <p:cNvPr id="1" name=""/>
-        <p:cNvGrpSpPr/>
-        <p:nvPr/>
-      </p:nvGrpSpPr>
-      <p:grpSpPr>
-        <a:xfrm>
-          <a:off x="0" y="0"/>
-          <a:ext cx="0" cy="0"/>
-          <a:chOff x="0" y="0"/>
-          <a:chExt cx="0" cy="0"/>
-        </a:xfrm>
-      </p:grpSpPr>
-      <p:sp>
-        <p:nvSpPr>
-          <p:cNvPr id="2" name="Title 1"/>
-          <p:cNvSpPr>
-            <a:spLocks noGrp="1"/>
-          </p:cNvSpPr>
-          <p:nvPr>
-            <p:ph type="title"/>
-          </p:nvPr>
-        </p:nvSpPr>
-        <p:spPr/>
-        <p:txBody>
-          <a:bodyPr/>
-          <a:lstStyle/>
-          <a:p>
-            <a:r>
-              <a:rPr lang="en-US" dirty="0"/>
-              <a:t>Homework</a:t>
-            </a:r>
-          </a:p>
-        </p:txBody>
-      </p:sp>
-      <p:sp>
-        <p:nvSpPr>
-          <p:cNvPr id="3" name="Content Placeholder 2"/>
-          <p:cNvSpPr>
-            <a:spLocks noGrp="1"/>
-          </p:cNvSpPr>
-          <p:nvPr>
-            <p:ph idx="1"/>
-          </p:nvPr>
-        </p:nvSpPr>
-        <p:spPr/>
-        <p:txBody>
-          <a:bodyPr/>
-          <a:lstStyle/>
-          <a:p>
-            <a:r>
-              <a:rPr lang="en-US" dirty="0"/>
-              <a:t>Begin reviewing chapter one for the Unit Test</a:t>
-            </a:r>
-          </a:p>
-          <a:p>
-            <a:endParaRPr lang="en-US" dirty="0"/>
-          </a:p>
-          <a:p>
-            <a:r>
-              <a:rPr lang="en-US" dirty="0"/>
-              <a:t>Submit any questions you have for review</a:t>
-            </a:r>
-          </a:p>
-        </p:txBody>
-      </p:sp>
-    </p:spTree>
-    <p:extLst>
-      <p:ext uri="{BB962C8B-B14F-4D97-AF65-F5344CB8AC3E}">
-        <p14:creationId xmlns:p14="http://schemas.microsoft.com/office/powerpoint/2010/main" val="3880164739"/>
-      </p:ext>
-    </p:extLst>
-  </p:cSld>
-  <p:clrMapOvr>
-    <a:masterClrMapping/>
-  </p:clrMapOvr>
-</p:sld>
-</file>
-
-<file path=ppt/slides/slide77.xml><?xml version="1.0" encoding="utf-8"?>
-<p:sld xmlns:a="http://schemas.openxmlformats.org/drawingml/2006/main" xmlns:r="http://schemas.openxmlformats.org/officeDocument/2006/relationships" xmlns:p="http://schemas.openxmlformats.org/presentationml/2006/main">
-  <p:cSld>
-    <p:spTree>
-      <p:nvGrpSpPr>
-        <p:cNvPr id="1" name=""/>
-        <p:cNvGrpSpPr/>
-        <p:nvPr/>
-      </p:nvGrpSpPr>
-      <p:grpSpPr>
-        <a:xfrm>
-          <a:off x="0" y="0"/>
-          <a:ext cx="0" cy="0"/>
-          <a:chOff x="0" y="0"/>
-          <a:chExt cx="0" cy="0"/>
-        </a:xfrm>
-      </p:grpSpPr>
-      <p:sp>
-        <p:nvSpPr>
-          <p:cNvPr id="2" name="Title 1"/>
-          <p:cNvSpPr>
-            <a:spLocks noGrp="1"/>
-          </p:cNvSpPr>
-          <p:nvPr>
             <p:ph type="ctrTitle"/>
           </p:nvPr>
         </p:nvSpPr>
@@ -18996,7 +18695,7 @@
 </p:sld>
 </file>
 
-<file path=ppt/slides/slide78.xml><?xml version="1.0" encoding="utf-8"?>
+<file path=ppt/slides/slide76.xml><?xml version="1.0" encoding="utf-8"?>
 <p:sld xmlns:a="http://schemas.openxmlformats.org/drawingml/2006/main" xmlns:r="http://schemas.openxmlformats.org/officeDocument/2006/relationships" xmlns:p="http://schemas.openxmlformats.org/presentationml/2006/main">
   <p:cSld>
     <p:spTree>
@@ -19273,12 +18972,6 @@
             <a:r>
               <a:rPr lang="en-US" dirty="0"/>
               <a:t>Get set up on eclipse</a:t>
-            </a:r>
-          </a:p>
-          <a:p>
-            <a:r>
-              <a:rPr lang="en-US" dirty="0"/>
-              <a:t>Create practice-it accounts</a:t>
             </a:r>
           </a:p>
           <a:p>
@@ -19877,6 +19570,12 @@
 </file>
 
 <file path=customXml/item1.xml><?xml version="1.0" encoding="utf-8"?>
+<p:properties xmlns:p="http://schemas.microsoft.com/office/2006/metadata/properties" xmlns:xsi="http://www.w3.org/2001/XMLSchema-instance" xmlns:pc="http://schemas.microsoft.com/office/infopath/2007/PartnerControls">
+  <documentManagement/>
+</p:properties>
+</file>
+
+<file path=customXml/item2.xml><?xml version="1.0" encoding="utf-8"?>
 <?mso-contentType ?>
 <FormTemplates xmlns="http://schemas.microsoft.com/sharepoint/v3/contenttype/forms">
   <Display>DocumentLibraryForm</Display>
@@ -19885,7 +19584,7 @@
 </FormTemplates>
 </file>
 
-<file path=customXml/item2.xml><?xml version="1.0" encoding="utf-8"?>
+<file path=customXml/item3.xml><?xml version="1.0" encoding="utf-8"?>
 <ct:contentTypeSchema xmlns:ct="http://schemas.microsoft.com/office/2006/metadata/contentType" xmlns:ma="http://schemas.microsoft.com/office/2006/metadata/properties/metaAttributes" ct:_="" ma:_="" ma:contentTypeName="Document" ma:contentTypeID="0x010100BABADD3A0624AA4E97287821B8F4D7D6" ma:contentTypeVersion="3" ma:contentTypeDescription="Create a new document." ma:contentTypeScope="" ma:versionID="99b3bd12f0c31c79743f497509f161f0">
   <xsd:schema xmlns:xsd="http://www.w3.org/2001/XMLSchema" xmlns:xs="http://www.w3.org/2001/XMLSchema" xmlns:p="http://schemas.microsoft.com/office/2006/metadata/properties" xmlns:ns2="5edd459b-714d-42ed-b78f-512da7d1c14e" targetNamespace="http://schemas.microsoft.com/office/2006/metadata/properties" ma:root="true" ma:fieldsID="7af4ceb030ff328f9da757f10020d11c" ns2:_="">
     <xsd:import namespace="5edd459b-714d-42ed-b78f-512da7d1c14e"/>
@@ -20039,25 +19738,7 @@
 </ct:contentTypeSchema>
 </file>
 
-<file path=customXml/item3.xml><?xml version="1.0" encoding="utf-8"?>
-<p:properties xmlns:p="http://schemas.microsoft.com/office/2006/metadata/properties" xmlns:xsi="http://www.w3.org/2001/XMLSchema-instance" xmlns:pc="http://schemas.microsoft.com/office/infopath/2007/PartnerControls">
-  <documentManagement/>
-</p:properties>
-</file>
-
 <file path=customXml/itemProps1.xml><?xml version="1.0" encoding="utf-8"?>
-<ds:datastoreItem xmlns:ds="http://schemas.openxmlformats.org/officeDocument/2006/customXml" ds:itemID="{C50F8C75-931A-48E6-B6B6-95B6FE3B49ED}">
-  <ds:schemaRefs>
-    <ds:schemaRef ds:uri="http://schemas.microsoft.com/sharepoint/v3/contenttype/forms"/>
-  </ds:schemaRefs>
-</ds:datastoreItem>
-</file>
-
-<file path=customXml/itemProps2.xml><?xml version="1.0" encoding="utf-8"?>
-<ds:datastoreItem xmlns:ds="http://schemas.openxmlformats.org/officeDocument/2006/customXml" ds:itemID="{CC0C7A04-6F6E-4AFA-A5AF-5F30C7937033}"/>
-</file>
-
-<file path=customXml/itemProps3.xml><?xml version="1.0" encoding="utf-8"?>
 <ds:datastoreItem xmlns:ds="http://schemas.openxmlformats.org/officeDocument/2006/customXml" ds:itemID="{BF7E4D4D-5632-4132-9C72-86F7C697882A}">
   <ds:schemaRefs>
     <ds:schemaRef ds:uri="4ea7fbe1-9548-4e2a-a725-88be2afd7ae1"/>
@@ -20073,4 +19754,30 @@
     <ds:schemaRef ds:uri="http://purl.org/dc/dcmitype/"/>
   </ds:schemaRefs>
 </ds:datastoreItem>
+</file>
+
+<file path=customXml/itemProps2.xml><?xml version="1.0" encoding="utf-8"?>
+<ds:datastoreItem xmlns:ds="http://schemas.openxmlformats.org/officeDocument/2006/customXml" ds:itemID="{C50F8C75-931A-48E6-B6B6-95B6FE3B49ED}">
+  <ds:schemaRefs>
+    <ds:schemaRef ds:uri="http://schemas.microsoft.com/sharepoint/v3/contenttype/forms"/>
+  </ds:schemaRefs>
+</ds:datastoreItem>
+</file>
+
+<file path=customXml/itemProps3.xml><?xml version="1.0" encoding="utf-8"?>
+<ds:datastoreItem xmlns:ds="http://schemas.openxmlformats.org/officeDocument/2006/customXml" ds:itemID="{CC0C7A04-6F6E-4AFA-A5AF-5F30C7937033}">
+  <ds:schemaRefs>
+    <ds:schemaRef ds:uri="http://schemas.microsoft.com/office/2006/metadata/contentType"/>
+    <ds:schemaRef ds:uri="http://schemas.microsoft.com/office/2006/metadata/properties/metaAttributes"/>
+    <ds:schemaRef ds:uri="http://www.w3.org/2001/XMLSchema"/>
+    <ds:schemaRef ds:uri="http://schemas.microsoft.com/office/2006/metadata/properties"/>
+    <ds:schemaRef ds:uri="5edd459b-714d-42ed-b78f-512da7d1c14e"/>
+    <ds:schemaRef ds:uri="http://schemas.microsoft.com/office/2006/documentManagement/types"/>
+    <ds:schemaRef ds:uri="http://schemas.microsoft.com/office/infopath/2007/PartnerControls"/>
+    <ds:schemaRef ds:uri="http://schemas.openxmlformats.org/package/2006/metadata/core-properties"/>
+    <ds:schemaRef ds:uri="http://purl.org/dc/elements/1.1/"/>
+    <ds:schemaRef ds:uri="http://purl.org/dc/terms/"/>
+    <ds:schemaRef ds:uri="http://schemas.microsoft.com/internal/obd"/>
+  </ds:schemaRefs>
+</ds:datastoreItem>
 </file>
--- a/curriculum/Unit1/Unit1.pptx
+++ b/curriculum/Unit1/Unit1.pptx
@@ -5,7 +5,7 @@
     <p:sldMasterId id="2147483660" r:id="rId4"/>
   </p:sldMasterIdLst>
   <p:notesMasterIdLst>
-    <p:notesMasterId r:id="rId81"/>
+    <p:notesMasterId r:id="rId83"/>
   </p:notesMasterIdLst>
   <p:sldIdLst>
     <p:sldId id="256" r:id="rId5"/>
@@ -61,29 +61,31 @@
     <p:sldId id="306" r:id="rId55"/>
     <p:sldId id="307" r:id="rId56"/>
     <p:sldId id="308" r:id="rId57"/>
-    <p:sldId id="310" r:id="rId58"/>
-    <p:sldId id="311" r:id="rId59"/>
-    <p:sldId id="312" r:id="rId60"/>
-    <p:sldId id="313" r:id="rId61"/>
-    <p:sldId id="314" r:id="rId62"/>
-    <p:sldId id="315" r:id="rId63"/>
-    <p:sldId id="317" r:id="rId64"/>
-    <p:sldId id="318" r:id="rId65"/>
-    <p:sldId id="319" r:id="rId66"/>
-    <p:sldId id="320" r:id="rId67"/>
-    <p:sldId id="321" r:id="rId68"/>
-    <p:sldId id="322" r:id="rId69"/>
-    <p:sldId id="323" r:id="rId70"/>
-    <p:sldId id="324" r:id="rId71"/>
-    <p:sldId id="325" r:id="rId72"/>
-    <p:sldId id="326" r:id="rId73"/>
-    <p:sldId id="327" r:id="rId74"/>
-    <p:sldId id="328" r:id="rId75"/>
-    <p:sldId id="329" r:id="rId76"/>
-    <p:sldId id="330" r:id="rId77"/>
-    <p:sldId id="331" r:id="rId78"/>
-    <p:sldId id="332" r:id="rId79"/>
-    <p:sldId id="333" r:id="rId80"/>
+    <p:sldId id="309" r:id="rId58"/>
+    <p:sldId id="310" r:id="rId59"/>
+    <p:sldId id="311" r:id="rId60"/>
+    <p:sldId id="312" r:id="rId61"/>
+    <p:sldId id="313" r:id="rId62"/>
+    <p:sldId id="314" r:id="rId63"/>
+    <p:sldId id="315" r:id="rId64"/>
+    <p:sldId id="316" r:id="rId65"/>
+    <p:sldId id="317" r:id="rId66"/>
+    <p:sldId id="318" r:id="rId67"/>
+    <p:sldId id="319" r:id="rId68"/>
+    <p:sldId id="320" r:id="rId69"/>
+    <p:sldId id="321" r:id="rId70"/>
+    <p:sldId id="322" r:id="rId71"/>
+    <p:sldId id="323" r:id="rId72"/>
+    <p:sldId id="324" r:id="rId73"/>
+    <p:sldId id="325" r:id="rId74"/>
+    <p:sldId id="326" r:id="rId75"/>
+    <p:sldId id="327" r:id="rId76"/>
+    <p:sldId id="328" r:id="rId77"/>
+    <p:sldId id="329" r:id="rId78"/>
+    <p:sldId id="330" r:id="rId79"/>
+    <p:sldId id="331" r:id="rId80"/>
+    <p:sldId id="332" r:id="rId81"/>
+    <p:sldId id="333" r:id="rId82"/>
   </p:sldIdLst>
   <p:sldSz cx="12192000" cy="6858000"/>
   <p:notesSz cx="6858000" cy="9144000"/>
@@ -272,7 +274,7 @@
           <a:p>
             <a:fld id="{42D9BDAC-028F-451F-BA65-774BB04CD417}" type="datetimeFigureOut">
               <a:rPr lang="en-US" smtClean="0"/>
-              <a:t>2/18/2020</a:t>
+              <a:t>8/17/2016</a:t>
             </a:fld>
             <a:endParaRPr lang="en-US"/>
           </a:p>
@@ -1202,44 +1204,8 @@
           <a:bodyPr/>
           <a:lstStyle/>
           <a:p>
-            <a:r>
-              <a:rPr lang="en-US" dirty="0"/>
-              <a:t>Things to go over in 1.06:</a:t>
-            </a:r>
-          </a:p>
-          <a:p>
-            <a:r>
-              <a:rPr lang="en-US" dirty="0"/>
-              <a:t>Method inside method.</a:t>
-            </a:r>
-          </a:p>
-          <a:p>
-            <a:r>
-              <a:rPr lang="en-US" dirty="0"/>
-              <a:t>Control Flow</a:t>
-            </a:r>
-          </a:p>
-          <a:p>
-            <a:r>
-              <a:rPr lang="en-US" dirty="0"/>
-              <a:t>Practice It</a:t>
-            </a:r>
-          </a:p>
-          <a:p>
-            <a:endParaRPr lang="en-US" dirty="0"/>
-          </a:p>
-          <a:p>
-            <a:r>
-              <a:rPr lang="en-US" dirty="0"/>
-              <a:t>Can use the optional challenges in the lesson plan; some students may struggle here, make sure that they’re all caught up.</a:t>
-            </a:r>
-          </a:p>
-          <a:p>
             <a:endParaRPr lang="en-US"/>
           </a:p>
-          <a:p>
-            <a:endParaRPr lang="en-US"/>
-          </a:p>
         </p:txBody>
       </p:sp>
       <p:sp>
@@ -1257,9 +1223,9 @@
           <a:bodyPr/>
           <a:lstStyle/>
           <a:p>
-            <a:fld id="{197435A7-3BE8-4836-8ACC-0E47B45A1619}" type="slidenum">
+            <a:fld id="{12DDABE6-33D4-4B6C-BD5C-6A7018727DCF}" type="slidenum">
               <a:rPr lang="en-US" smtClean="0"/>
-              <a:t>55</a:t>
+              <a:t>54</a:t>
             </a:fld>
             <a:endParaRPr lang="en-US"/>
           </a:p>
@@ -1268,7 +1234,7 @@
     </p:spTree>
     <p:extLst>
       <p:ext uri="{BB962C8B-B14F-4D97-AF65-F5344CB8AC3E}">
-        <p14:creationId xmlns:p14="http://schemas.microsoft.com/office/powerpoint/2010/main" val="758009756"/>
+        <p14:creationId xmlns:p14="http://schemas.microsoft.com/office/powerpoint/2010/main" val="862761481"/>
       </p:ext>
     </p:extLst>
   </p:cSld>
@@ -1324,6 +1290,126 @@
           <a:p>
             <a:r>
               <a:rPr lang="en-US" dirty="0"/>
+              <a:t>Things to go over in 1.06:</a:t>
+            </a:r>
+          </a:p>
+          <a:p>
+            <a:r>
+              <a:rPr lang="en-US" dirty="0"/>
+              <a:t>Method inside method.</a:t>
+            </a:r>
+          </a:p>
+          <a:p>
+            <a:r>
+              <a:rPr lang="en-US" dirty="0"/>
+              <a:t>Control Flow</a:t>
+            </a:r>
+          </a:p>
+          <a:p>
+            <a:r>
+              <a:rPr lang="en-US" dirty="0"/>
+              <a:t>Practice It</a:t>
+            </a:r>
+          </a:p>
+          <a:p>
+            <a:endParaRPr lang="en-US" dirty="0"/>
+          </a:p>
+          <a:p>
+            <a:r>
+              <a:rPr lang="en-US" dirty="0"/>
+              <a:t>Can use the optional challenges in the lesson plan; some students may struggle here, make sure that they’re all caught up.</a:t>
+            </a:r>
+          </a:p>
+          <a:p>
+            <a:endParaRPr lang="en-US"/>
+          </a:p>
+          <a:p>
+            <a:endParaRPr lang="en-US"/>
+          </a:p>
+        </p:txBody>
+      </p:sp>
+      <p:sp>
+        <p:nvSpPr>
+          <p:cNvPr id="4" name="Slide Number Placeholder 3"/>
+          <p:cNvSpPr>
+            <a:spLocks noGrp="1"/>
+          </p:cNvSpPr>
+          <p:nvPr>
+            <p:ph type="sldNum" sz="quarter" idx="10"/>
+          </p:nvPr>
+        </p:nvSpPr>
+        <p:spPr/>
+        <p:txBody>
+          <a:bodyPr/>
+          <a:lstStyle/>
+          <a:p>
+            <a:fld id="{197435A7-3BE8-4836-8ACC-0E47B45A1619}" type="slidenum">
+              <a:rPr lang="en-US" smtClean="0"/>
+              <a:t>56</a:t>
+            </a:fld>
+            <a:endParaRPr lang="en-US"/>
+          </a:p>
+        </p:txBody>
+      </p:sp>
+    </p:spTree>
+    <p:extLst>
+      <p:ext uri="{BB962C8B-B14F-4D97-AF65-F5344CB8AC3E}">
+        <p14:creationId xmlns:p14="http://schemas.microsoft.com/office/powerpoint/2010/main" val="758009756"/>
+      </p:ext>
+    </p:extLst>
+  </p:cSld>
+  <p:clrMapOvr>
+    <a:masterClrMapping/>
+  </p:clrMapOvr>
+</p:notes>
+</file>
+
+<file path=ppt/notesSlides/notesSlide8.xml><?xml version="1.0" encoding="utf-8"?>
+<p:notes xmlns:a="http://schemas.openxmlformats.org/drawingml/2006/main" xmlns:r="http://schemas.openxmlformats.org/officeDocument/2006/relationships" xmlns:p="http://schemas.openxmlformats.org/presentationml/2006/main">
+  <p:cSld>
+    <p:spTree>
+      <p:nvGrpSpPr>
+        <p:cNvPr id="1" name=""/>
+        <p:cNvGrpSpPr/>
+        <p:nvPr/>
+      </p:nvGrpSpPr>
+      <p:grpSpPr>
+        <a:xfrm>
+          <a:off x="0" y="0"/>
+          <a:ext cx="0" cy="0"/>
+          <a:chOff x="0" y="0"/>
+          <a:chExt cx="0" cy="0"/>
+        </a:xfrm>
+      </p:grpSpPr>
+      <p:sp>
+        <p:nvSpPr>
+          <p:cNvPr id="2" name="Slide Image Placeholder 1"/>
+          <p:cNvSpPr>
+            <a:spLocks noGrp="1" noRot="1" noChangeAspect="1"/>
+          </p:cNvSpPr>
+          <p:nvPr>
+            <p:ph type="sldImg"/>
+          </p:nvPr>
+        </p:nvSpPr>
+        <p:spPr/>
+      </p:sp>
+      <p:sp>
+        <p:nvSpPr>
+          <p:cNvPr id="3" name="Notes Placeholder 2"/>
+          <p:cNvSpPr>
+            <a:spLocks noGrp="1"/>
+          </p:cNvSpPr>
+          <p:nvPr>
+            <p:ph type="body" idx="1"/>
+          </p:nvPr>
+        </p:nvSpPr>
+        <p:spPr/>
+        <p:txBody>
+          <a:bodyPr/>
+          <a:lstStyle/>
+          <a:p>
+            <a:r>
+              <a:rPr lang="en-US" dirty="0"/>
               <a:t>Things to go over in 1.08:</a:t>
             </a:r>
           </a:p>
@@ -1373,7 +1459,7 @@
           <a:p>
             <a:fld id="{459862D3-EC7A-4EA7-954F-2FA91CD1808C}" type="slidenum">
               <a:rPr lang="en-US" smtClean="0"/>
-              <a:t>66</a:t>
+              <a:t>68</a:t>
             </a:fld>
             <a:endParaRPr lang="en-US"/>
           </a:p>
@@ -1523,7 +1609,7 @@
           <a:p>
             <a:fld id="{58F15600-01B2-4DEF-ADD3-B13F327F5D75}" type="datetimeFigureOut">
               <a:rPr lang="en-US" smtClean="0"/>
-              <a:t>2/18/2020</a:t>
+              <a:t>8/17/2016</a:t>
             </a:fld>
             <a:endParaRPr lang="en-US"/>
           </a:p>
@@ -1691,7 +1777,7 @@
           <a:p>
             <a:fld id="{58F15600-01B2-4DEF-ADD3-B13F327F5D75}" type="datetimeFigureOut">
               <a:rPr lang="en-US" smtClean="0"/>
-              <a:t>2/18/2020</a:t>
+              <a:t>8/17/2016</a:t>
             </a:fld>
             <a:endParaRPr lang="en-US"/>
           </a:p>
@@ -1869,7 +1955,7 @@
           <a:p>
             <a:fld id="{58F15600-01B2-4DEF-ADD3-B13F327F5D75}" type="datetimeFigureOut">
               <a:rPr lang="en-US" smtClean="0"/>
-              <a:t>2/18/2020</a:t>
+              <a:t>8/17/2016</a:t>
             </a:fld>
             <a:endParaRPr lang="en-US"/>
           </a:p>
@@ -2037,7 +2123,7 @@
           <a:p>
             <a:fld id="{58F15600-01B2-4DEF-ADD3-B13F327F5D75}" type="datetimeFigureOut">
               <a:rPr lang="en-US" smtClean="0"/>
-              <a:t>2/18/2020</a:t>
+              <a:t>8/17/2016</a:t>
             </a:fld>
             <a:endParaRPr lang="en-US"/>
           </a:p>
@@ -2282,7 +2368,7 @@
           <a:p>
             <a:fld id="{58F15600-01B2-4DEF-ADD3-B13F327F5D75}" type="datetimeFigureOut">
               <a:rPr lang="en-US" smtClean="0"/>
-              <a:t>2/18/2020</a:t>
+              <a:t>8/17/2016</a:t>
             </a:fld>
             <a:endParaRPr lang="en-US"/>
           </a:p>
@@ -2511,7 +2597,7 @@
           <a:p>
             <a:fld id="{58F15600-01B2-4DEF-ADD3-B13F327F5D75}" type="datetimeFigureOut">
               <a:rPr lang="en-US" smtClean="0"/>
-              <a:t>2/18/2020</a:t>
+              <a:t>8/17/2016</a:t>
             </a:fld>
             <a:endParaRPr lang="en-US"/>
           </a:p>
@@ -2875,7 +2961,7 @@
           <a:p>
             <a:fld id="{58F15600-01B2-4DEF-ADD3-B13F327F5D75}" type="datetimeFigureOut">
               <a:rPr lang="en-US" smtClean="0"/>
-              <a:t>2/18/2020</a:t>
+              <a:t>8/17/2016</a:t>
             </a:fld>
             <a:endParaRPr lang="en-US"/>
           </a:p>
@@ -2992,7 +3078,7 @@
           <a:p>
             <a:fld id="{58F15600-01B2-4DEF-ADD3-B13F327F5D75}" type="datetimeFigureOut">
               <a:rPr lang="en-US" smtClean="0"/>
-              <a:t>2/18/2020</a:t>
+              <a:t>8/17/2016</a:t>
             </a:fld>
             <a:endParaRPr lang="en-US"/>
           </a:p>
@@ -3087,7 +3173,7 @@
           <a:p>
             <a:fld id="{58F15600-01B2-4DEF-ADD3-B13F327F5D75}" type="datetimeFigureOut">
               <a:rPr lang="en-US" smtClean="0"/>
-              <a:t>2/18/2020</a:t>
+              <a:t>8/17/2016</a:t>
             </a:fld>
             <a:endParaRPr lang="en-US"/>
           </a:p>
@@ -3362,7 +3448,7 @@
           <a:p>
             <a:fld id="{58F15600-01B2-4DEF-ADD3-B13F327F5D75}" type="datetimeFigureOut">
               <a:rPr lang="en-US" smtClean="0"/>
-              <a:t>2/18/2020</a:t>
+              <a:t>8/17/2016</a:t>
             </a:fld>
             <a:endParaRPr lang="en-US"/>
           </a:p>
@@ -3617,7 +3703,7 @@
           <a:p>
             <a:fld id="{58F15600-01B2-4DEF-ADD3-B13F327F5D75}" type="datetimeFigureOut">
               <a:rPr lang="en-US" smtClean="0"/>
-              <a:t>2/18/2020</a:t>
+              <a:t>8/17/2016</a:t>
             </a:fld>
             <a:endParaRPr lang="en-US"/>
           </a:p>
@@ -3828,7 +3914,7 @@
           <a:p>
             <a:fld id="{58F15600-01B2-4DEF-ADD3-B13F327F5D75}" type="datetimeFigureOut">
               <a:rPr lang="en-US" smtClean="0"/>
-              <a:t>2/18/2020</a:t>
+              <a:t>8/17/2016</a:t>
             </a:fld>
             <a:endParaRPr lang="en-US"/>
           </a:p>
@@ -11398,7 +11484,9 @@
           <p:cNvGraphicFramePr>
             <a:graphicFrameLocks noGrp="1"/>
           </p:cNvGraphicFramePr>
-          <p:nvPr/>
+          <p:nvPr>
+            <p:extLst/>
+          </p:nvPr>
         </p:nvGraphicFramePr>
         <p:xfrm>
           <a:off x="1796027" y="4895213"/>
@@ -14309,14 +14397,14 @@
           <a:p>
             <a:r>
               <a:rPr lang="en-US" dirty="0"/>
-              <a:t>Homework</a:t>
-            </a:r>
-          </a:p>
-        </p:txBody>
-      </p:sp>
-      <p:sp>
-        <p:nvSpPr>
-          <p:cNvPr id="3" name="Content Placeholder 2"/>
+              <a:t>Practice-It</a:t>
+            </a:r>
+          </a:p>
+        </p:txBody>
+      </p:sp>
+      <p:sp>
+        <p:nvSpPr>
+          <p:cNvPr id="3" name="Subtitle 2"/>
           <p:cNvSpPr>
             <a:spLocks noGrp="1"/>
           </p:cNvSpPr>
@@ -14326,32 +14414,55 @@
         </p:nvSpPr>
         <p:spPr/>
         <p:txBody>
-          <a:bodyPr/>
-          <a:lstStyle/>
-          <a:p>
-            <a:r>
-              <a:rPr lang="en-US" dirty="0"/>
-              <a:t>Read chapter 1 section 5 (1.5) (p. 40-46)</a:t>
-            </a:r>
-          </a:p>
-          <a:p>
+          <a:bodyPr vert="horz" lIns="91440" tIns="45720" rIns="91440" bIns="45720" rtlCol="0" anchor="t">
+            <a:normAutofit/>
+          </a:bodyPr>
+          <a:lstStyle/>
+          <a:p>
+            <a:pPr marL="0" indent="0">
+              <a:buNone/>
+            </a:pPr>
+            <a:r>
+              <a:rPr lang="en-US" dirty="0"/>
+              <a:t>Complete the following practice-it questions:</a:t>
+            </a:r>
+          </a:p>
+          <a:p>
+            <a:pPr marL="0" indent="0">
+              <a:buNone/>
+            </a:pPr>
             <a:endParaRPr lang="en-US" dirty="0"/>
           </a:p>
           <a:p>
             <a:r>
               <a:rPr lang="en-US" dirty="0"/>
-              <a:t>Do chapter 1 exercises 11, 12, 14, and 16. (p. 56-58)</a:t>
-            </a:r>
-          </a:p>
-          <a:p>
-            <a:endParaRPr lang="en-US" dirty="0"/>
+              <a:t>Tricky</a:t>
+            </a:r>
+          </a:p>
+          <a:p>
+            <a:r>
+              <a:rPr lang="en-US" dirty="0"/>
+              <a:t>Strange</a:t>
+            </a:r>
+          </a:p>
+          <a:p>
+            <a:r>
+              <a:rPr lang="en-US" dirty="0"/>
+              <a:t>Confusing</a:t>
+            </a:r>
+          </a:p>
+          <a:p>
+            <a:r>
+              <a:rPr lang="en-US" dirty="0"/>
+              <a:t>Lots-of-Errors</a:t>
+            </a:r>
           </a:p>
         </p:txBody>
       </p:sp>
     </p:spTree>
     <p:extLst>
       <p:ext uri="{BB962C8B-B14F-4D97-AF65-F5344CB8AC3E}">
-        <p14:creationId xmlns:p14="http://schemas.microsoft.com/office/powerpoint/2010/main" val="1594540306"/>
+        <p14:creationId xmlns:p14="http://schemas.microsoft.com/office/powerpoint/2010/main" val="3667980683"/>
       </p:ext>
     </p:extLst>
   </p:cSld>
@@ -14385,6 +14496,92 @@
             <a:spLocks noGrp="1"/>
           </p:cNvSpPr>
           <p:nvPr>
+            <p:ph type="title"/>
+          </p:nvPr>
+        </p:nvSpPr>
+        <p:spPr/>
+        <p:txBody>
+          <a:bodyPr/>
+          <a:lstStyle/>
+          <a:p>
+            <a:r>
+              <a:rPr lang="en-US" dirty="0"/>
+              <a:t>Homework</a:t>
+            </a:r>
+          </a:p>
+        </p:txBody>
+      </p:sp>
+      <p:sp>
+        <p:nvSpPr>
+          <p:cNvPr id="3" name="Content Placeholder 2"/>
+          <p:cNvSpPr>
+            <a:spLocks noGrp="1"/>
+          </p:cNvSpPr>
+          <p:nvPr>
+            <p:ph idx="1"/>
+          </p:nvPr>
+        </p:nvSpPr>
+        <p:spPr/>
+        <p:txBody>
+          <a:bodyPr/>
+          <a:lstStyle/>
+          <a:p>
+            <a:r>
+              <a:rPr lang="en-US" dirty="0"/>
+              <a:t>Read chapter 1 section 5 (1.5) (p. 40-46)</a:t>
+            </a:r>
+          </a:p>
+          <a:p>
+            <a:endParaRPr lang="en-US" dirty="0"/>
+          </a:p>
+          <a:p>
+            <a:r>
+              <a:rPr lang="en-US" dirty="0"/>
+              <a:t>Do chapter 1 exercises 11, 12, 14, and 16. (p. 56-58)</a:t>
+            </a:r>
+          </a:p>
+          <a:p>
+            <a:endParaRPr lang="en-US" dirty="0"/>
+          </a:p>
+        </p:txBody>
+      </p:sp>
+    </p:spTree>
+    <p:extLst>
+      <p:ext uri="{BB962C8B-B14F-4D97-AF65-F5344CB8AC3E}">
+        <p14:creationId xmlns:p14="http://schemas.microsoft.com/office/powerpoint/2010/main" val="1594540306"/>
+      </p:ext>
+    </p:extLst>
+  </p:cSld>
+  <p:clrMapOvr>
+    <a:masterClrMapping/>
+  </p:clrMapOvr>
+</p:sld>
+</file>
+
+<file path=ppt/slides/slide56.xml><?xml version="1.0" encoding="utf-8"?>
+<p:sld xmlns:a="http://schemas.openxmlformats.org/drawingml/2006/main" xmlns:r="http://schemas.openxmlformats.org/officeDocument/2006/relationships" xmlns:p="http://schemas.openxmlformats.org/presentationml/2006/main">
+  <p:cSld>
+    <p:spTree>
+      <p:nvGrpSpPr>
+        <p:cNvPr id="1" name=""/>
+        <p:cNvGrpSpPr/>
+        <p:nvPr/>
+      </p:nvGrpSpPr>
+      <p:grpSpPr>
+        <a:xfrm>
+          <a:off x="0" y="0"/>
+          <a:ext cx="0" cy="0"/>
+          <a:chOff x="0" y="0"/>
+          <a:chExt cx="0" cy="0"/>
+        </a:xfrm>
+      </p:grpSpPr>
+      <p:sp>
+        <p:nvSpPr>
+          <p:cNvPr id="2" name="Title 1"/>
+          <p:cNvSpPr>
+            <a:spLocks noGrp="1"/>
+          </p:cNvSpPr>
+          <p:nvPr>
             <p:ph type="ctrTitle"/>
           </p:nvPr>
         </p:nvSpPr>
@@ -14442,7 +14639,7 @@
 </p:sld>
 </file>
 
-<file path=ppt/slides/slide56.xml><?xml version="1.0" encoding="utf-8"?>
+<file path=ppt/slides/slide57.xml><?xml version="1.0" encoding="utf-8"?>
 <p:sld xmlns:a="http://schemas.openxmlformats.org/drawingml/2006/main" xmlns:r="http://schemas.openxmlformats.org/officeDocument/2006/relationships" xmlns:p="http://schemas.openxmlformats.org/presentationml/2006/main">
   <p:cSld>
     <p:spTree>
@@ -15192,7 +15389,7 @@
 </p:sld>
 </file>
 
-<file path=ppt/slides/slide57.xml><?xml version="1.0" encoding="utf-8"?>
+<file path=ppt/slides/slide58.xml><?xml version="1.0" encoding="utf-8"?>
 <p:sld xmlns:a="http://schemas.openxmlformats.org/drawingml/2006/main" xmlns:r="http://schemas.openxmlformats.org/officeDocument/2006/relationships" xmlns:p="http://schemas.openxmlformats.org/presentationml/2006/main">
   <p:cSld>
     <p:spTree>
@@ -16010,176 +16207,6 @@
 </p:sld>
 </file>
 
-<file path=ppt/slides/slide58.xml><?xml version="1.0" encoding="utf-8"?>
-<p:sld xmlns:a="http://schemas.openxmlformats.org/drawingml/2006/main" xmlns:r="http://schemas.openxmlformats.org/officeDocument/2006/relationships" xmlns:p="http://schemas.openxmlformats.org/presentationml/2006/main">
-  <p:cSld>
-    <p:spTree>
-      <p:nvGrpSpPr>
-        <p:cNvPr id="1" name=""/>
-        <p:cNvGrpSpPr/>
-        <p:nvPr/>
-      </p:nvGrpSpPr>
-      <p:grpSpPr>
-        <a:xfrm>
-          <a:off x="0" y="0"/>
-          <a:ext cx="0" cy="0"/>
-          <a:chOff x="0" y="0"/>
-          <a:chExt cx="0" cy="0"/>
-        </a:xfrm>
-      </p:grpSpPr>
-      <p:sp>
-        <p:nvSpPr>
-          <p:cNvPr id="2" name="Title 1"/>
-          <p:cNvSpPr>
-            <a:spLocks noGrp="1"/>
-          </p:cNvSpPr>
-          <p:nvPr>
-            <p:ph type="title"/>
-          </p:nvPr>
-        </p:nvSpPr>
-        <p:spPr/>
-        <p:txBody>
-          <a:bodyPr/>
-          <a:lstStyle/>
-          <a:p>
-            <a:r>
-              <a:rPr lang="en-US" dirty="0"/>
-              <a:t>Review Exercises</a:t>
-            </a:r>
-          </a:p>
-        </p:txBody>
-      </p:sp>
-      <p:sp>
-        <p:nvSpPr>
-          <p:cNvPr id="3" name="Content Placeholder 2"/>
-          <p:cNvSpPr>
-            <a:spLocks noGrp="1"/>
-          </p:cNvSpPr>
-          <p:nvPr>
-            <p:ph idx="1"/>
-          </p:nvPr>
-        </p:nvSpPr>
-        <p:spPr/>
-        <p:txBody>
-          <a:bodyPr/>
-          <a:lstStyle/>
-          <a:p>
-            <a:pPr marL="0" indent="0">
-              <a:buNone/>
-            </a:pPr>
-            <a:r>
-              <a:rPr lang="en-US" dirty="0"/>
-              <a:t>Write  a program that prints your name in the following forms:</a:t>
-            </a:r>
-          </a:p>
-          <a:p>
-            <a:pPr lvl="1"/>
-            <a:r>
-              <a:rPr lang="en-US" dirty="0" err="1"/>
-              <a:t>FirstName</a:t>
-            </a:r>
-            <a:r>
-              <a:rPr lang="en-US" dirty="0"/>
-              <a:t> </a:t>
-            </a:r>
-            <a:r>
-              <a:rPr lang="en-US" dirty="0" err="1"/>
-              <a:t>LastName</a:t>
-            </a:r>
-            <a:endParaRPr lang="en-US" dirty="0"/>
-          </a:p>
-          <a:p>
-            <a:pPr lvl="1"/>
-            <a:r>
-              <a:rPr lang="en-US" dirty="0" err="1"/>
-              <a:t>FirstName</a:t>
-            </a:r>
-            <a:r>
-              <a:rPr lang="en-US" dirty="0"/>
-              <a:t> </a:t>
-            </a:r>
-            <a:r>
-              <a:rPr lang="en-US" dirty="0" err="1"/>
-              <a:t>MiddleName</a:t>
-            </a:r>
-            <a:r>
-              <a:rPr lang="en-US" dirty="0"/>
-              <a:t> </a:t>
-            </a:r>
-            <a:r>
-              <a:rPr lang="en-US" dirty="0" err="1"/>
-              <a:t>LastName</a:t>
-            </a:r>
-            <a:endParaRPr lang="en-US" dirty="0"/>
-          </a:p>
-          <a:p>
-            <a:pPr lvl="1"/>
-            <a:r>
-              <a:rPr lang="en-US" dirty="0" err="1"/>
-              <a:t>LastName</a:t>
-            </a:r>
-            <a:r>
-              <a:rPr lang="en-US" dirty="0"/>
-              <a:t>, </a:t>
-            </a:r>
-            <a:r>
-              <a:rPr lang="en-US" dirty="0" err="1"/>
-              <a:t>FirstName</a:t>
-            </a:r>
-            <a:endParaRPr lang="en-US" dirty="0"/>
-          </a:p>
-          <a:p>
-            <a:pPr lvl="1"/>
-            <a:r>
-              <a:rPr lang="en-US" dirty="0" err="1"/>
-              <a:t>LastName</a:t>
-            </a:r>
-            <a:r>
-              <a:rPr lang="en-US" dirty="0"/>
-              <a:t>, </a:t>
-            </a:r>
-            <a:r>
-              <a:rPr lang="en-US" dirty="0" err="1"/>
-              <a:t>FirstName</a:t>
-            </a:r>
-            <a:r>
-              <a:rPr lang="en-US" dirty="0"/>
-              <a:t> </a:t>
-            </a:r>
-            <a:r>
-              <a:rPr lang="en-US" dirty="0" err="1"/>
-              <a:t>MiddleName</a:t>
-            </a:r>
-            <a:endParaRPr lang="en-US" dirty="0"/>
-          </a:p>
-          <a:p>
-            <a:pPr lvl="1"/>
-            <a:endParaRPr lang="en-US" dirty="0"/>
-          </a:p>
-          <a:p>
-            <a:pPr marL="0" indent="0">
-              <a:buNone/>
-            </a:pPr>
-            <a:r>
-              <a:rPr lang="en-US" dirty="0"/>
-              <a:t>Rewrite the above program using static void methods</a:t>
-            </a:r>
-          </a:p>
-        </p:txBody>
-      </p:sp>
-    </p:spTree>
-    <p:extLst>
-      <p:ext uri="{BB962C8B-B14F-4D97-AF65-F5344CB8AC3E}">
-        <p14:creationId xmlns:p14="http://schemas.microsoft.com/office/powerpoint/2010/main" val="3009895862"/>
-      </p:ext>
-    </p:extLst>
-  </p:cSld>
-  <p:clrMapOvr>
-    <a:masterClrMapping/>
-  </p:clrMapOvr>
-</p:sld>
-</file>
-
 <file path=ppt/slides/slide59.xml><?xml version="1.0" encoding="utf-8"?>
 <p:sld xmlns:a="http://schemas.openxmlformats.org/drawingml/2006/main" xmlns:r="http://schemas.openxmlformats.org/officeDocument/2006/relationships" xmlns:p="http://schemas.openxmlformats.org/presentationml/2006/main">
   <p:cSld>
@@ -16207,19 +16234,14 @@
             <p:ph type="title"/>
           </p:nvPr>
         </p:nvSpPr>
-        <p:spPr>
-          <a:xfrm>
-            <a:off x="838200" y="698500"/>
-            <a:ext cx="6689651" cy="1157288"/>
-          </a:xfrm>
-        </p:spPr>
+        <p:spPr/>
         <p:txBody>
           <a:bodyPr/>
           <a:lstStyle/>
           <a:p>
             <a:r>
               <a:rPr lang="en-US" dirty="0"/>
-              <a:t>Challenge</a:t>
+              <a:t>Review Exercises</a:t>
             </a:r>
           </a:p>
         </p:txBody>
@@ -16234,303 +16256,118 @@
             <p:ph idx="1"/>
           </p:nvPr>
         </p:nvSpPr>
-        <p:spPr>
-          <a:xfrm>
-            <a:off x="838200" y="2057399"/>
-            <a:ext cx="6689651" cy="4119563"/>
-          </a:xfrm>
-        </p:spPr>
+        <p:spPr/>
         <p:txBody>
           <a:bodyPr/>
           <a:lstStyle/>
           <a:p>
-            <a:r>
-              <a:rPr lang="en-US" dirty="0"/>
-              <a:t>There’s a 10 minute time limit.</a:t>
-            </a:r>
-          </a:p>
-          <a:p>
-            <a:r>
-              <a:rPr lang="en-US" dirty="0"/>
-              <a:t>Write a Java program called </a:t>
-            </a:r>
+            <a:pPr marL="0" indent="0">
+              <a:buNone/>
+            </a:pPr>
+            <a:r>
+              <a:rPr lang="en-US" dirty="0"/>
+              <a:t>Write  a program that prints your name in the following forms:</a:t>
+            </a:r>
+          </a:p>
+          <a:p>
+            <a:pPr lvl="1"/>
             <a:r>
               <a:rPr lang="en-US" dirty="0" err="1"/>
-              <a:t>StarFigures</a:t>
-            </a:r>
-            <a:r>
-              <a:rPr lang="en-US" dirty="0"/>
-              <a:t> that generates the following output</a:t>
-            </a:r>
-          </a:p>
-          <a:p>
-            <a:r>
-              <a:rPr lang="en-US" dirty="0"/>
-              <a:t>You MUST include a structure diagram or your answer will be disqualified</a:t>
-            </a:r>
-          </a:p>
-          <a:p>
-            <a:r>
-              <a:rPr lang="en-US" dirty="0"/>
-              <a:t>A correct answer will use static methods to show structure and eliminate redundancy in your solution</a:t>
-            </a:r>
-          </a:p>
-        </p:txBody>
-      </p:sp>
-      <p:sp>
-        <p:nvSpPr>
-          <p:cNvPr id="5" name="TextBox 4"/>
-          <p:cNvSpPr txBox="1"/>
-          <p:nvPr/>
-        </p:nvSpPr>
-        <p:spPr>
-          <a:xfrm>
-            <a:off x="7846827" y="698500"/>
-            <a:ext cx="4019107" cy="6463308"/>
-          </a:xfrm>
-          <a:prstGeom prst="rect">
-            <a:avLst/>
-          </a:prstGeom>
-          <a:noFill/>
-        </p:spPr>
-        <p:txBody>
-          <a:bodyPr wrap="square" rtlCol="0">
-            <a:spAutoFit/>
-          </a:bodyPr>
-          <a:lstStyle/>
-          <a:p>
-            <a:pPr algn="ctr"/>
-            <a:r>
-              <a:rPr lang="en-US" dirty="0">
-                <a:latin typeface="Courier New" panose="02070309020205020404" pitchFamily="49" charset="0"/>
-                <a:cs typeface="Courier New" panose="02070309020205020404" pitchFamily="49" charset="0"/>
-              </a:rPr>
-              <a:t>*****</a:t>
-            </a:r>
-          </a:p>
-          <a:p>
-            <a:pPr algn="ctr"/>
-            <a:r>
-              <a:rPr lang="en-US" dirty="0">
-                <a:latin typeface="Courier New" panose="02070309020205020404" pitchFamily="49" charset="0"/>
-                <a:cs typeface="Courier New" panose="02070309020205020404" pitchFamily="49" charset="0"/>
-              </a:rPr>
-              <a:t>*****</a:t>
-            </a:r>
-          </a:p>
-          <a:p>
-            <a:pPr algn="ctr"/>
-            <a:r>
-              <a:rPr lang="en-US" dirty="0">
-                <a:latin typeface="Courier New" panose="02070309020205020404" pitchFamily="49" charset="0"/>
-                <a:cs typeface="Courier New" panose="02070309020205020404" pitchFamily="49" charset="0"/>
-              </a:rPr>
-              <a:t>* *</a:t>
-            </a:r>
-          </a:p>
-          <a:p>
-            <a:pPr algn="ctr"/>
-            <a:r>
-              <a:rPr lang="en-US" dirty="0">
-                <a:latin typeface="Courier New" panose="02070309020205020404" pitchFamily="49" charset="0"/>
-                <a:cs typeface="Courier New" panose="02070309020205020404" pitchFamily="49" charset="0"/>
-              </a:rPr>
-              <a:t>*</a:t>
-            </a:r>
-          </a:p>
-          <a:p>
-            <a:pPr algn="ctr"/>
-            <a:r>
-              <a:rPr lang="en-US" dirty="0">
-                <a:latin typeface="Courier New" panose="02070309020205020404" pitchFamily="49" charset="0"/>
-                <a:cs typeface="Courier New" panose="02070309020205020404" pitchFamily="49" charset="0"/>
-              </a:rPr>
-              <a:t>* *</a:t>
-            </a:r>
-          </a:p>
-          <a:p>
-            <a:pPr marL="285750" indent="-285750" algn="ctr">
-              <a:buFont typeface="Arial" panose="020B0604020202020204" pitchFamily="34" charset="0"/>
-              <a:buChar char="•"/>
-            </a:pPr>
-            <a:endParaRPr lang="en-US" dirty="0">
-              <a:latin typeface="Courier New" panose="02070309020205020404" pitchFamily="49" charset="0"/>
-              <a:cs typeface="Courier New" panose="02070309020205020404" pitchFamily="49" charset="0"/>
-            </a:endParaRPr>
-          </a:p>
-          <a:p>
-            <a:pPr algn="ctr"/>
-            <a:r>
-              <a:rPr lang="en-US" dirty="0">
-                <a:latin typeface="Courier New" panose="02070309020205020404" pitchFamily="49" charset="0"/>
-                <a:cs typeface="Courier New" panose="02070309020205020404" pitchFamily="49" charset="0"/>
-              </a:rPr>
-              <a:t>*****</a:t>
-            </a:r>
-          </a:p>
-          <a:p>
-            <a:pPr algn="ctr"/>
-            <a:r>
-              <a:rPr lang="en-US" dirty="0">
-                <a:latin typeface="Courier New" panose="02070309020205020404" pitchFamily="49" charset="0"/>
-                <a:cs typeface="Courier New" panose="02070309020205020404" pitchFamily="49" charset="0"/>
-              </a:rPr>
-              <a:t>*****</a:t>
-            </a:r>
-          </a:p>
-          <a:p>
-            <a:pPr algn="ctr"/>
-            <a:r>
-              <a:rPr lang="en-US" dirty="0">
-                <a:latin typeface="Courier New" panose="02070309020205020404" pitchFamily="49" charset="0"/>
-                <a:cs typeface="Courier New" panose="02070309020205020404" pitchFamily="49" charset="0"/>
-              </a:rPr>
-              <a:t>* *</a:t>
-            </a:r>
-          </a:p>
-          <a:p>
-            <a:pPr algn="ctr"/>
-            <a:r>
-              <a:rPr lang="en-US" dirty="0">
-                <a:latin typeface="Courier New" panose="02070309020205020404" pitchFamily="49" charset="0"/>
-                <a:cs typeface="Courier New" panose="02070309020205020404" pitchFamily="49" charset="0"/>
-              </a:rPr>
-              <a:t>*</a:t>
-            </a:r>
-          </a:p>
-          <a:p>
-            <a:pPr algn="ctr"/>
-            <a:r>
-              <a:rPr lang="en-US" dirty="0">
-                <a:latin typeface="Courier New" panose="02070309020205020404" pitchFamily="49" charset="0"/>
-                <a:cs typeface="Courier New" panose="02070309020205020404" pitchFamily="49" charset="0"/>
-              </a:rPr>
-              <a:t>* *</a:t>
-            </a:r>
-          </a:p>
-          <a:p>
-            <a:pPr algn="ctr"/>
-            <a:r>
-              <a:rPr lang="en-US" dirty="0">
-                <a:latin typeface="Courier New" panose="02070309020205020404" pitchFamily="49" charset="0"/>
-                <a:cs typeface="Courier New" panose="02070309020205020404" pitchFamily="49" charset="0"/>
-              </a:rPr>
-              <a:t>*****</a:t>
-            </a:r>
-          </a:p>
-          <a:p>
-            <a:pPr algn="ctr"/>
-            <a:r>
-              <a:rPr lang="en-US" dirty="0">
-                <a:latin typeface="Courier New" panose="02070309020205020404" pitchFamily="49" charset="0"/>
-                <a:cs typeface="Courier New" panose="02070309020205020404" pitchFamily="49" charset="0"/>
-              </a:rPr>
-              <a:t>*****</a:t>
-            </a:r>
-          </a:p>
-          <a:p>
-            <a:pPr algn="ctr"/>
-            <a:endParaRPr lang="en-US" dirty="0">
-              <a:latin typeface="Courier New" panose="02070309020205020404" pitchFamily="49" charset="0"/>
-              <a:cs typeface="Courier New" panose="02070309020205020404" pitchFamily="49" charset="0"/>
-            </a:endParaRPr>
-          </a:p>
-          <a:p>
-            <a:pPr algn="ctr"/>
-            <a:r>
-              <a:rPr lang="en-US" dirty="0">
-                <a:latin typeface="Courier New" panose="02070309020205020404" pitchFamily="49" charset="0"/>
-                <a:cs typeface="Courier New" panose="02070309020205020404" pitchFamily="49" charset="0"/>
-              </a:rPr>
-              <a:t>*</a:t>
-            </a:r>
-          </a:p>
-          <a:p>
-            <a:pPr algn="ctr"/>
-            <a:r>
-              <a:rPr lang="en-US" dirty="0">
-                <a:latin typeface="Courier New" panose="02070309020205020404" pitchFamily="49" charset="0"/>
-                <a:cs typeface="Courier New" panose="02070309020205020404" pitchFamily="49" charset="0"/>
-              </a:rPr>
-              <a:t>*</a:t>
-            </a:r>
-          </a:p>
-          <a:p>
-            <a:pPr algn="ctr"/>
-            <a:r>
-              <a:rPr lang="en-US" dirty="0">
-                <a:latin typeface="Courier New" panose="02070309020205020404" pitchFamily="49" charset="0"/>
-                <a:cs typeface="Courier New" panose="02070309020205020404" pitchFamily="49" charset="0"/>
-              </a:rPr>
-              <a:t>*</a:t>
-            </a:r>
-          </a:p>
-          <a:p>
-            <a:pPr algn="ctr"/>
-            <a:r>
-              <a:rPr lang="en-US" dirty="0">
-                <a:latin typeface="Courier New" panose="02070309020205020404" pitchFamily="49" charset="0"/>
-                <a:cs typeface="Courier New" panose="02070309020205020404" pitchFamily="49" charset="0"/>
-              </a:rPr>
-              <a:t>*****</a:t>
-            </a:r>
-          </a:p>
-          <a:p>
-            <a:pPr algn="ctr"/>
-            <a:r>
-              <a:rPr lang="en-US" dirty="0">
-                <a:latin typeface="Courier New" panose="02070309020205020404" pitchFamily="49" charset="0"/>
-                <a:cs typeface="Courier New" panose="02070309020205020404" pitchFamily="49" charset="0"/>
-              </a:rPr>
-              <a:t>*****</a:t>
-            </a:r>
-          </a:p>
-          <a:p>
-            <a:pPr algn="ctr"/>
-            <a:r>
-              <a:rPr lang="en-US" dirty="0">
-                <a:latin typeface="Courier New" panose="02070309020205020404" pitchFamily="49" charset="0"/>
-                <a:cs typeface="Courier New" panose="02070309020205020404" pitchFamily="49" charset="0"/>
-              </a:rPr>
-              <a:t>* *</a:t>
-            </a:r>
-          </a:p>
-          <a:p>
-            <a:pPr algn="ctr"/>
-            <a:r>
-              <a:rPr lang="en-US" dirty="0">
-                <a:latin typeface="Courier New" panose="02070309020205020404" pitchFamily="49" charset="0"/>
-                <a:cs typeface="Courier New" panose="02070309020205020404" pitchFamily="49" charset="0"/>
-              </a:rPr>
-              <a:t>*</a:t>
-            </a:r>
-          </a:p>
-          <a:p>
-            <a:pPr algn="ctr"/>
-            <a:r>
-              <a:rPr lang="en-US" dirty="0">
-                <a:latin typeface="Courier New" panose="02070309020205020404" pitchFamily="49" charset="0"/>
-                <a:cs typeface="Courier New" panose="02070309020205020404" pitchFamily="49" charset="0"/>
-              </a:rPr>
-              <a:t>* *</a:t>
-            </a:r>
-            <a:br>
-              <a:rPr lang="en-US" dirty="0">
-                <a:latin typeface="Courier New" panose="02070309020205020404" pitchFamily="49" charset="0"/>
-                <a:cs typeface="Courier New" panose="02070309020205020404" pitchFamily="49" charset="0"/>
-              </a:rPr>
-            </a:br>
-            <a:endParaRPr lang="en-US" dirty="0">
-              <a:latin typeface="Courier New" panose="02070309020205020404" pitchFamily="49" charset="0"/>
-              <a:cs typeface="Courier New" panose="02070309020205020404" pitchFamily="49" charset="0"/>
-            </a:endParaRPr>
+              <a:t>FirstName</a:t>
+            </a:r>
+            <a:r>
+              <a:rPr lang="en-US" dirty="0"/>
+              <a:t> </a:t>
+            </a:r>
+            <a:r>
+              <a:rPr lang="en-US" dirty="0" err="1"/>
+              <a:t>LastName</a:t>
+            </a:r>
+            <a:endParaRPr lang="en-US" dirty="0"/>
+          </a:p>
+          <a:p>
+            <a:pPr lvl="1"/>
+            <a:r>
+              <a:rPr lang="en-US" dirty="0" err="1"/>
+              <a:t>FirstName</a:t>
+            </a:r>
+            <a:r>
+              <a:rPr lang="en-US" dirty="0"/>
+              <a:t> </a:t>
+            </a:r>
+            <a:r>
+              <a:rPr lang="en-US" dirty="0" err="1"/>
+              <a:t>MiddleName</a:t>
+            </a:r>
+            <a:r>
+              <a:rPr lang="en-US" dirty="0"/>
+              <a:t> </a:t>
+            </a:r>
+            <a:r>
+              <a:rPr lang="en-US" dirty="0" err="1"/>
+              <a:t>LastName</a:t>
+            </a:r>
+            <a:endParaRPr lang="en-US" dirty="0"/>
+          </a:p>
+          <a:p>
+            <a:pPr lvl="1"/>
+            <a:r>
+              <a:rPr lang="en-US" dirty="0" err="1"/>
+              <a:t>LastName</a:t>
+            </a:r>
+            <a:r>
+              <a:rPr lang="en-US" dirty="0"/>
+              <a:t>, </a:t>
+            </a:r>
+            <a:r>
+              <a:rPr lang="en-US" dirty="0" err="1"/>
+              <a:t>FirstName</a:t>
+            </a:r>
+            <a:endParaRPr lang="en-US" dirty="0"/>
+          </a:p>
+          <a:p>
+            <a:pPr lvl="1"/>
+            <a:r>
+              <a:rPr lang="en-US" dirty="0" err="1"/>
+              <a:t>LastName</a:t>
+            </a:r>
+            <a:r>
+              <a:rPr lang="en-US" dirty="0"/>
+              <a:t>, </a:t>
+            </a:r>
+            <a:r>
+              <a:rPr lang="en-US" dirty="0" err="1"/>
+              <a:t>FirstName</a:t>
+            </a:r>
+            <a:r>
+              <a:rPr lang="en-US" dirty="0"/>
+              <a:t> </a:t>
+            </a:r>
+            <a:r>
+              <a:rPr lang="en-US" dirty="0" err="1"/>
+              <a:t>MiddleName</a:t>
+            </a:r>
+            <a:endParaRPr lang="en-US" dirty="0"/>
+          </a:p>
+          <a:p>
+            <a:pPr lvl="1"/>
+            <a:endParaRPr lang="en-US" dirty="0"/>
+          </a:p>
+          <a:p>
+            <a:pPr marL="0" indent="0">
+              <a:buNone/>
+            </a:pPr>
+            <a:r>
+              <a:rPr lang="en-US" dirty="0"/>
+              <a:t>Rewrite the above program using static void methods</a:t>
+            </a:r>
           </a:p>
         </p:txBody>
       </p:sp>
     </p:spTree>
     <p:extLst>
       <p:ext uri="{BB962C8B-B14F-4D97-AF65-F5344CB8AC3E}">
-        <p14:creationId xmlns:p14="http://schemas.microsoft.com/office/powerpoint/2010/main" val="29498804"/>
+        <p14:creationId xmlns:p14="http://schemas.microsoft.com/office/powerpoint/2010/main" val="3009895862"/>
       </p:ext>
     </p:extLst>
   </p:cSld>
@@ -16614,7 +16451,9 @@
           <p:cNvGraphicFramePr>
             <a:graphicFrameLocks noGrp="1"/>
           </p:cNvGraphicFramePr>
-          <p:nvPr/>
+          <p:nvPr>
+            <p:extLst/>
+          </p:nvPr>
         </p:nvGraphicFramePr>
         <p:xfrm>
           <a:off x="2032000" y="2960192"/>
@@ -16671,7 +16510,9 @@
           <p:cNvGraphicFramePr>
             <a:graphicFrameLocks noGrp="1"/>
           </p:cNvGraphicFramePr>
-          <p:nvPr/>
+          <p:nvPr>
+            <p:extLst/>
+          </p:nvPr>
         </p:nvGraphicFramePr>
         <p:xfrm>
           <a:off x="2032001" y="3855365"/>
@@ -16854,7 +16695,9 @@
           <p:cNvGraphicFramePr>
             <a:graphicFrameLocks noGrp="1"/>
           </p:cNvGraphicFramePr>
-          <p:nvPr/>
+          <p:nvPr>
+            <p:extLst/>
+          </p:nvPr>
         </p:nvGraphicFramePr>
         <p:xfrm>
           <a:off x="2032001" y="5361603"/>
@@ -16979,14 +16822,19 @@
             <p:ph type="title"/>
           </p:nvPr>
         </p:nvSpPr>
-        <p:spPr/>
+        <p:spPr>
+          <a:xfrm>
+            <a:off x="838200" y="698500"/>
+            <a:ext cx="6689651" cy="1157288"/>
+          </a:xfrm>
+        </p:spPr>
         <p:txBody>
           <a:bodyPr/>
           <a:lstStyle/>
           <a:p>
             <a:r>
               <a:rPr lang="en-US" dirty="0"/>
-              <a:t>Homework</a:t>
+              <a:t>Challenge</a:t>
             </a:r>
           </a:p>
         </p:txBody>
@@ -17001,45 +16849,303 @@
             <p:ph idx="1"/>
           </p:nvPr>
         </p:nvSpPr>
-        <p:spPr/>
+        <p:spPr>
+          <a:xfrm>
+            <a:off x="838200" y="2057399"/>
+            <a:ext cx="6689651" cy="4119563"/>
+          </a:xfrm>
+        </p:spPr>
         <p:txBody>
           <a:bodyPr/>
           <a:lstStyle/>
           <a:p>
             <a:r>
               <a:rPr lang="en-US" dirty="0"/>
-              <a:t>No reading tonight!</a:t>
-            </a:r>
-          </a:p>
-          <a:p>
-            <a:endParaRPr lang="en-US" dirty="0"/>
-          </a:p>
-          <a:p>
-            <a:r>
-              <a:rPr lang="en-US" dirty="0"/>
-              <a:t>Complete an outline for chapter 1</a:t>
-            </a:r>
-          </a:p>
-          <a:p>
-            <a:endParaRPr lang="en-US" dirty="0"/>
-          </a:p>
-          <a:p>
-            <a:r>
-              <a:rPr lang="en-US" dirty="0"/>
-              <a:t>Please complete programming project 1.1 </a:t>
-            </a:r>
-            <a:r>
-              <a:rPr lang="en-US"/>
-              <a:t>and 1.3</a:t>
-            </a:r>
-            <a:endParaRPr lang="en-US" dirty="0"/>
+              <a:t>There’s a 10 minute time limit.</a:t>
+            </a:r>
+          </a:p>
+          <a:p>
+            <a:r>
+              <a:rPr lang="en-US" dirty="0"/>
+              <a:t>Write a Java program called </a:t>
+            </a:r>
+            <a:r>
+              <a:rPr lang="en-US" dirty="0" err="1"/>
+              <a:t>StarFigures</a:t>
+            </a:r>
+            <a:r>
+              <a:rPr lang="en-US" dirty="0"/>
+              <a:t> that generates the following output</a:t>
+            </a:r>
+          </a:p>
+          <a:p>
+            <a:r>
+              <a:rPr lang="en-US" dirty="0"/>
+              <a:t>You MUST include a structure diagram or your answer will be disqualified</a:t>
+            </a:r>
+          </a:p>
+          <a:p>
+            <a:r>
+              <a:rPr lang="en-US" dirty="0"/>
+              <a:t>A correct answer will use static methods to show structure and eliminate redundancy in your solution</a:t>
+            </a:r>
+          </a:p>
+        </p:txBody>
+      </p:sp>
+      <p:sp>
+        <p:nvSpPr>
+          <p:cNvPr id="5" name="TextBox 4"/>
+          <p:cNvSpPr txBox="1"/>
+          <p:nvPr/>
+        </p:nvSpPr>
+        <p:spPr>
+          <a:xfrm>
+            <a:off x="7846827" y="698500"/>
+            <a:ext cx="4019107" cy="6463308"/>
+          </a:xfrm>
+          <a:prstGeom prst="rect">
+            <a:avLst/>
+          </a:prstGeom>
+          <a:noFill/>
+        </p:spPr>
+        <p:txBody>
+          <a:bodyPr wrap="square" rtlCol="0">
+            <a:spAutoFit/>
+          </a:bodyPr>
+          <a:lstStyle/>
+          <a:p>
+            <a:pPr algn="ctr"/>
+            <a:r>
+              <a:rPr lang="en-US" dirty="0">
+                <a:latin typeface="Courier New" panose="02070309020205020404" pitchFamily="49" charset="0"/>
+                <a:cs typeface="Courier New" panose="02070309020205020404" pitchFamily="49" charset="0"/>
+              </a:rPr>
+              <a:t>*****</a:t>
+            </a:r>
+          </a:p>
+          <a:p>
+            <a:pPr algn="ctr"/>
+            <a:r>
+              <a:rPr lang="en-US" dirty="0">
+                <a:latin typeface="Courier New" panose="02070309020205020404" pitchFamily="49" charset="0"/>
+                <a:cs typeface="Courier New" panose="02070309020205020404" pitchFamily="49" charset="0"/>
+              </a:rPr>
+              <a:t>*****</a:t>
+            </a:r>
+          </a:p>
+          <a:p>
+            <a:pPr algn="ctr"/>
+            <a:r>
+              <a:rPr lang="en-US" dirty="0">
+                <a:latin typeface="Courier New" panose="02070309020205020404" pitchFamily="49" charset="0"/>
+                <a:cs typeface="Courier New" panose="02070309020205020404" pitchFamily="49" charset="0"/>
+              </a:rPr>
+              <a:t>* *</a:t>
+            </a:r>
+          </a:p>
+          <a:p>
+            <a:pPr algn="ctr"/>
+            <a:r>
+              <a:rPr lang="en-US" dirty="0">
+                <a:latin typeface="Courier New" panose="02070309020205020404" pitchFamily="49" charset="0"/>
+                <a:cs typeface="Courier New" panose="02070309020205020404" pitchFamily="49" charset="0"/>
+              </a:rPr>
+              <a:t>*</a:t>
+            </a:r>
+          </a:p>
+          <a:p>
+            <a:pPr algn="ctr"/>
+            <a:r>
+              <a:rPr lang="en-US" dirty="0">
+                <a:latin typeface="Courier New" panose="02070309020205020404" pitchFamily="49" charset="0"/>
+                <a:cs typeface="Courier New" panose="02070309020205020404" pitchFamily="49" charset="0"/>
+              </a:rPr>
+              <a:t>* *</a:t>
+            </a:r>
+          </a:p>
+          <a:p>
+            <a:pPr marL="285750" indent="-285750" algn="ctr">
+              <a:buFont typeface="Arial" panose="020B0604020202020204" pitchFamily="34" charset="0"/>
+              <a:buChar char="•"/>
+            </a:pPr>
+            <a:endParaRPr lang="en-US" dirty="0">
+              <a:latin typeface="Courier New" panose="02070309020205020404" pitchFamily="49" charset="0"/>
+              <a:cs typeface="Courier New" panose="02070309020205020404" pitchFamily="49" charset="0"/>
+            </a:endParaRPr>
+          </a:p>
+          <a:p>
+            <a:pPr algn="ctr"/>
+            <a:r>
+              <a:rPr lang="en-US" dirty="0">
+                <a:latin typeface="Courier New" panose="02070309020205020404" pitchFamily="49" charset="0"/>
+                <a:cs typeface="Courier New" panose="02070309020205020404" pitchFamily="49" charset="0"/>
+              </a:rPr>
+              <a:t>*****</a:t>
+            </a:r>
+          </a:p>
+          <a:p>
+            <a:pPr algn="ctr"/>
+            <a:r>
+              <a:rPr lang="en-US" dirty="0">
+                <a:latin typeface="Courier New" panose="02070309020205020404" pitchFamily="49" charset="0"/>
+                <a:cs typeface="Courier New" panose="02070309020205020404" pitchFamily="49" charset="0"/>
+              </a:rPr>
+              <a:t>*****</a:t>
+            </a:r>
+          </a:p>
+          <a:p>
+            <a:pPr algn="ctr"/>
+            <a:r>
+              <a:rPr lang="en-US" dirty="0">
+                <a:latin typeface="Courier New" panose="02070309020205020404" pitchFamily="49" charset="0"/>
+                <a:cs typeface="Courier New" panose="02070309020205020404" pitchFamily="49" charset="0"/>
+              </a:rPr>
+              <a:t>* *</a:t>
+            </a:r>
+          </a:p>
+          <a:p>
+            <a:pPr algn="ctr"/>
+            <a:r>
+              <a:rPr lang="en-US" dirty="0">
+                <a:latin typeface="Courier New" panose="02070309020205020404" pitchFamily="49" charset="0"/>
+                <a:cs typeface="Courier New" panose="02070309020205020404" pitchFamily="49" charset="0"/>
+              </a:rPr>
+              <a:t>*</a:t>
+            </a:r>
+          </a:p>
+          <a:p>
+            <a:pPr algn="ctr"/>
+            <a:r>
+              <a:rPr lang="en-US" dirty="0">
+                <a:latin typeface="Courier New" panose="02070309020205020404" pitchFamily="49" charset="0"/>
+                <a:cs typeface="Courier New" panose="02070309020205020404" pitchFamily="49" charset="0"/>
+              </a:rPr>
+              <a:t>* *</a:t>
+            </a:r>
+          </a:p>
+          <a:p>
+            <a:pPr algn="ctr"/>
+            <a:r>
+              <a:rPr lang="en-US" dirty="0">
+                <a:latin typeface="Courier New" panose="02070309020205020404" pitchFamily="49" charset="0"/>
+                <a:cs typeface="Courier New" panose="02070309020205020404" pitchFamily="49" charset="0"/>
+              </a:rPr>
+              <a:t>*****</a:t>
+            </a:r>
+          </a:p>
+          <a:p>
+            <a:pPr algn="ctr"/>
+            <a:r>
+              <a:rPr lang="en-US" dirty="0">
+                <a:latin typeface="Courier New" panose="02070309020205020404" pitchFamily="49" charset="0"/>
+                <a:cs typeface="Courier New" panose="02070309020205020404" pitchFamily="49" charset="0"/>
+              </a:rPr>
+              <a:t>*****</a:t>
+            </a:r>
+          </a:p>
+          <a:p>
+            <a:pPr algn="ctr"/>
+            <a:endParaRPr lang="en-US" dirty="0">
+              <a:latin typeface="Courier New" panose="02070309020205020404" pitchFamily="49" charset="0"/>
+              <a:cs typeface="Courier New" panose="02070309020205020404" pitchFamily="49" charset="0"/>
+            </a:endParaRPr>
+          </a:p>
+          <a:p>
+            <a:pPr algn="ctr"/>
+            <a:r>
+              <a:rPr lang="en-US" dirty="0">
+                <a:latin typeface="Courier New" panose="02070309020205020404" pitchFamily="49" charset="0"/>
+                <a:cs typeface="Courier New" panose="02070309020205020404" pitchFamily="49" charset="0"/>
+              </a:rPr>
+              <a:t>*</a:t>
+            </a:r>
+          </a:p>
+          <a:p>
+            <a:pPr algn="ctr"/>
+            <a:r>
+              <a:rPr lang="en-US" dirty="0">
+                <a:latin typeface="Courier New" panose="02070309020205020404" pitchFamily="49" charset="0"/>
+                <a:cs typeface="Courier New" panose="02070309020205020404" pitchFamily="49" charset="0"/>
+              </a:rPr>
+              <a:t>*</a:t>
+            </a:r>
+          </a:p>
+          <a:p>
+            <a:pPr algn="ctr"/>
+            <a:r>
+              <a:rPr lang="en-US" dirty="0">
+                <a:latin typeface="Courier New" panose="02070309020205020404" pitchFamily="49" charset="0"/>
+                <a:cs typeface="Courier New" panose="02070309020205020404" pitchFamily="49" charset="0"/>
+              </a:rPr>
+              <a:t>*</a:t>
+            </a:r>
+          </a:p>
+          <a:p>
+            <a:pPr algn="ctr"/>
+            <a:r>
+              <a:rPr lang="en-US" dirty="0">
+                <a:latin typeface="Courier New" panose="02070309020205020404" pitchFamily="49" charset="0"/>
+                <a:cs typeface="Courier New" panose="02070309020205020404" pitchFamily="49" charset="0"/>
+              </a:rPr>
+              <a:t>*****</a:t>
+            </a:r>
+          </a:p>
+          <a:p>
+            <a:pPr algn="ctr"/>
+            <a:r>
+              <a:rPr lang="en-US" dirty="0">
+                <a:latin typeface="Courier New" panose="02070309020205020404" pitchFamily="49" charset="0"/>
+                <a:cs typeface="Courier New" panose="02070309020205020404" pitchFamily="49" charset="0"/>
+              </a:rPr>
+              <a:t>*****</a:t>
+            </a:r>
+          </a:p>
+          <a:p>
+            <a:pPr algn="ctr"/>
+            <a:r>
+              <a:rPr lang="en-US" dirty="0">
+                <a:latin typeface="Courier New" panose="02070309020205020404" pitchFamily="49" charset="0"/>
+                <a:cs typeface="Courier New" panose="02070309020205020404" pitchFamily="49" charset="0"/>
+              </a:rPr>
+              <a:t>* *</a:t>
+            </a:r>
+          </a:p>
+          <a:p>
+            <a:pPr algn="ctr"/>
+            <a:r>
+              <a:rPr lang="en-US" dirty="0">
+                <a:latin typeface="Courier New" panose="02070309020205020404" pitchFamily="49" charset="0"/>
+                <a:cs typeface="Courier New" panose="02070309020205020404" pitchFamily="49" charset="0"/>
+              </a:rPr>
+              <a:t>*</a:t>
+            </a:r>
+          </a:p>
+          <a:p>
+            <a:pPr algn="ctr"/>
+            <a:r>
+              <a:rPr lang="en-US" dirty="0">
+                <a:latin typeface="Courier New" panose="02070309020205020404" pitchFamily="49" charset="0"/>
+                <a:cs typeface="Courier New" panose="02070309020205020404" pitchFamily="49" charset="0"/>
+              </a:rPr>
+              <a:t>* *</a:t>
+            </a:r>
+            <a:br>
+              <a:rPr lang="en-US" dirty="0">
+                <a:latin typeface="Courier New" panose="02070309020205020404" pitchFamily="49" charset="0"/>
+                <a:cs typeface="Courier New" panose="02070309020205020404" pitchFamily="49" charset="0"/>
+              </a:rPr>
+            </a:br>
+            <a:endParaRPr lang="en-US" dirty="0">
+              <a:latin typeface="Courier New" panose="02070309020205020404" pitchFamily="49" charset="0"/>
+              <a:cs typeface="Courier New" panose="02070309020205020404" pitchFamily="49" charset="0"/>
+            </a:endParaRPr>
           </a:p>
         </p:txBody>
       </p:sp>
     </p:spTree>
     <p:extLst>
       <p:ext uri="{BB962C8B-B14F-4D97-AF65-F5344CB8AC3E}">
-        <p14:creationId xmlns:p14="http://schemas.microsoft.com/office/powerpoint/2010/main" val="3918666505"/>
+        <p14:creationId xmlns:p14="http://schemas.microsoft.com/office/powerpoint/2010/main" val="29498804"/>
       </p:ext>
     </p:extLst>
   </p:cSld>
@@ -17073,7 +17179,7 @@
             <a:spLocks noGrp="1"/>
           </p:cNvSpPr>
           <p:nvPr>
-            <p:ph type="ctrTitle"/>
+            <p:ph type="title"/>
           </p:nvPr>
         </p:nvSpPr>
         <p:spPr/>
@@ -17083,19 +17189,19 @@
           <a:p>
             <a:r>
               <a:rPr lang="en-US" dirty="0"/>
-              <a:t>Programming Project</a:t>
-            </a:r>
-          </a:p>
-        </p:txBody>
-      </p:sp>
-      <p:sp>
-        <p:nvSpPr>
-          <p:cNvPr id="3" name="Subtitle 2"/>
-          <p:cNvSpPr>
-            <a:spLocks noGrp="1"/>
-          </p:cNvSpPr>
-          <p:nvPr>
-            <p:ph type="subTitle" idx="1"/>
+              <a:t>Practice It</a:t>
+            </a:r>
+          </a:p>
+        </p:txBody>
+      </p:sp>
+      <p:sp>
+        <p:nvSpPr>
+          <p:cNvPr id="3" name="Content Placeholder 2"/>
+          <p:cNvSpPr>
+            <a:spLocks noGrp="1"/>
+          </p:cNvSpPr>
+          <p:nvPr>
+            <p:ph idx="1"/>
           </p:nvPr>
         </p:nvSpPr>
         <p:spPr/>
@@ -17103,9 +17209,33 @@
           <a:bodyPr/>
           <a:lstStyle/>
           <a:p>
-            <a:r>
-              <a:rPr lang="en-US" dirty="0"/>
-              <a:t>[ 1.07 ] [ Today’s Date ] [ Instructor Name ]</a:t>
+            <a:pPr marL="0" indent="0">
+              <a:buNone/>
+            </a:pPr>
+            <a:r>
+              <a:rPr lang="en-US" dirty="0"/>
+              <a:t>If you speed through and finish early, here are some problems for you to try:</a:t>
+            </a:r>
+          </a:p>
+          <a:p>
+            <a:endParaRPr lang="en-US" dirty="0"/>
+          </a:p>
+          <a:p>
+            <a:pPr lvl="1"/>
+            <a:r>
+              <a:rPr lang="en-US" dirty="0"/>
+              <a:t>Complete Strange 2, Strange 3, Complicated 2 and Complicated 3 Practice-It</a:t>
+            </a:r>
+          </a:p>
+          <a:p>
+            <a:pPr lvl="1"/>
+            <a:endParaRPr lang="en-US" dirty="0"/>
+          </a:p>
+          <a:p>
+            <a:pPr lvl="1"/>
+            <a:r>
+              <a:rPr lang="en-US" dirty="0"/>
+              <a:t>Work on sample test questions with outputs that can be written using method calls. Make sure to include an answer key to your sample!</a:t>
             </a:r>
           </a:p>
         </p:txBody>
@@ -17113,7 +17243,7 @@
     </p:spTree>
     <p:extLst>
       <p:ext uri="{BB962C8B-B14F-4D97-AF65-F5344CB8AC3E}">
-        <p14:creationId xmlns:p14="http://schemas.microsoft.com/office/powerpoint/2010/main" val="1878197193"/>
+        <p14:creationId xmlns:p14="http://schemas.microsoft.com/office/powerpoint/2010/main" val="3871720585"/>
       </p:ext>
     </p:extLst>
   </p:cSld>
@@ -17157,7 +17287,7 @@
           <a:p>
             <a:r>
               <a:rPr lang="en-US" dirty="0"/>
-              <a:t>Programming Project 2: Similar Letters	</a:t>
+              <a:t>Homework</a:t>
             </a:r>
           </a:p>
         </p:txBody>
@@ -17177,50 +17307,40 @@
           <a:bodyPr/>
           <a:lstStyle/>
           <a:p>
-            <a:pPr marL="0" indent="0">
-              <a:buNone/>
-            </a:pPr>
-            <a:r>
-              <a:rPr lang="en-US" dirty="0"/>
-              <a:t>Should be able to print similar letters to three people of your choice</a:t>
-            </a:r>
-          </a:p>
-          <a:p>
-            <a:pPr marL="0" indent="0">
-              <a:buNone/>
-            </a:pPr>
-            <a:r>
-              <a:rPr lang="en-US" dirty="0"/>
-              <a:t>Each letter should have one paragraph in common with each other letter</a:t>
-            </a:r>
-          </a:p>
-          <a:p>
-            <a:pPr marL="0" indent="0">
-              <a:buNone/>
-            </a:pPr>
-            <a:r>
-              <a:rPr lang="en-US" dirty="0"/>
-              <a:t>Your main program should only have three method calls</a:t>
+            <a:r>
+              <a:rPr lang="en-US" dirty="0"/>
+              <a:t>No reading tonight!</a:t>
             </a:r>
           </a:p>
           <a:p>
             <a:endParaRPr lang="en-US" dirty="0"/>
           </a:p>
           <a:p>
-            <a:pPr marL="0" indent="0">
-              <a:buNone/>
-            </a:pPr>
-            <a:r>
-              <a:rPr lang="en-US" dirty="0"/>
-              <a:t>TIPS: Try to isolate repeated tasks into methods. Include comments in with your code so others can easily understand what your code is supposed to do</a:t>
-            </a:r>
+            <a:r>
+              <a:rPr lang="en-US" dirty="0"/>
+              <a:t>Complete an outline for chapter 1</a:t>
+            </a:r>
+          </a:p>
+          <a:p>
+            <a:endParaRPr lang="en-US" dirty="0"/>
+          </a:p>
+          <a:p>
+            <a:r>
+              <a:rPr lang="en-US" dirty="0"/>
+              <a:t>Please complete programming project 1.1 </a:t>
+            </a:r>
+            <a:r>
+              <a:rPr lang="en-US"/>
+              <a:t>and 1.3</a:t>
+            </a:r>
+            <a:endParaRPr lang="en-US" dirty="0"/>
           </a:p>
         </p:txBody>
       </p:sp>
     </p:spTree>
     <p:extLst>
       <p:ext uri="{BB962C8B-B14F-4D97-AF65-F5344CB8AC3E}">
-        <p14:creationId xmlns:p14="http://schemas.microsoft.com/office/powerpoint/2010/main" val="1954838073"/>
+        <p14:creationId xmlns:p14="http://schemas.microsoft.com/office/powerpoint/2010/main" val="3918666505"/>
       </p:ext>
     </p:extLst>
   </p:cSld>
@@ -17254,31 +17374,29 @@
             <a:spLocks noGrp="1"/>
           </p:cNvSpPr>
           <p:nvPr>
-            <p:ph type="title"/>
+            <p:ph type="ctrTitle"/>
           </p:nvPr>
         </p:nvSpPr>
         <p:spPr/>
         <p:txBody>
-          <a:bodyPr>
-            <a:normAutofit fontScale="90000"/>
-          </a:bodyPr>
-          <a:lstStyle/>
-          <a:p>
-            <a:r>
-              <a:rPr lang="en-US" dirty="0"/>
-              <a:t>Programming Project 5: The House that Jack Built</a:t>
-            </a:r>
-          </a:p>
-        </p:txBody>
-      </p:sp>
-      <p:sp>
-        <p:nvSpPr>
-          <p:cNvPr id="3" name="Content Placeholder 2"/>
-          <p:cNvSpPr>
-            <a:spLocks noGrp="1"/>
-          </p:cNvSpPr>
-          <p:nvPr>
-            <p:ph idx="1"/>
+          <a:bodyPr/>
+          <a:lstStyle/>
+          <a:p>
+            <a:r>
+              <a:rPr lang="en-US" dirty="0"/>
+              <a:t>Programming Project</a:t>
+            </a:r>
+          </a:p>
+        </p:txBody>
+      </p:sp>
+      <p:sp>
+        <p:nvSpPr>
+          <p:cNvPr id="3" name="Subtitle 2"/>
+          <p:cNvSpPr>
+            <a:spLocks noGrp="1"/>
+          </p:cNvSpPr>
+          <p:nvPr>
+            <p:ph type="subTitle" idx="1"/>
           </p:nvPr>
         </p:nvSpPr>
         <p:spPr/>
@@ -17286,36 +17404,9 @@
           <a:bodyPr/>
           <a:lstStyle/>
           <a:p>
-            <a:pPr marL="0" indent="0">
-              <a:buNone/>
-            </a:pPr>
-            <a:r>
-              <a:rPr lang="en-US" dirty="0"/>
-              <a:t>Write a program that produces as output the words of the song,   </a:t>
-            </a:r>
-          </a:p>
-          <a:p>
-            <a:pPr marL="0" indent="0">
-              <a:buNone/>
-            </a:pPr>
-            <a:r>
-              <a:rPr lang="en-US" dirty="0"/>
-              <a:t>“The House that Jack Built”</a:t>
-            </a:r>
-          </a:p>
-          <a:p>
-            <a:endParaRPr lang="en-US" dirty="0"/>
-          </a:p>
-          <a:p>
-            <a:r>
-              <a:rPr lang="en-US" dirty="0"/>
-              <a:t>Reference page 60 of your textbook for the full lyrics</a:t>
-            </a:r>
-          </a:p>
-          <a:p>
-            <a:r>
-              <a:rPr lang="en-US" dirty="0"/>
-              <a:t>Use methods for each verse and repeated text</a:t>
+            <a:r>
+              <a:rPr lang="en-US" dirty="0"/>
+              <a:t>[ 1.07 ] [ Today’s Date ] [ Instructor Name ]</a:t>
             </a:r>
           </a:p>
         </p:txBody>
@@ -17323,7 +17414,7 @@
     </p:spTree>
     <p:extLst>
       <p:ext uri="{BB962C8B-B14F-4D97-AF65-F5344CB8AC3E}">
-        <p14:creationId xmlns:p14="http://schemas.microsoft.com/office/powerpoint/2010/main" val="4241946082"/>
+        <p14:creationId xmlns:p14="http://schemas.microsoft.com/office/powerpoint/2010/main" val="1878197193"/>
       </p:ext>
     </p:extLst>
   </p:cSld>
@@ -17357,24 +17448,72 @@
             <a:spLocks noGrp="1"/>
           </p:cNvSpPr>
           <p:nvPr>
-            <p:ph type="ctrTitle"/>
-          </p:nvPr>
-        </p:nvSpPr>
-        <p:spPr>
-          <a:xfrm>
-            <a:off x="1524000" y="1864488"/>
-            <a:ext cx="9144000" cy="2387600"/>
-          </a:xfrm>
-        </p:spPr>
-        <p:txBody>
-          <a:bodyPr>
-            <a:normAutofit/>
-          </a:bodyPr>
-          <a:lstStyle/>
-          <a:p>
-            <a:r>
-              <a:rPr lang="en-US" sz="4400" dirty="0"/>
-              <a:t>If you finish early, work on Programming Project 4</a:t>
+            <p:ph type="title"/>
+          </p:nvPr>
+        </p:nvSpPr>
+        <p:spPr/>
+        <p:txBody>
+          <a:bodyPr/>
+          <a:lstStyle/>
+          <a:p>
+            <a:r>
+              <a:rPr lang="en-US" dirty="0"/>
+              <a:t>Programming Project 2: Similar Letters	</a:t>
+            </a:r>
+          </a:p>
+        </p:txBody>
+      </p:sp>
+      <p:sp>
+        <p:nvSpPr>
+          <p:cNvPr id="3" name="Content Placeholder 2"/>
+          <p:cNvSpPr>
+            <a:spLocks noGrp="1"/>
+          </p:cNvSpPr>
+          <p:nvPr>
+            <p:ph idx="1"/>
+          </p:nvPr>
+        </p:nvSpPr>
+        <p:spPr/>
+        <p:txBody>
+          <a:bodyPr/>
+          <a:lstStyle/>
+          <a:p>
+            <a:pPr marL="0" indent="0">
+              <a:buNone/>
+            </a:pPr>
+            <a:r>
+              <a:rPr lang="en-US" dirty="0"/>
+              <a:t>Should be able to print similar letters to three people of your choice</a:t>
+            </a:r>
+          </a:p>
+          <a:p>
+            <a:pPr marL="0" indent="0">
+              <a:buNone/>
+            </a:pPr>
+            <a:r>
+              <a:rPr lang="en-US" dirty="0"/>
+              <a:t>Each letter should have one paragraph in common with each other letter</a:t>
+            </a:r>
+          </a:p>
+          <a:p>
+            <a:pPr marL="0" indent="0">
+              <a:buNone/>
+            </a:pPr>
+            <a:r>
+              <a:rPr lang="en-US" dirty="0"/>
+              <a:t>Your main program should only have three method calls</a:t>
+            </a:r>
+          </a:p>
+          <a:p>
+            <a:endParaRPr lang="en-US" dirty="0"/>
+          </a:p>
+          <a:p>
+            <a:pPr marL="0" indent="0">
+              <a:buNone/>
+            </a:pPr>
+            <a:r>
+              <a:rPr lang="en-US" dirty="0"/>
+              <a:t>TIPS: Try to isolate repeated tasks into methods. Include comments in with your code so others can easily understand what your code is supposed to do</a:t>
             </a:r>
           </a:p>
         </p:txBody>
@@ -17382,7 +17521,7 @@
     </p:spTree>
     <p:extLst>
       <p:ext uri="{BB962C8B-B14F-4D97-AF65-F5344CB8AC3E}">
-        <p14:creationId xmlns:p14="http://schemas.microsoft.com/office/powerpoint/2010/main" val="61598905"/>
+        <p14:creationId xmlns:p14="http://schemas.microsoft.com/office/powerpoint/2010/main" val="1954838073"/>
       </p:ext>
     </p:extLst>
   </p:cSld>
@@ -17421,34 +17560,48 @@
         </p:nvSpPr>
         <p:spPr/>
         <p:txBody>
+          <a:bodyPr>
+            <a:normAutofit fontScale="90000"/>
+          </a:bodyPr>
+          <a:lstStyle/>
+          <a:p>
+            <a:r>
+              <a:rPr lang="en-US" dirty="0"/>
+              <a:t>Programming Project 5: The House that Jack Built</a:t>
+            </a:r>
+          </a:p>
+        </p:txBody>
+      </p:sp>
+      <p:sp>
+        <p:nvSpPr>
+          <p:cNvPr id="3" name="Content Placeholder 2"/>
+          <p:cNvSpPr>
+            <a:spLocks noGrp="1"/>
+          </p:cNvSpPr>
+          <p:nvPr>
+            <p:ph idx="1"/>
+          </p:nvPr>
+        </p:nvSpPr>
+        <p:spPr/>
+        <p:txBody>
           <a:bodyPr/>
           <a:lstStyle/>
           <a:p>
-            <a:r>
-              <a:rPr lang="en-US" dirty="0"/>
-              <a:t>Homework</a:t>
-            </a:r>
-          </a:p>
-        </p:txBody>
-      </p:sp>
-      <p:sp>
-        <p:nvSpPr>
-          <p:cNvPr id="3" name="Content Placeholder 2"/>
-          <p:cNvSpPr>
-            <a:spLocks noGrp="1"/>
-          </p:cNvSpPr>
-          <p:nvPr>
-            <p:ph idx="1"/>
-          </p:nvPr>
-        </p:nvSpPr>
-        <p:spPr/>
-        <p:txBody>
-          <a:bodyPr/>
-          <a:lstStyle/>
-          <a:p>
-            <a:r>
-              <a:rPr lang="en-US" dirty="0"/>
-              <a:t>All students must turn in notes for each day of class (including days missed due to absence)</a:t>
+            <a:pPr marL="0" indent="0">
+              <a:buNone/>
+            </a:pPr>
+            <a:r>
+              <a:rPr lang="en-US" dirty="0"/>
+              <a:t>Write a program that produces as output the words of the song,   </a:t>
+            </a:r>
+          </a:p>
+          <a:p>
+            <a:pPr marL="0" indent="0">
+              <a:buNone/>
+            </a:pPr>
+            <a:r>
+              <a:rPr lang="en-US" dirty="0"/>
+              <a:t>“The House that Jack Built”</a:t>
             </a:r>
           </a:p>
           <a:p>
@@ -17457,29 +17610,21 @@
           <a:p>
             <a:r>
               <a:rPr lang="en-US" dirty="0"/>
-              <a:t>Notes must be fully completed, adding daily summaries if needed</a:t>
-            </a:r>
-          </a:p>
-          <a:p>
-            <a:endParaRPr lang="en-US" dirty="0"/>
-          </a:p>
-          <a:p>
-            <a:r>
-              <a:rPr lang="en-US" dirty="0"/>
-              <a:t>Students may use the book to supplement their notes </a:t>
-            </a:r>
-            <a:r>
-              <a:rPr lang="en-US"/>
-              <a:t>if needed</a:t>
-            </a:r>
-            <a:endParaRPr lang="en-US" dirty="0"/>
+              <a:t>Reference page 60 of your textbook for the full lyrics</a:t>
+            </a:r>
+          </a:p>
+          <a:p>
+            <a:r>
+              <a:rPr lang="en-US" dirty="0"/>
+              <a:t>Use methods for each verse and repeated text</a:t>
+            </a:r>
           </a:p>
         </p:txBody>
       </p:sp>
     </p:spTree>
     <p:extLst>
       <p:ext uri="{BB962C8B-B14F-4D97-AF65-F5344CB8AC3E}">
-        <p14:creationId xmlns:p14="http://schemas.microsoft.com/office/powerpoint/2010/main" val="3343804114"/>
+        <p14:creationId xmlns:p14="http://schemas.microsoft.com/office/powerpoint/2010/main" val="4241946082"/>
       </p:ext>
     </p:extLst>
   </p:cSld>
@@ -17516,36 +17661,21 @@
             <p:ph type="ctrTitle"/>
           </p:nvPr>
         </p:nvSpPr>
-        <p:spPr/>
-        <p:txBody>
-          <a:bodyPr/>
-          <a:lstStyle/>
-          <a:p>
-            <a:r>
-              <a:rPr lang="en-US" dirty="0"/>
-              <a:t>Finding and Fixing Errors</a:t>
-            </a:r>
-          </a:p>
-        </p:txBody>
-      </p:sp>
-      <p:sp>
-        <p:nvSpPr>
-          <p:cNvPr id="3" name="Subtitle 2"/>
-          <p:cNvSpPr>
-            <a:spLocks noGrp="1"/>
-          </p:cNvSpPr>
-          <p:nvPr>
-            <p:ph type="subTitle" idx="1"/>
-          </p:nvPr>
-        </p:nvSpPr>
-        <p:spPr/>
-        <p:txBody>
-          <a:bodyPr/>
-          <a:lstStyle/>
-          <a:p>
-            <a:r>
-              <a:rPr lang="en-US" dirty="0"/>
-              <a:t>[ 1.08 ] [ Today’s Date ] [ Instructor Name ]</a:t>
+        <p:spPr>
+          <a:xfrm>
+            <a:off x="1524000" y="1864488"/>
+            <a:ext cx="9144000" cy="2387600"/>
+          </a:xfrm>
+        </p:spPr>
+        <p:txBody>
+          <a:bodyPr>
+            <a:normAutofit/>
+          </a:bodyPr>
+          <a:lstStyle/>
+          <a:p>
+            <a:r>
+              <a:rPr lang="en-US" sz="4400" dirty="0"/>
+              <a:t>If you finish early, work on Programming Project 4</a:t>
             </a:r>
           </a:p>
         </p:txBody>
@@ -17553,7 +17683,7 @@
     </p:spTree>
     <p:extLst>
       <p:ext uri="{BB962C8B-B14F-4D97-AF65-F5344CB8AC3E}">
-        <p14:creationId xmlns:p14="http://schemas.microsoft.com/office/powerpoint/2010/main" val="3197655362"/>
+        <p14:creationId xmlns:p14="http://schemas.microsoft.com/office/powerpoint/2010/main" val="61598905"/>
       </p:ext>
     </p:extLst>
   </p:cSld>
@@ -17597,7 +17727,7 @@
           <a:p>
             <a:r>
               <a:rPr lang="en-US" dirty="0"/>
-              <a:t>Today’s plan:</a:t>
+              <a:t>Homework</a:t>
             </a:r>
           </a:p>
         </p:txBody>
@@ -17617,59 +17747,40 @@
           <a:bodyPr/>
           <a:lstStyle/>
           <a:p>
-            <a:pPr marL="0" indent="0">
-              <a:buNone/>
-            </a:pPr>
-            <a:r>
-              <a:rPr lang="en-US" dirty="0"/>
-              <a:t>Error check and resubmit all chapter 1 assignments</a:t>
+            <a:r>
+              <a:rPr lang="en-US" dirty="0"/>
+              <a:t>All students must turn in notes for each day of class (including days missed due to absence)</a:t>
             </a:r>
           </a:p>
           <a:p>
             <a:endParaRPr lang="en-US" dirty="0"/>
           </a:p>
           <a:p>
-            <a:pPr marL="0" indent="0">
-              <a:buNone/>
-            </a:pPr>
-            <a:r>
-              <a:rPr lang="en-US" dirty="0"/>
-              <a:t>Study for the test by:</a:t>
-            </a:r>
-          </a:p>
-          <a:p>
-            <a:pPr lvl="1"/>
-            <a:r>
-              <a:rPr lang="en-US" dirty="0"/>
-              <a:t>Reviewing all of the blue, self-check pages at the end of Chapter 1</a:t>
-            </a:r>
-          </a:p>
-          <a:p>
-            <a:pPr lvl="1"/>
-            <a:r>
-              <a:rPr lang="en-US" dirty="0"/>
-              <a:t>Re-reading sections as needed to complete the self-check problems</a:t>
-            </a:r>
-          </a:p>
-          <a:p>
-            <a:pPr lvl="1"/>
+            <a:r>
+              <a:rPr lang="en-US" dirty="0"/>
+              <a:t>Notes must be fully completed, adding daily summaries if needed</a:t>
+            </a:r>
+          </a:p>
+          <a:p>
             <a:endParaRPr lang="en-US" dirty="0"/>
           </a:p>
           <a:p>
-            <a:pPr marL="0" indent="0">
-              <a:buNone/>
-            </a:pPr>
-            <a:r>
-              <a:rPr lang="en-US" dirty="0"/>
-              <a:t>Submit 5 questions for review in class tomorrow</a:t>
-            </a:r>
+            <a:r>
+              <a:rPr lang="en-US" dirty="0"/>
+              <a:t>Students may use the book to supplement their notes </a:t>
+            </a:r>
+            <a:r>
+              <a:rPr lang="en-US"/>
+              <a:t>if needed</a:t>
+            </a:r>
+            <a:endParaRPr lang="en-US" dirty="0"/>
           </a:p>
         </p:txBody>
       </p:sp>
     </p:spTree>
     <p:extLst>
       <p:ext uri="{BB962C8B-B14F-4D97-AF65-F5344CB8AC3E}">
-        <p14:creationId xmlns:p14="http://schemas.microsoft.com/office/powerpoint/2010/main" val="4012499853"/>
+        <p14:creationId xmlns:p14="http://schemas.microsoft.com/office/powerpoint/2010/main" val="3343804114"/>
       </p:ext>
     </p:extLst>
   </p:cSld>
@@ -17703,7 +17814,7 @@
             <a:spLocks noGrp="1"/>
           </p:cNvSpPr>
           <p:nvPr>
-            <p:ph type="title"/>
+            <p:ph type="ctrTitle"/>
           </p:nvPr>
         </p:nvSpPr>
         <p:spPr/>
@@ -17713,19 +17824,19 @@
           <a:p>
             <a:r>
               <a:rPr lang="en-US" dirty="0"/>
-              <a:t>Homework Regrade/Resubmit</a:t>
-            </a:r>
-          </a:p>
-        </p:txBody>
-      </p:sp>
-      <p:sp>
-        <p:nvSpPr>
-          <p:cNvPr id="3" name="Content Placeholder 2"/>
-          <p:cNvSpPr>
-            <a:spLocks noGrp="1"/>
-          </p:cNvSpPr>
-          <p:nvPr>
-            <p:ph idx="1"/>
+              <a:t>Finding and Fixing Errors</a:t>
+            </a:r>
+          </a:p>
+        </p:txBody>
+      </p:sp>
+      <p:sp>
+        <p:nvSpPr>
+          <p:cNvPr id="3" name="Subtitle 2"/>
+          <p:cNvSpPr>
+            <a:spLocks noGrp="1"/>
+          </p:cNvSpPr>
+          <p:nvPr>
+            <p:ph type="subTitle" idx="1"/>
           </p:nvPr>
         </p:nvSpPr>
         <p:spPr/>
@@ -17733,24 +17844,9 @@
           <a:bodyPr/>
           <a:lstStyle/>
           <a:p>
-            <a:pPr marL="0" indent="0">
-              <a:buNone/>
-            </a:pPr>
-            <a:r>
-              <a:rPr lang="en-US" dirty="0"/>
-              <a:t>You all have the opportunity to get full credit  on your homework grades by correcting them now, in class</a:t>
-            </a:r>
-          </a:p>
-          <a:p>
-            <a:endParaRPr lang="en-US" dirty="0"/>
-          </a:p>
-          <a:p>
-            <a:pPr marL="0" indent="0">
-              <a:buNone/>
-            </a:pPr>
-            <a:r>
-              <a:rPr lang="en-US" dirty="0"/>
-              <a:t>Use your error checking algorithm, and if you need help just ask!</a:t>
+            <a:r>
+              <a:rPr lang="en-US" dirty="0"/>
+              <a:t>[ 1.08 ] [ Today’s Date ] [ Instructor Name ]</a:t>
             </a:r>
           </a:p>
         </p:txBody>
@@ -17758,7 +17854,7 @@
     </p:spTree>
     <p:extLst>
       <p:ext uri="{BB962C8B-B14F-4D97-AF65-F5344CB8AC3E}">
-        <p14:creationId xmlns:p14="http://schemas.microsoft.com/office/powerpoint/2010/main" val="1861775452"/>
+        <p14:creationId xmlns:p14="http://schemas.microsoft.com/office/powerpoint/2010/main" val="3197655362"/>
       </p:ext>
     </p:extLst>
   </p:cSld>
@@ -17802,7 +17898,7 @@
           <a:p>
             <a:r>
               <a:rPr lang="en-US" dirty="0"/>
-              <a:t>Caveat: Style</a:t>
+              <a:t>Today’s plan:</a:t>
             </a:r>
           </a:p>
         </p:txBody>
@@ -17827,25 +17923,46 @@
             </a:pPr>
             <a:r>
               <a:rPr lang="en-US" dirty="0"/>
-              <a:t>In order to get your full credit, you’ll need to restyle your code</a:t>
+              <a:t>Error check and resubmit all chapter 1 assignments</a:t>
             </a:r>
           </a:p>
           <a:p>
             <a:endParaRPr lang="en-US" dirty="0"/>
           </a:p>
           <a:p>
-            <a:r>
-              <a:rPr lang="en-US" dirty="0"/>
-              <a:t>In programming style is necessary</a:t>
-            </a:r>
-          </a:p>
-          <a:p>
+            <a:pPr marL="0" indent="0">
+              <a:buNone/>
+            </a:pPr>
+            <a:r>
+              <a:rPr lang="en-US" dirty="0"/>
+              <a:t>Study for the test by:</a:t>
+            </a:r>
+          </a:p>
+          <a:p>
+            <a:pPr lvl="1"/>
+            <a:r>
+              <a:rPr lang="en-US" dirty="0"/>
+              <a:t>Reviewing all of the blue, self-check pages at the end of Chapter 1</a:t>
+            </a:r>
+          </a:p>
+          <a:p>
+            <a:pPr lvl="1"/>
+            <a:r>
+              <a:rPr lang="en-US" dirty="0"/>
+              <a:t>Re-reading sections as needed to complete the self-check problems</a:t>
+            </a:r>
+          </a:p>
+          <a:p>
+            <a:pPr lvl="1"/>
             <a:endParaRPr lang="en-US" dirty="0"/>
           </a:p>
           <a:p>
-            <a:r>
-              <a:rPr lang="en-US" dirty="0"/>
-              <a:t>We’ll touch on a few major style guidelines</a:t>
+            <a:pPr marL="0" indent="0">
+              <a:buNone/>
+            </a:pPr>
+            <a:r>
+              <a:rPr lang="en-US" dirty="0"/>
+              <a:t>Submit 5 questions for review in class tomorrow</a:t>
             </a:r>
           </a:p>
         </p:txBody>
@@ -17853,7 +17970,7 @@
     </p:spTree>
     <p:extLst>
       <p:ext uri="{BB962C8B-B14F-4D97-AF65-F5344CB8AC3E}">
-        <p14:creationId xmlns:p14="http://schemas.microsoft.com/office/powerpoint/2010/main" val="3413153245"/>
+        <p14:creationId xmlns:p14="http://schemas.microsoft.com/office/powerpoint/2010/main" val="4012499853"/>
       </p:ext>
     </p:extLst>
   </p:cSld>
@@ -18016,7 +18133,7 @@
           <a:p>
             <a:r>
               <a:rPr lang="en-US" dirty="0"/>
-              <a:t>Style:</a:t>
+              <a:t>Homework Regrade/Resubmit</a:t>
             </a:r>
           </a:p>
         </p:txBody>
@@ -18041,40 +18158,11 @@
             </a:pPr>
             <a:r>
               <a:rPr lang="en-US" dirty="0"/>
-              <a:t>Class Names</a:t>
-            </a:r>
-            <a:endParaRPr lang="en-US" dirty="0">
-              <a:latin typeface="Courier New" panose="02070309020205020404" pitchFamily="49" charset="0"/>
-              <a:cs typeface="Courier New" panose="02070309020205020404" pitchFamily="49" charset="0"/>
-            </a:endParaRPr>
-          </a:p>
-          <a:p>
-            <a:pPr lvl="1"/>
-            <a:r>
-              <a:rPr lang="en-US" dirty="0" err="1">
-                <a:latin typeface="Courier New" panose="02070309020205020404" pitchFamily="49" charset="0"/>
-                <a:cs typeface="Courier New" panose="02070309020205020404" pitchFamily="49" charset="0"/>
-              </a:rPr>
-              <a:t>MyProgram</a:t>
-            </a:r>
-            <a:r>
-              <a:rPr lang="en-US" dirty="0">
-                <a:latin typeface="Courier New" panose="02070309020205020404" pitchFamily="49" charset="0"/>
-                <a:cs typeface="Courier New" panose="02070309020205020404" pitchFamily="49" charset="0"/>
-              </a:rPr>
-              <a:t>, </a:t>
-            </a:r>
-            <a:r>
-              <a:rPr lang="en-US" dirty="0" err="1">
-                <a:latin typeface="Courier New" panose="02070309020205020404" pitchFamily="49" charset="0"/>
-                <a:cs typeface="Courier New" panose="02070309020205020404" pitchFamily="49" charset="0"/>
-              </a:rPr>
-              <a:t>CritterMain</a:t>
-            </a:r>
-            <a:endParaRPr lang="en-US" dirty="0">
-              <a:latin typeface="Courier New" panose="02070309020205020404" pitchFamily="49" charset="0"/>
-              <a:cs typeface="Courier New" panose="02070309020205020404" pitchFamily="49" charset="0"/>
-            </a:endParaRPr>
+              <a:t>You all have the opportunity to get full credit  on your homework grades by correcting them now, in class</a:t>
+            </a:r>
+          </a:p>
+          <a:p>
+            <a:endParaRPr lang="en-US" dirty="0"/>
           </a:p>
           <a:p>
             <a:pPr marL="0" indent="0">
@@ -18082,97 +18170,7 @@
             </a:pPr>
             <a:r>
               <a:rPr lang="en-US" dirty="0"/>
-              <a:t>Method/Variable Names</a:t>
-            </a:r>
-            <a:endParaRPr lang="en-US" dirty="0">
-              <a:latin typeface="Courier New" panose="02070309020205020404" pitchFamily="49" charset="0"/>
-              <a:cs typeface="Courier New" panose="02070309020205020404" pitchFamily="49" charset="0"/>
-            </a:endParaRPr>
-          </a:p>
-          <a:p>
-            <a:pPr lvl="1"/>
-            <a:r>
-              <a:rPr lang="en-US" dirty="0">
-                <a:latin typeface="Courier New" panose="02070309020205020404" pitchFamily="49" charset="0"/>
-                <a:cs typeface="Courier New" panose="02070309020205020404" pitchFamily="49" charset="0"/>
-              </a:rPr>
-              <a:t>greatMethod1(), String </a:t>
-            </a:r>
-            <a:r>
-              <a:rPr lang="en-US" dirty="0" err="1">
-                <a:latin typeface="Courier New" panose="02070309020205020404" pitchFamily="49" charset="0"/>
-                <a:cs typeface="Courier New" panose="02070309020205020404" pitchFamily="49" charset="0"/>
-              </a:rPr>
-              <a:t>firstName</a:t>
-            </a:r>
-            <a:r>
-              <a:rPr lang="en-US" dirty="0">
-                <a:latin typeface="Courier New" panose="02070309020205020404" pitchFamily="49" charset="0"/>
-                <a:cs typeface="Courier New" panose="02070309020205020404" pitchFamily="49" charset="0"/>
-              </a:rPr>
-              <a:t>, </a:t>
-            </a:r>
-            <a:r>
-              <a:rPr lang="en-US" dirty="0" err="1">
-                <a:latin typeface="Courier New" panose="02070309020205020404" pitchFamily="49" charset="0"/>
-                <a:cs typeface="Courier New" panose="02070309020205020404" pitchFamily="49" charset="0"/>
-              </a:rPr>
-              <a:t>int</a:t>
-            </a:r>
-            <a:r>
-              <a:rPr lang="en-US" dirty="0">
-                <a:latin typeface="Courier New" panose="02070309020205020404" pitchFamily="49" charset="0"/>
-                <a:cs typeface="Courier New" panose="02070309020205020404" pitchFamily="49" charset="0"/>
-              </a:rPr>
-              <a:t> </a:t>
-            </a:r>
-            <a:r>
-              <a:rPr lang="en-US" dirty="0" err="1">
-                <a:latin typeface="Courier New" panose="02070309020205020404" pitchFamily="49" charset="0"/>
-                <a:cs typeface="Courier New" panose="02070309020205020404" pitchFamily="49" charset="0"/>
-              </a:rPr>
-              <a:t>countOfX</a:t>
-            </a:r>
-            <a:endParaRPr lang="en-US" dirty="0">
-              <a:latin typeface="Courier New" panose="02070309020205020404" pitchFamily="49" charset="0"/>
-              <a:cs typeface="Courier New" panose="02070309020205020404" pitchFamily="49" charset="0"/>
-            </a:endParaRPr>
-          </a:p>
-          <a:p>
-            <a:pPr lvl="1"/>
-            <a:endParaRPr lang="en-US" dirty="0">
-              <a:latin typeface="Courier New" panose="02070309020205020404" pitchFamily="49" charset="0"/>
-              <a:cs typeface="Courier New" panose="02070309020205020404" pitchFamily="49" charset="0"/>
-            </a:endParaRPr>
-          </a:p>
-          <a:p>
-            <a:pPr marL="0" indent="0">
-              <a:buNone/>
-            </a:pPr>
-            <a:r>
-              <a:rPr lang="en-US" dirty="0"/>
-              <a:t>Use header, method, field, and inside-method commenting</a:t>
-            </a:r>
-          </a:p>
-          <a:p>
-            <a:pPr lvl="1"/>
-            <a:r>
-              <a:rPr lang="en-US" dirty="0"/>
-              <a:t>Method commenting: //Prints an introduction to programming style</a:t>
-            </a:r>
-          </a:p>
-          <a:p>
-            <a:pPr lvl="1"/>
-            <a:r>
-              <a:rPr lang="en-US" dirty="0"/>
-              <a:t>Inside-method commenting: //This variable is used to count your steps</a:t>
-            </a:r>
-          </a:p>
-          <a:p>
-            <a:pPr lvl="1"/>
-            <a:r>
-              <a:rPr lang="en-US" dirty="0"/>
-              <a:t>We’ll introduce more commenting and style as we move along!</a:t>
+              <a:t>Use your error checking algorithm, and if you need help just ask!</a:t>
             </a:r>
           </a:p>
         </p:txBody>
@@ -18180,7 +18178,7 @@
     </p:spTree>
     <p:extLst>
       <p:ext uri="{BB962C8B-B14F-4D97-AF65-F5344CB8AC3E}">
-        <p14:creationId xmlns:p14="http://schemas.microsoft.com/office/powerpoint/2010/main" val="1322998958"/>
+        <p14:creationId xmlns:p14="http://schemas.microsoft.com/office/powerpoint/2010/main" val="1861775452"/>
       </p:ext>
     </p:extLst>
   </p:cSld>
@@ -18224,7 +18222,7 @@
           <a:p>
             <a:r>
               <a:rPr lang="en-US" dirty="0"/>
-              <a:t>Style:</a:t>
+              <a:t>Caveat: Style</a:t>
             </a:r>
           </a:p>
         </p:txBody>
@@ -18241,9 +18239,7 @@
         </p:nvSpPr>
         <p:spPr/>
         <p:txBody>
-          <a:bodyPr>
-            <a:normAutofit/>
-          </a:bodyPr>
+          <a:bodyPr/>
           <a:lstStyle/>
           <a:p>
             <a:pPr marL="0" indent="0">
@@ -18251,45 +18247,25 @@
             </a:pPr>
             <a:r>
               <a:rPr lang="en-US" dirty="0"/>
-              <a:t>Formatting:</a:t>
-            </a:r>
-          </a:p>
-          <a:p>
-            <a:pPr lvl="1"/>
-            <a:r>
-              <a:rPr lang="en-US" dirty="0"/>
-              <a:t>Keep your lines under 100 characters of length, preferably 80 characters</a:t>
-            </a:r>
-          </a:p>
-          <a:p>
-            <a:pPr marL="0" indent="0">
-              <a:buNone/>
-            </a:pPr>
-            <a:r>
-              <a:rPr lang="en-US" dirty="0"/>
-              <a:t>Redundancy:</a:t>
-            </a:r>
-          </a:p>
-          <a:p>
-            <a:pPr lvl="1"/>
-            <a:r>
-              <a:rPr lang="en-US" dirty="0"/>
-              <a:t>We touched on this previously, but redundant code is bad style</a:t>
-            </a:r>
-          </a:p>
-          <a:p>
-            <a:pPr marL="457200" lvl="1" indent="0">
-              <a:buNone/>
-            </a:pPr>
+              <a:t>In order to get your full credit, you’ll need to restyle your code</a:t>
+            </a:r>
+          </a:p>
+          <a:p>
             <a:endParaRPr lang="en-US" dirty="0"/>
           </a:p>
           <a:p>
-            <a:pPr marL="0" indent="0">
-              <a:buNone/>
-            </a:pPr>
-            <a:r>
-              <a:rPr lang="en-US" dirty="0"/>
-              <a:t>*For advanced coders: Do not use break, break-like, or continue statements in your code! Also no empty return statements!</a:t>
+            <a:r>
+              <a:rPr lang="en-US" dirty="0"/>
+              <a:t>In programming style is necessary</a:t>
+            </a:r>
+          </a:p>
+          <a:p>
+            <a:endParaRPr lang="en-US" dirty="0"/>
+          </a:p>
+          <a:p>
+            <a:r>
+              <a:rPr lang="en-US" dirty="0"/>
+              <a:t>We’ll touch on a few major style guidelines</a:t>
             </a:r>
           </a:p>
         </p:txBody>
@@ -18297,7 +18273,7 @@
     </p:spTree>
     <p:extLst>
       <p:ext uri="{BB962C8B-B14F-4D97-AF65-F5344CB8AC3E}">
-        <p14:creationId xmlns:p14="http://schemas.microsoft.com/office/powerpoint/2010/main" val="3737129682"/>
+        <p14:creationId xmlns:p14="http://schemas.microsoft.com/office/powerpoint/2010/main" val="3413153245"/>
       </p:ext>
     </p:extLst>
   </p:cSld>
@@ -18366,22 +18342,109 @@
             </a:pPr>
             <a:r>
               <a:rPr lang="en-US" dirty="0"/>
-              <a:t>UW Commenting Guide:</a:t>
-            </a:r>
+              <a:t>Class Names</a:t>
+            </a:r>
+            <a:endParaRPr lang="en-US" dirty="0">
+              <a:latin typeface="Courier New" panose="02070309020205020404" pitchFamily="49" charset="0"/>
+              <a:cs typeface="Courier New" panose="02070309020205020404" pitchFamily="49" charset="0"/>
+            </a:endParaRPr>
           </a:p>
           <a:p>
             <a:pPr lvl="1"/>
             <a:r>
+              <a:rPr lang="en-US" dirty="0" err="1">
+                <a:latin typeface="Courier New" panose="02070309020205020404" pitchFamily="49" charset="0"/>
+                <a:cs typeface="Courier New" panose="02070309020205020404" pitchFamily="49" charset="0"/>
+              </a:rPr>
+              <a:t>MyProgram</a:t>
+            </a:r>
+            <a:r>
               <a:rPr lang="en-US" dirty="0">
-                <a:hlinkClick r:id="rId2"/>
-              </a:rPr>
-              <a:t>http://courses.cs.washington.edu/courses/cse142/11au/handouts/comment-guide-eric-arendt.pdf</a:t>
-            </a:r>
-            <a:endParaRPr lang="en-US" dirty="0"/>
+                <a:latin typeface="Courier New" panose="02070309020205020404" pitchFamily="49" charset="0"/>
+                <a:cs typeface="Courier New" panose="02070309020205020404" pitchFamily="49" charset="0"/>
+              </a:rPr>
+              <a:t>, </a:t>
+            </a:r>
+            <a:r>
+              <a:rPr lang="en-US" dirty="0" err="1">
+                <a:latin typeface="Courier New" panose="02070309020205020404" pitchFamily="49" charset="0"/>
+                <a:cs typeface="Courier New" panose="02070309020205020404" pitchFamily="49" charset="0"/>
+              </a:rPr>
+              <a:t>CritterMain</a:t>
+            </a:r>
+            <a:endParaRPr lang="en-US" dirty="0">
+              <a:latin typeface="Courier New" panose="02070309020205020404" pitchFamily="49" charset="0"/>
+              <a:cs typeface="Courier New" panose="02070309020205020404" pitchFamily="49" charset="0"/>
+            </a:endParaRPr>
+          </a:p>
+          <a:p>
+            <a:pPr marL="0" indent="0">
+              <a:buNone/>
+            </a:pPr>
+            <a:r>
+              <a:rPr lang="en-US" dirty="0"/>
+              <a:t>Method/Variable Names</a:t>
+            </a:r>
+            <a:endParaRPr lang="en-US" dirty="0">
+              <a:latin typeface="Courier New" panose="02070309020205020404" pitchFamily="49" charset="0"/>
+              <a:cs typeface="Courier New" panose="02070309020205020404" pitchFamily="49" charset="0"/>
+            </a:endParaRPr>
           </a:p>
           <a:p>
             <a:pPr lvl="1"/>
-            <a:endParaRPr lang="en-US" dirty="0"/>
+            <a:r>
+              <a:rPr lang="en-US" dirty="0">
+                <a:latin typeface="Courier New" panose="02070309020205020404" pitchFamily="49" charset="0"/>
+                <a:cs typeface="Courier New" panose="02070309020205020404" pitchFamily="49" charset="0"/>
+              </a:rPr>
+              <a:t>greatMethod1(), String </a:t>
+            </a:r>
+            <a:r>
+              <a:rPr lang="en-US" dirty="0" err="1">
+                <a:latin typeface="Courier New" panose="02070309020205020404" pitchFamily="49" charset="0"/>
+                <a:cs typeface="Courier New" panose="02070309020205020404" pitchFamily="49" charset="0"/>
+              </a:rPr>
+              <a:t>firstName</a:t>
+            </a:r>
+            <a:r>
+              <a:rPr lang="en-US" dirty="0">
+                <a:latin typeface="Courier New" panose="02070309020205020404" pitchFamily="49" charset="0"/>
+                <a:cs typeface="Courier New" panose="02070309020205020404" pitchFamily="49" charset="0"/>
+              </a:rPr>
+              <a:t>, </a:t>
+            </a:r>
+            <a:r>
+              <a:rPr lang="en-US" dirty="0" err="1">
+                <a:latin typeface="Courier New" panose="02070309020205020404" pitchFamily="49" charset="0"/>
+                <a:cs typeface="Courier New" panose="02070309020205020404" pitchFamily="49" charset="0"/>
+              </a:rPr>
+              <a:t>int</a:t>
+            </a:r>
+            <a:r>
+              <a:rPr lang="en-US" dirty="0">
+                <a:latin typeface="Courier New" panose="02070309020205020404" pitchFamily="49" charset="0"/>
+                <a:cs typeface="Courier New" panose="02070309020205020404" pitchFamily="49" charset="0"/>
+              </a:rPr>
+              <a:t> </a:t>
+            </a:r>
+            <a:r>
+              <a:rPr lang="en-US" dirty="0" err="1">
+                <a:latin typeface="Courier New" panose="02070309020205020404" pitchFamily="49" charset="0"/>
+                <a:cs typeface="Courier New" panose="02070309020205020404" pitchFamily="49" charset="0"/>
+              </a:rPr>
+              <a:t>countOfX</a:t>
+            </a:r>
+            <a:endParaRPr lang="en-US" dirty="0">
+              <a:latin typeface="Courier New" panose="02070309020205020404" pitchFamily="49" charset="0"/>
+              <a:cs typeface="Courier New" panose="02070309020205020404" pitchFamily="49" charset="0"/>
+            </a:endParaRPr>
+          </a:p>
+          <a:p>
+            <a:pPr lvl="1"/>
+            <a:endParaRPr lang="en-US" dirty="0">
+              <a:latin typeface="Courier New" panose="02070309020205020404" pitchFamily="49" charset="0"/>
+              <a:cs typeface="Courier New" panose="02070309020205020404" pitchFamily="49" charset="0"/>
+            </a:endParaRPr>
           </a:p>
           <a:p>
             <a:pPr marL="0" indent="0">
@@ -18389,29 +18452,36 @@
             </a:pPr>
             <a:r>
               <a:rPr lang="en-US" dirty="0"/>
-              <a:t>UW Style Guide:</a:t>
+              <a:t>Use header, method, field, and inside-method commenting</a:t>
             </a:r>
           </a:p>
           <a:p>
             <a:pPr lvl="1"/>
             <a:r>
-              <a:rPr lang="en-US" dirty="0">
-                <a:hlinkClick r:id="rId3"/>
-              </a:rPr>
-              <a:t>http://courses.cs.washington.edu/courses/cse143/13sp/handouts/style-guide.pdf</a:t>
-            </a:r>
-            <a:endParaRPr lang="en-US" dirty="0"/>
+              <a:rPr lang="en-US" dirty="0"/>
+              <a:t>Method commenting: //Prints an introduction to programming style</a:t>
+            </a:r>
           </a:p>
           <a:p>
             <a:pPr lvl="1"/>
-            <a:endParaRPr lang="en-US" dirty="0"/>
+            <a:r>
+              <a:rPr lang="en-US" dirty="0"/>
+              <a:t>Inside-method commenting: //This variable is used to count your steps</a:t>
+            </a:r>
+          </a:p>
+          <a:p>
+            <a:pPr lvl="1"/>
+            <a:r>
+              <a:rPr lang="en-US" dirty="0"/>
+              <a:t>We’ll introduce more commenting and style as we move along!</a:t>
+            </a:r>
           </a:p>
         </p:txBody>
       </p:sp>
     </p:spTree>
     <p:extLst>
       <p:ext uri="{BB962C8B-B14F-4D97-AF65-F5344CB8AC3E}">
-        <p14:creationId xmlns:p14="http://schemas.microsoft.com/office/powerpoint/2010/main" val="3493863621"/>
+        <p14:creationId xmlns:p14="http://schemas.microsoft.com/office/powerpoint/2010/main" val="1322998958"/>
       </p:ext>
     </p:extLst>
   </p:cSld>
@@ -18454,73 +18524,73 @@
           <a:lstStyle/>
           <a:p>
             <a:r>
-              <a:rPr lang="en-US"/>
-              <a:t>Lab</a:t>
-            </a:r>
+              <a:rPr lang="en-US" dirty="0"/>
+              <a:t>Style:</a:t>
+            </a:r>
+          </a:p>
+        </p:txBody>
+      </p:sp>
+      <p:sp>
+        <p:nvSpPr>
+          <p:cNvPr id="3" name="Content Placeholder 2"/>
+          <p:cNvSpPr>
+            <a:spLocks noGrp="1"/>
+          </p:cNvSpPr>
+          <p:nvPr>
+            <p:ph idx="1"/>
+          </p:nvPr>
+        </p:nvSpPr>
+        <p:spPr/>
+        <p:txBody>
+          <a:bodyPr>
+            <a:normAutofit/>
+          </a:bodyPr>
+          <a:lstStyle/>
+          <a:p>
+            <a:pPr marL="0" indent="0">
+              <a:buNone/>
+            </a:pPr>
+            <a:r>
+              <a:rPr lang="en-US" dirty="0"/>
+              <a:t>Formatting:</a:t>
+            </a:r>
+          </a:p>
+          <a:p>
+            <a:pPr lvl="1"/>
+            <a:r>
+              <a:rPr lang="en-US" dirty="0"/>
+              <a:t>Keep your lines under 100 characters of length, preferably 80 characters</a:t>
+            </a:r>
+          </a:p>
+          <a:p>
+            <a:pPr marL="0" indent="0">
+              <a:buNone/>
+            </a:pPr>
+            <a:r>
+              <a:rPr lang="en-US" dirty="0"/>
+              <a:t>Redundancy:</a:t>
+            </a:r>
+          </a:p>
+          <a:p>
+            <a:pPr lvl="1"/>
+            <a:r>
+              <a:rPr lang="en-US" dirty="0"/>
+              <a:t>We touched on this previously, but redundant code is bad style</a:t>
+            </a:r>
+          </a:p>
+          <a:p>
+            <a:pPr marL="457200" lvl="1" indent="0">
+              <a:buNone/>
+            </a:pPr>
             <a:endParaRPr lang="en-US" dirty="0"/>
           </a:p>
-        </p:txBody>
-      </p:sp>
-      <p:sp>
-        <p:nvSpPr>
-          <p:cNvPr id="3" name="Content Placeholder 2"/>
-          <p:cNvSpPr>
-            <a:spLocks noGrp="1"/>
-          </p:cNvSpPr>
-          <p:nvPr>
-            <p:ph idx="1"/>
-          </p:nvPr>
-        </p:nvSpPr>
-        <p:spPr/>
-        <p:txBody>
-          <a:bodyPr/>
-          <a:lstStyle/>
           <a:p>
             <a:pPr marL="0" indent="0">
               <a:buNone/>
             </a:pPr>
             <a:r>
               <a:rPr lang="en-US" dirty="0"/>
-              <a:t>Error check and resubmit all chapter 1 assignments</a:t>
-            </a:r>
-          </a:p>
-          <a:p>
-            <a:endParaRPr lang="en-US" dirty="0"/>
-          </a:p>
-          <a:p>
-            <a:pPr marL="0" indent="0">
-              <a:buNone/>
-            </a:pPr>
-            <a:r>
-              <a:rPr lang="en-US" dirty="0"/>
-              <a:t>Study for the test by:</a:t>
-            </a:r>
-          </a:p>
-          <a:p>
-            <a:pPr lvl="1"/>
-            <a:r>
-              <a:rPr lang="en-US" dirty="0"/>
-              <a:t>Reviewing all of the blue, self-check pages at the end of Chapter 1</a:t>
-            </a:r>
-          </a:p>
-          <a:p>
-            <a:pPr lvl="1"/>
-            <a:r>
-              <a:rPr lang="en-US" dirty="0"/>
-              <a:t>Re-reading sections as needed to complete the self-check problems</a:t>
-            </a:r>
-          </a:p>
-          <a:p>
-            <a:pPr lvl="1"/>
-            <a:endParaRPr lang="en-US" dirty="0"/>
-          </a:p>
-          <a:p>
-            <a:pPr marL="0" indent="0">
-              <a:buNone/>
-            </a:pPr>
-            <a:r>
-              <a:rPr lang="en-US" dirty="0"/>
-              <a:t>Submit 5 questions for review in class tomorrow</a:t>
+              <a:t>*For advanced coders: Do not use break, break-like, or continue statements in your code! Also no empty return statements!</a:t>
             </a:r>
           </a:p>
         </p:txBody>
@@ -18528,7 +18598,7 @@
     </p:spTree>
     <p:extLst>
       <p:ext uri="{BB962C8B-B14F-4D97-AF65-F5344CB8AC3E}">
-        <p14:creationId xmlns:p14="http://schemas.microsoft.com/office/powerpoint/2010/main" val="1373780676"/>
+        <p14:creationId xmlns:p14="http://schemas.microsoft.com/office/powerpoint/2010/main" val="3737129682"/>
       </p:ext>
     </p:extLst>
   </p:cSld>
@@ -18572,7 +18642,7 @@
           <a:p>
             <a:r>
               <a:rPr lang="en-US" dirty="0"/>
-              <a:t>Homework</a:t>
+              <a:t>Style:</a:t>
             </a:r>
           </a:p>
         </p:txBody>
@@ -18592,26 +18662,57 @@
           <a:bodyPr/>
           <a:lstStyle/>
           <a:p>
-            <a:r>
-              <a:rPr lang="en-US" dirty="0"/>
-              <a:t>Begin reviewing chapter one for the Unit Test</a:t>
-            </a:r>
-          </a:p>
-          <a:p>
+            <a:pPr marL="0" indent="0">
+              <a:buNone/>
+            </a:pPr>
+            <a:r>
+              <a:rPr lang="en-US" dirty="0"/>
+              <a:t>UW Commenting Guide:</a:t>
+            </a:r>
+          </a:p>
+          <a:p>
+            <a:pPr lvl="1"/>
+            <a:r>
+              <a:rPr lang="en-US" dirty="0">
+                <a:hlinkClick r:id="rId2"/>
+              </a:rPr>
+              <a:t>http://courses.cs.washington.edu/courses/cse142/11au/handouts/comment-guide-eric-arendt.pdf</a:t>
+            </a:r>
             <a:endParaRPr lang="en-US" dirty="0"/>
           </a:p>
           <a:p>
-            <a:r>
-              <a:rPr lang="en-US" dirty="0"/>
-              <a:t>Submit any questions you have for review</a:t>
-            </a:r>
+            <a:pPr lvl="1"/>
+            <a:endParaRPr lang="en-US" dirty="0"/>
+          </a:p>
+          <a:p>
+            <a:pPr marL="0" indent="0">
+              <a:buNone/>
+            </a:pPr>
+            <a:r>
+              <a:rPr lang="en-US" dirty="0"/>
+              <a:t>UW Style Guide:</a:t>
+            </a:r>
+          </a:p>
+          <a:p>
+            <a:pPr lvl="1"/>
+            <a:r>
+              <a:rPr lang="en-US" dirty="0">
+                <a:hlinkClick r:id="rId3"/>
+              </a:rPr>
+              <a:t>http://courses.cs.washington.edu/courses/cse143/13sp/handouts/style-guide.pdf</a:t>
+            </a:r>
+            <a:endParaRPr lang="en-US" dirty="0"/>
+          </a:p>
+          <a:p>
+            <a:pPr lvl="1"/>
+            <a:endParaRPr lang="en-US" dirty="0"/>
           </a:p>
         </p:txBody>
       </p:sp>
     </p:spTree>
     <p:extLst>
       <p:ext uri="{BB962C8B-B14F-4D97-AF65-F5344CB8AC3E}">
-        <p14:creationId xmlns:p14="http://schemas.microsoft.com/office/powerpoint/2010/main" val="3880164739"/>
+        <p14:creationId xmlns:p14="http://schemas.microsoft.com/office/powerpoint/2010/main" val="3493863621"/>
       </p:ext>
     </p:extLst>
   </p:cSld>
@@ -18645,6 +18746,206 @@
             <a:spLocks noGrp="1"/>
           </p:cNvSpPr>
           <p:nvPr>
+            <p:ph type="title"/>
+          </p:nvPr>
+        </p:nvSpPr>
+        <p:spPr/>
+        <p:txBody>
+          <a:bodyPr/>
+          <a:lstStyle/>
+          <a:p>
+            <a:r>
+              <a:rPr lang="en-US"/>
+              <a:t>Lab</a:t>
+            </a:r>
+            <a:endParaRPr lang="en-US" dirty="0"/>
+          </a:p>
+        </p:txBody>
+      </p:sp>
+      <p:sp>
+        <p:nvSpPr>
+          <p:cNvPr id="3" name="Content Placeholder 2"/>
+          <p:cNvSpPr>
+            <a:spLocks noGrp="1"/>
+          </p:cNvSpPr>
+          <p:nvPr>
+            <p:ph idx="1"/>
+          </p:nvPr>
+        </p:nvSpPr>
+        <p:spPr/>
+        <p:txBody>
+          <a:bodyPr/>
+          <a:lstStyle/>
+          <a:p>
+            <a:pPr marL="0" indent="0">
+              <a:buNone/>
+            </a:pPr>
+            <a:r>
+              <a:rPr lang="en-US" dirty="0"/>
+              <a:t>Error check and resubmit all chapter 1 assignments</a:t>
+            </a:r>
+          </a:p>
+          <a:p>
+            <a:endParaRPr lang="en-US" dirty="0"/>
+          </a:p>
+          <a:p>
+            <a:pPr marL="0" indent="0">
+              <a:buNone/>
+            </a:pPr>
+            <a:r>
+              <a:rPr lang="en-US" dirty="0"/>
+              <a:t>Study for the test by:</a:t>
+            </a:r>
+          </a:p>
+          <a:p>
+            <a:pPr lvl="1"/>
+            <a:r>
+              <a:rPr lang="en-US" dirty="0"/>
+              <a:t>Reviewing all of the blue, self-check pages at the end of Chapter 1</a:t>
+            </a:r>
+          </a:p>
+          <a:p>
+            <a:pPr lvl="1"/>
+            <a:r>
+              <a:rPr lang="en-US" dirty="0"/>
+              <a:t>Re-reading sections as needed to complete the self-check problems</a:t>
+            </a:r>
+          </a:p>
+          <a:p>
+            <a:pPr lvl="1"/>
+            <a:endParaRPr lang="en-US" dirty="0"/>
+          </a:p>
+          <a:p>
+            <a:pPr marL="0" indent="0">
+              <a:buNone/>
+            </a:pPr>
+            <a:r>
+              <a:rPr lang="en-US" dirty="0"/>
+              <a:t>Submit 5 questions for review in class tomorrow</a:t>
+            </a:r>
+          </a:p>
+        </p:txBody>
+      </p:sp>
+    </p:spTree>
+    <p:extLst>
+      <p:ext uri="{BB962C8B-B14F-4D97-AF65-F5344CB8AC3E}">
+        <p14:creationId xmlns:p14="http://schemas.microsoft.com/office/powerpoint/2010/main" val="1373780676"/>
+      </p:ext>
+    </p:extLst>
+  </p:cSld>
+  <p:clrMapOvr>
+    <a:masterClrMapping/>
+  </p:clrMapOvr>
+</p:sld>
+</file>
+
+<file path=ppt/slides/slide76.xml><?xml version="1.0" encoding="utf-8"?>
+<p:sld xmlns:a="http://schemas.openxmlformats.org/drawingml/2006/main" xmlns:r="http://schemas.openxmlformats.org/officeDocument/2006/relationships" xmlns:p="http://schemas.openxmlformats.org/presentationml/2006/main">
+  <p:cSld>
+    <p:spTree>
+      <p:nvGrpSpPr>
+        <p:cNvPr id="1" name=""/>
+        <p:cNvGrpSpPr/>
+        <p:nvPr/>
+      </p:nvGrpSpPr>
+      <p:grpSpPr>
+        <a:xfrm>
+          <a:off x="0" y="0"/>
+          <a:ext cx="0" cy="0"/>
+          <a:chOff x="0" y="0"/>
+          <a:chExt cx="0" cy="0"/>
+        </a:xfrm>
+      </p:grpSpPr>
+      <p:sp>
+        <p:nvSpPr>
+          <p:cNvPr id="2" name="Title 1"/>
+          <p:cNvSpPr>
+            <a:spLocks noGrp="1"/>
+          </p:cNvSpPr>
+          <p:nvPr>
+            <p:ph type="title"/>
+          </p:nvPr>
+        </p:nvSpPr>
+        <p:spPr/>
+        <p:txBody>
+          <a:bodyPr/>
+          <a:lstStyle/>
+          <a:p>
+            <a:r>
+              <a:rPr lang="en-US" dirty="0"/>
+              <a:t>Homework</a:t>
+            </a:r>
+          </a:p>
+        </p:txBody>
+      </p:sp>
+      <p:sp>
+        <p:nvSpPr>
+          <p:cNvPr id="3" name="Content Placeholder 2"/>
+          <p:cNvSpPr>
+            <a:spLocks noGrp="1"/>
+          </p:cNvSpPr>
+          <p:nvPr>
+            <p:ph idx="1"/>
+          </p:nvPr>
+        </p:nvSpPr>
+        <p:spPr/>
+        <p:txBody>
+          <a:bodyPr/>
+          <a:lstStyle/>
+          <a:p>
+            <a:r>
+              <a:rPr lang="en-US" dirty="0"/>
+              <a:t>Begin reviewing chapter one for the Unit Test</a:t>
+            </a:r>
+          </a:p>
+          <a:p>
+            <a:endParaRPr lang="en-US" dirty="0"/>
+          </a:p>
+          <a:p>
+            <a:r>
+              <a:rPr lang="en-US" dirty="0"/>
+              <a:t>Submit any questions you have for review</a:t>
+            </a:r>
+          </a:p>
+        </p:txBody>
+      </p:sp>
+    </p:spTree>
+    <p:extLst>
+      <p:ext uri="{BB962C8B-B14F-4D97-AF65-F5344CB8AC3E}">
+        <p14:creationId xmlns:p14="http://schemas.microsoft.com/office/powerpoint/2010/main" val="3880164739"/>
+      </p:ext>
+    </p:extLst>
+  </p:cSld>
+  <p:clrMapOvr>
+    <a:masterClrMapping/>
+  </p:clrMapOvr>
+</p:sld>
+</file>
+
+<file path=ppt/slides/slide77.xml><?xml version="1.0" encoding="utf-8"?>
+<p:sld xmlns:a="http://schemas.openxmlformats.org/drawingml/2006/main" xmlns:r="http://schemas.openxmlformats.org/officeDocument/2006/relationships" xmlns:p="http://schemas.openxmlformats.org/presentationml/2006/main">
+  <p:cSld>
+    <p:spTree>
+      <p:nvGrpSpPr>
+        <p:cNvPr id="1" name=""/>
+        <p:cNvGrpSpPr/>
+        <p:nvPr/>
+      </p:nvGrpSpPr>
+      <p:grpSpPr>
+        <a:xfrm>
+          <a:off x="0" y="0"/>
+          <a:ext cx="0" cy="0"/>
+          <a:chOff x="0" y="0"/>
+          <a:chExt cx="0" cy="0"/>
+        </a:xfrm>
+      </p:grpSpPr>
+      <p:sp>
+        <p:nvSpPr>
+          <p:cNvPr id="2" name="Title 1"/>
+          <p:cNvSpPr>
+            <a:spLocks noGrp="1"/>
+          </p:cNvSpPr>
+          <p:nvPr>
             <p:ph type="ctrTitle"/>
           </p:nvPr>
         </p:nvSpPr>
@@ -18695,7 +18996,7 @@
 </p:sld>
 </file>
 
-<file path=ppt/slides/slide76.xml><?xml version="1.0" encoding="utf-8"?>
+<file path=ppt/slides/slide78.xml><?xml version="1.0" encoding="utf-8"?>
 <p:sld xmlns:a="http://schemas.openxmlformats.org/drawingml/2006/main" xmlns:r="http://schemas.openxmlformats.org/officeDocument/2006/relationships" xmlns:p="http://schemas.openxmlformats.org/presentationml/2006/main">
   <p:cSld>
     <p:spTree>
@@ -18972,6 +19273,12 @@
             <a:r>
               <a:rPr lang="en-US" dirty="0"/>
               <a:t>Get set up on eclipse</a:t>
+            </a:r>
+          </a:p>
+          <a:p>
+            <a:r>
+              <a:rPr lang="en-US" dirty="0"/>
+              <a:t>Create practice-it accounts</a:t>
             </a:r>
           </a:p>
           <a:p>
@@ -19570,12 +19877,6 @@
 </file>
 
 <file path=customXml/item1.xml><?xml version="1.0" encoding="utf-8"?>
-<p:properties xmlns:p="http://schemas.microsoft.com/office/2006/metadata/properties" xmlns:xsi="http://www.w3.org/2001/XMLSchema-instance" xmlns:pc="http://schemas.microsoft.com/office/infopath/2007/PartnerControls">
-  <documentManagement/>
-</p:properties>
-</file>
-
-<file path=customXml/item2.xml><?xml version="1.0" encoding="utf-8"?>
 <?mso-contentType ?>
 <FormTemplates xmlns="http://schemas.microsoft.com/sharepoint/v3/contenttype/forms">
   <Display>DocumentLibraryForm</Display>
@@ -19584,19 +19885,29 @@
 </FormTemplates>
 </file>
 
-<file path=customXml/item3.xml><?xml version="1.0" encoding="utf-8"?>
-<ct:contentTypeSchema xmlns:ct="http://schemas.microsoft.com/office/2006/metadata/contentType" xmlns:ma="http://schemas.microsoft.com/office/2006/metadata/properties/metaAttributes" ct:_="" ma:_="" ma:contentTypeName="Document" ma:contentTypeID="0x010100BABADD3A0624AA4E97287821B8F4D7D6" ma:contentTypeVersion="3" ma:contentTypeDescription="Create a new document." ma:contentTypeScope="" ma:versionID="99b3bd12f0c31c79743f497509f161f0">
-  <xsd:schema xmlns:xsd="http://www.w3.org/2001/XMLSchema" xmlns:xs="http://www.w3.org/2001/XMLSchema" xmlns:p="http://schemas.microsoft.com/office/2006/metadata/properties" xmlns:ns2="5edd459b-714d-42ed-b78f-512da7d1c14e" targetNamespace="http://schemas.microsoft.com/office/2006/metadata/properties" ma:root="true" ma:fieldsID="7af4ceb030ff328f9da757f10020d11c" ns2:_="">
-    <xsd:import namespace="5edd459b-714d-42ed-b78f-512da7d1c14e"/>
+<file path=customXml/item2.xml><?xml version="1.0" encoding="utf-8"?>
+<ct:contentTypeSchema xmlns:ct="http://schemas.microsoft.com/office/2006/metadata/contentType" xmlns:ma="http://schemas.microsoft.com/office/2006/metadata/properties/metaAttributes" ct:_="" ma:_="" ma:contentTypeName="Document" ma:contentTypeID="0x01010011E83E049C87AC4AB56F27089B4ACA55" ma:contentTypeVersion="12" ma:contentTypeDescription="Create a new document." ma:contentTypeScope="" ma:versionID="1178fe99ddca204d3fc8224f4ed0acf8">
+  <xsd:schema xmlns:xsd="http://www.w3.org/2001/XMLSchema" xmlns:xs="http://www.w3.org/2001/XMLSchema" xmlns:p="http://schemas.microsoft.com/office/2006/metadata/properties" xmlns:ns2="be898649-fe57-4b08-9fd4-31fc752880e3" xmlns:ns3="6f430b7c-f2e9-4385-9cb2-4dd06cc2317e" targetNamespace="http://schemas.microsoft.com/office/2006/metadata/properties" ma:root="true" ma:fieldsID="05a700af6660b82c6e85ae510b7169e9" ns2:_="" ns3:_="">
+    <xsd:import namespace="be898649-fe57-4b08-9fd4-31fc752880e3"/>
+    <xsd:import namespace="6f430b7c-f2e9-4385-9cb2-4dd06cc2317e"/>
     <xsd:element name="properties">
       <xsd:complexType>
         <xsd:sequence>
           <xsd:element name="documentManagement">
             <xsd:complexType>
               <xsd:all>
-                <xsd:element ref="ns2:SharedWithUsers" minOccurs="0"/>
-                <xsd:element ref="ns2:SharedWithDetails" minOccurs="0"/>
-                <xsd:element ref="ns2:SharingHintHash" minOccurs="0"/>
+                <xsd:element ref="ns2:MediaServiceMetadata" minOccurs="0"/>
+                <xsd:element ref="ns2:MediaServiceFastMetadata" minOccurs="0"/>
+                <xsd:element ref="ns2:MediaServiceAutoTags" minOccurs="0"/>
+                <xsd:element ref="ns2:MediaServiceDateTaken" minOccurs="0"/>
+                <xsd:element ref="ns3:SharedWithUsers" minOccurs="0"/>
+                <xsd:element ref="ns3:SharedWithDetails" minOccurs="0"/>
+                <xsd:element ref="ns2:MediaServiceLocation" minOccurs="0"/>
+                <xsd:element ref="ns2:MediaServiceOCR" minOccurs="0"/>
+                <xsd:element ref="ns2:MediaServiceEventHashCode" minOccurs="0"/>
+                <xsd:element ref="ns2:MediaServiceGenerationTime" minOccurs="0"/>
+                <xsd:element ref="ns2:MediaServiceAutoKeyPoints" minOccurs="0"/>
+                <xsd:element ref="ns2:MediaServiceKeyPoints" minOccurs="0"/>
               </xsd:all>
             </xsd:complexType>
           </xsd:element>
@@ -19604,10 +19915,68 @@
       </xsd:complexType>
     </xsd:element>
   </xsd:schema>
-  <xsd:schema xmlns:xsd="http://www.w3.org/2001/XMLSchema" xmlns:xs="http://www.w3.org/2001/XMLSchema" xmlns:dms="http://schemas.microsoft.com/office/2006/documentManagement/types" xmlns:pc="http://schemas.microsoft.com/office/infopath/2007/PartnerControls" targetNamespace="5edd459b-714d-42ed-b78f-512da7d1c14e" elementFormDefault="qualified">
+  <xsd:schema xmlns:xsd="http://www.w3.org/2001/XMLSchema" xmlns:xs="http://www.w3.org/2001/XMLSchema" xmlns:dms="http://schemas.microsoft.com/office/2006/documentManagement/types" xmlns:pc="http://schemas.microsoft.com/office/infopath/2007/PartnerControls" targetNamespace="be898649-fe57-4b08-9fd4-31fc752880e3" elementFormDefault="qualified">
     <xsd:import namespace="http://schemas.microsoft.com/office/2006/documentManagement/types"/>
     <xsd:import namespace="http://schemas.microsoft.com/office/infopath/2007/PartnerControls"/>
-    <xsd:element name="SharedWithUsers" ma:index="8" nillable="true" ma:displayName="Shared With" ma:internalName="SharedWithUsers" ma:readOnly="true">
+    <xsd:element name="MediaServiceMetadata" ma:index="8" nillable="true" ma:displayName="MediaServiceMetadata" ma:description="" ma:hidden="true" ma:internalName="MediaServiceMetadata" ma:readOnly="true">
+      <xsd:simpleType>
+        <xsd:restriction base="dms:Note"/>
+      </xsd:simpleType>
+    </xsd:element>
+    <xsd:element name="MediaServiceFastMetadata" ma:index="9" nillable="true" ma:displayName="MediaServiceFastMetadata" ma:description="" ma:hidden="true" ma:internalName="MediaServiceFastMetadata" ma:readOnly="true">
+      <xsd:simpleType>
+        <xsd:restriction base="dms:Note"/>
+      </xsd:simpleType>
+    </xsd:element>
+    <xsd:element name="MediaServiceAutoTags" ma:index="10" nillable="true" ma:displayName="MediaServiceAutoTags" ma:description="" ma:internalName="MediaServiceAutoTags" ma:readOnly="true">
+      <xsd:simpleType>
+        <xsd:restriction base="dms:Text"/>
+      </xsd:simpleType>
+    </xsd:element>
+    <xsd:element name="MediaServiceDateTaken" ma:index="11" nillable="true" ma:displayName="MediaServiceDateTaken" ma:description="" ma:hidden="true" ma:internalName="MediaServiceDateTaken" ma:readOnly="true">
+      <xsd:simpleType>
+        <xsd:restriction base="dms:Text"/>
+      </xsd:simpleType>
+    </xsd:element>
+    <xsd:element name="MediaServiceLocation" ma:index="14" nillable="true" ma:displayName="MediaServiceLocation" ma:internalName="MediaServiceLocation" ma:readOnly="true">
+      <xsd:simpleType>
+        <xsd:restriction base="dms:Text"/>
+      </xsd:simpleType>
+    </xsd:element>
+    <xsd:element name="MediaServiceOCR" ma:index="15" nillable="true" ma:displayName="MediaServiceOCR" ma:internalName="MediaServiceOCR" ma:readOnly="true">
+      <xsd:simpleType>
+        <xsd:restriction base="dms:Note">
+          <xsd:maxLength value="255"/>
+        </xsd:restriction>
+      </xsd:simpleType>
+    </xsd:element>
+    <xsd:element name="MediaServiceEventHashCode" ma:index="16" nillable="true" ma:displayName="MediaServiceEventHashCode" ma:hidden="true" ma:internalName="MediaServiceEventHashCode" ma:readOnly="true">
+      <xsd:simpleType>
+        <xsd:restriction base="dms:Text"/>
+      </xsd:simpleType>
+    </xsd:element>
+    <xsd:element name="MediaServiceGenerationTime" ma:index="17" nillable="true" ma:displayName="MediaServiceGenerationTime" ma:hidden="true" ma:internalName="MediaServiceGenerationTime" ma:readOnly="true">
+      <xsd:simpleType>
+        <xsd:restriction base="dms:Text"/>
+      </xsd:simpleType>
+    </xsd:element>
+    <xsd:element name="MediaServiceAutoKeyPoints" ma:index="18" nillable="true" ma:displayName="MediaServiceAutoKeyPoints" ma:hidden="true" ma:internalName="MediaServiceAutoKeyPoints" ma:readOnly="true">
+      <xsd:simpleType>
+        <xsd:restriction base="dms:Note"/>
+      </xsd:simpleType>
+    </xsd:element>
+    <xsd:element name="MediaServiceKeyPoints" ma:index="19" nillable="true" ma:displayName="KeyPoints" ma:internalName="MediaServiceKeyPoints" ma:readOnly="true">
+      <xsd:simpleType>
+        <xsd:restriction base="dms:Note">
+          <xsd:maxLength value="255"/>
+        </xsd:restriction>
+      </xsd:simpleType>
+    </xsd:element>
+  </xsd:schema>
+  <xsd:schema xmlns:xsd="http://www.w3.org/2001/XMLSchema" xmlns:xs="http://www.w3.org/2001/XMLSchema" xmlns:dms="http://schemas.microsoft.com/office/2006/documentManagement/types" xmlns:pc="http://schemas.microsoft.com/office/infopath/2007/PartnerControls" targetNamespace="6f430b7c-f2e9-4385-9cb2-4dd06cc2317e" elementFormDefault="qualified">
+    <xsd:import namespace="http://schemas.microsoft.com/office/2006/documentManagement/types"/>
+    <xsd:import namespace="http://schemas.microsoft.com/office/infopath/2007/PartnerControls"/>
+    <xsd:element name="SharedWithUsers" ma:index="12" nillable="true" ma:displayName="Shared With" ma:internalName="SharedWithUsers" ma:readOnly="true">
       <xsd:complexType>
         <xsd:complexContent>
           <xsd:extension base="dms:UserMulti">
@@ -19626,16 +19995,11 @@
         </xsd:complexContent>
       </xsd:complexType>
     </xsd:element>
-    <xsd:element name="SharedWithDetails" ma:index="9" nillable="true" ma:displayName="Shared With Details" ma:internalName="SharedWithDetails" ma:readOnly="true">
+    <xsd:element name="SharedWithDetails" ma:index="13" nillable="true" ma:displayName="Shared With Details" ma:internalName="SharedWithDetails" ma:readOnly="true">
       <xsd:simpleType>
         <xsd:restriction base="dms:Note">
           <xsd:maxLength value="255"/>
         </xsd:restriction>
-      </xsd:simpleType>
-    </xsd:element>
-    <xsd:element name="SharingHintHash" ma:index="10" nillable="true" ma:displayName="Sharing Hint Hash" ma:internalName="SharingHintHash" ma:readOnly="true">
-      <xsd:simpleType>
-        <xsd:restriction base="dms:Text"/>
       </xsd:simpleType>
     </xsd:element>
   </xsd:schema>
@@ -19738,7 +20102,25 @@
 </ct:contentTypeSchema>
 </file>
 
+<file path=customXml/item3.xml><?xml version="1.0" encoding="utf-8"?>
+<p:properties xmlns:p="http://schemas.microsoft.com/office/2006/metadata/properties" xmlns:xsi="http://www.w3.org/2001/XMLSchema-instance" xmlns:pc="http://schemas.microsoft.com/office/infopath/2007/PartnerControls">
+  <documentManagement/>
+</p:properties>
+</file>
+
 <file path=customXml/itemProps1.xml><?xml version="1.0" encoding="utf-8"?>
+<ds:datastoreItem xmlns:ds="http://schemas.openxmlformats.org/officeDocument/2006/customXml" ds:itemID="{C50F8C75-931A-48E6-B6B6-95B6FE3B49ED}">
+  <ds:schemaRefs>
+    <ds:schemaRef ds:uri="http://schemas.microsoft.com/sharepoint/v3/contenttype/forms"/>
+  </ds:schemaRefs>
+</ds:datastoreItem>
+</file>
+
+<file path=customXml/itemProps2.xml><?xml version="1.0" encoding="utf-8"?>
+<ds:datastoreItem xmlns:ds="http://schemas.openxmlformats.org/officeDocument/2006/customXml" ds:itemID="{463C0040-7EF5-4499-8895-76A94E6B94CF}"/>
+</file>
+
+<file path=customXml/itemProps3.xml><?xml version="1.0" encoding="utf-8"?>
 <ds:datastoreItem xmlns:ds="http://schemas.openxmlformats.org/officeDocument/2006/customXml" ds:itemID="{BF7E4D4D-5632-4132-9C72-86F7C697882A}">
   <ds:schemaRefs>
     <ds:schemaRef ds:uri="4ea7fbe1-9548-4e2a-a725-88be2afd7ae1"/>
@@ -19754,30 +20136,4 @@
     <ds:schemaRef ds:uri="http://purl.org/dc/dcmitype/"/>
   </ds:schemaRefs>
 </ds:datastoreItem>
-</file>
-
-<file path=customXml/itemProps2.xml><?xml version="1.0" encoding="utf-8"?>
-<ds:datastoreItem xmlns:ds="http://schemas.openxmlformats.org/officeDocument/2006/customXml" ds:itemID="{C50F8C75-931A-48E6-B6B6-95B6FE3B49ED}">
-  <ds:schemaRefs>
-    <ds:schemaRef ds:uri="http://schemas.microsoft.com/sharepoint/v3/contenttype/forms"/>
-  </ds:schemaRefs>
-</ds:datastoreItem>
-</file>
-
-<file path=customXml/itemProps3.xml><?xml version="1.0" encoding="utf-8"?>
-<ds:datastoreItem xmlns:ds="http://schemas.openxmlformats.org/officeDocument/2006/customXml" ds:itemID="{CC0C7A04-6F6E-4AFA-A5AF-5F30C7937033}">
-  <ds:schemaRefs>
-    <ds:schemaRef ds:uri="http://schemas.microsoft.com/office/2006/metadata/contentType"/>
-    <ds:schemaRef ds:uri="http://schemas.microsoft.com/office/2006/metadata/properties/metaAttributes"/>
-    <ds:schemaRef ds:uri="http://www.w3.org/2001/XMLSchema"/>
-    <ds:schemaRef ds:uri="http://schemas.microsoft.com/office/2006/metadata/properties"/>
-    <ds:schemaRef ds:uri="5edd459b-714d-42ed-b78f-512da7d1c14e"/>
-    <ds:schemaRef ds:uri="http://schemas.microsoft.com/office/2006/documentManagement/types"/>
-    <ds:schemaRef ds:uri="http://schemas.microsoft.com/office/infopath/2007/PartnerControls"/>
-    <ds:schemaRef ds:uri="http://schemas.openxmlformats.org/package/2006/metadata/core-properties"/>
-    <ds:schemaRef ds:uri="http://purl.org/dc/elements/1.1/"/>
-    <ds:schemaRef ds:uri="http://purl.org/dc/terms/"/>
-    <ds:schemaRef ds:uri="http://schemas.microsoft.com/internal/obd"/>
-  </ds:schemaRefs>
-</ds:datastoreItem>
 </file>
--- a/curriculum/Unit1/Unit1.pptx
+++ b/curriculum/Unit1/Unit1.pptx
@@ -274,7 +274,7 @@
           <a:p>
             <a:fld id="{42D9BDAC-028F-451F-BA65-774BB04CD417}" type="datetimeFigureOut">
               <a:rPr lang="en-US" smtClean="0"/>
-              <a:t>8/17/2016</a:t>
+              <a:t>2/18/2020</a:t>
             </a:fld>
             <a:endParaRPr lang="en-US"/>
           </a:p>
@@ -1609,7 +1609,7 @@
           <a:p>
             <a:fld id="{58F15600-01B2-4DEF-ADD3-B13F327F5D75}" type="datetimeFigureOut">
               <a:rPr lang="en-US" smtClean="0"/>
-              <a:t>8/17/2016</a:t>
+              <a:t>2/18/2020</a:t>
             </a:fld>
             <a:endParaRPr lang="en-US"/>
           </a:p>
@@ -1777,7 +1777,7 @@
           <a:p>
             <a:fld id="{58F15600-01B2-4DEF-ADD3-B13F327F5D75}" type="datetimeFigureOut">
               <a:rPr lang="en-US" smtClean="0"/>
-              <a:t>8/17/2016</a:t>
+              <a:t>2/18/2020</a:t>
             </a:fld>
             <a:endParaRPr lang="en-US"/>
           </a:p>
@@ -1955,7 +1955,7 @@
           <a:p>
             <a:fld id="{58F15600-01B2-4DEF-ADD3-B13F327F5D75}" type="datetimeFigureOut">
               <a:rPr lang="en-US" smtClean="0"/>
-              <a:t>8/17/2016</a:t>
+              <a:t>2/18/2020</a:t>
             </a:fld>
             <a:endParaRPr lang="en-US"/>
           </a:p>
@@ -2123,7 +2123,7 @@
           <a:p>
             <a:fld id="{58F15600-01B2-4DEF-ADD3-B13F327F5D75}" type="datetimeFigureOut">
               <a:rPr lang="en-US" smtClean="0"/>
-              <a:t>8/17/2016</a:t>
+              <a:t>2/18/2020</a:t>
             </a:fld>
             <a:endParaRPr lang="en-US"/>
           </a:p>
@@ -2368,7 +2368,7 @@
           <a:p>
             <a:fld id="{58F15600-01B2-4DEF-ADD3-B13F327F5D75}" type="datetimeFigureOut">
               <a:rPr lang="en-US" smtClean="0"/>
-              <a:t>8/17/2016</a:t>
+              <a:t>2/18/2020</a:t>
             </a:fld>
             <a:endParaRPr lang="en-US"/>
           </a:p>
@@ -2597,7 +2597,7 @@
           <a:p>
             <a:fld id="{58F15600-01B2-4DEF-ADD3-B13F327F5D75}" type="datetimeFigureOut">
               <a:rPr lang="en-US" smtClean="0"/>
-              <a:t>8/17/2016</a:t>
+              <a:t>2/18/2020</a:t>
             </a:fld>
             <a:endParaRPr lang="en-US"/>
           </a:p>
@@ -2961,7 +2961,7 @@
           <a:p>
             <a:fld id="{58F15600-01B2-4DEF-ADD3-B13F327F5D75}" type="datetimeFigureOut">
               <a:rPr lang="en-US" smtClean="0"/>
-              <a:t>8/17/2016</a:t>
+              <a:t>2/18/2020</a:t>
             </a:fld>
             <a:endParaRPr lang="en-US"/>
           </a:p>
@@ -3078,7 +3078,7 @@
           <a:p>
             <a:fld id="{58F15600-01B2-4DEF-ADD3-B13F327F5D75}" type="datetimeFigureOut">
               <a:rPr lang="en-US" smtClean="0"/>
-              <a:t>8/17/2016</a:t>
+              <a:t>2/18/2020</a:t>
             </a:fld>
             <a:endParaRPr lang="en-US"/>
           </a:p>
@@ -3173,7 +3173,7 @@
           <a:p>
             <a:fld id="{58F15600-01B2-4DEF-ADD3-B13F327F5D75}" type="datetimeFigureOut">
               <a:rPr lang="en-US" smtClean="0"/>
-              <a:t>8/17/2016</a:t>
+              <a:t>2/18/2020</a:t>
             </a:fld>
             <a:endParaRPr lang="en-US"/>
           </a:p>
@@ -3448,7 +3448,7 @@
           <a:p>
             <a:fld id="{58F15600-01B2-4DEF-ADD3-B13F327F5D75}" type="datetimeFigureOut">
               <a:rPr lang="en-US" smtClean="0"/>
-              <a:t>8/17/2016</a:t>
+              <a:t>2/18/2020</a:t>
             </a:fld>
             <a:endParaRPr lang="en-US"/>
           </a:p>
@@ -3703,7 +3703,7 @@
           <a:p>
             <a:fld id="{58F15600-01B2-4DEF-ADD3-B13F327F5D75}" type="datetimeFigureOut">
               <a:rPr lang="en-US" smtClean="0"/>
-              <a:t>8/17/2016</a:t>
+              <a:t>2/18/2020</a:t>
             </a:fld>
             <a:endParaRPr lang="en-US"/>
           </a:p>
@@ -3914,7 +3914,7 @@
           <a:p>
             <a:fld id="{58F15600-01B2-4DEF-ADD3-B13F327F5D75}" type="datetimeFigureOut">
               <a:rPr lang="en-US" smtClean="0"/>
-              <a:t>8/17/2016</a:t>
+              <a:t>2/18/2020</a:t>
             </a:fld>
             <a:endParaRPr lang="en-US"/>
           </a:p>
@@ -11484,9 +11484,7 @@
           <p:cNvGraphicFramePr>
             <a:graphicFrameLocks noGrp="1"/>
           </p:cNvGraphicFramePr>
-          <p:nvPr>
-            <p:extLst/>
-          </p:nvPr>
+          <p:nvPr/>
         </p:nvGraphicFramePr>
         <p:xfrm>
           <a:off x="1796027" y="4895213"/>
@@ -12259,7 +12257,7 @@
         </p:spPr>
         <p:txBody>
           <a:bodyPr>
-            <a:normAutofit/>
+            <a:normAutofit lnSpcReduction="10000"/>
           </a:bodyPr>
           <a:lstStyle>
             <a:lvl1pPr marL="228600" indent="-228600" algn="l" defTabSz="914400" rtl="0" eaLnBrk="1" latinLnBrk="0" hangingPunct="1">
@@ -14397,7 +14395,7 @@
           <a:p>
             <a:r>
               <a:rPr lang="en-US" dirty="0"/>
-              <a:t>Practice-It</a:t>
+              <a:t>Practice Problems</a:t>
             </a:r>
           </a:p>
         </p:txBody>
@@ -14424,7 +14422,7 @@
             </a:pPr>
             <a:r>
               <a:rPr lang="en-US" dirty="0"/>
-              <a:t>Complete the following practice-it questions:</a:t>
+              <a:t>Complete the following practice questions:</a:t>
             </a:r>
           </a:p>
           <a:p>
@@ -14436,25 +14434,33 @@
           <a:p>
             <a:r>
               <a:rPr lang="en-US" dirty="0"/>
-              <a:t>Tricky</a:t>
-            </a:r>
-          </a:p>
-          <a:p>
-            <a:r>
-              <a:rPr lang="en-US" dirty="0"/>
-              <a:t>Strange</a:t>
-            </a:r>
-          </a:p>
-          <a:p>
-            <a:r>
-              <a:rPr lang="en-US" dirty="0"/>
-              <a:t>Confusing</a:t>
-            </a:r>
-          </a:p>
-          <a:p>
-            <a:r>
-              <a:rPr lang="en-US" dirty="0"/>
-              <a:t>Lots-of-Errors</a:t>
+              <a:t>Self-Check 1.22: Tricky</a:t>
+            </a:r>
+          </a:p>
+          <a:p>
+            <a:r>
+              <a:rPr lang="en-US" dirty="0"/>
+              <a:t>Self-Check 1.23: Strange</a:t>
+            </a:r>
+          </a:p>
+          <a:p>
+            <a:r>
+              <a:rPr lang="en-US" dirty="0"/>
+              <a:t>Self-Check 1.26: Confusing</a:t>
+            </a:r>
+          </a:p>
+          <a:p>
+            <a:r>
+              <a:rPr lang="en-US" dirty="0"/>
+              <a:t>Self-Check 1.29: </a:t>
+            </a:r>
+            <a:r>
+              <a:rPr lang="en-US" dirty="0" err="1"/>
+              <a:t>LotsOfErrors</a:t>
+            </a:r>
+            <a:r>
+              <a:rPr lang="en-US" dirty="0"/>
+              <a:t>-errors</a:t>
             </a:r>
           </a:p>
         </p:txBody>
@@ -16451,9 +16457,7 @@
           <p:cNvGraphicFramePr>
             <a:graphicFrameLocks noGrp="1"/>
           </p:cNvGraphicFramePr>
-          <p:nvPr>
-            <p:extLst/>
-          </p:nvPr>
+          <p:nvPr/>
         </p:nvGraphicFramePr>
         <p:xfrm>
           <a:off x="2032000" y="2960192"/>
@@ -16510,9 +16514,7 @@
           <p:cNvGraphicFramePr>
             <a:graphicFrameLocks noGrp="1"/>
           </p:cNvGraphicFramePr>
-          <p:nvPr>
-            <p:extLst/>
-          </p:nvPr>
+          <p:nvPr/>
         </p:nvGraphicFramePr>
         <p:xfrm>
           <a:off x="2032001" y="3855365"/>
@@ -16695,9 +16697,7 @@
           <p:cNvGraphicFramePr>
             <a:graphicFrameLocks noGrp="1"/>
           </p:cNvGraphicFramePr>
-          <p:nvPr>
-            <p:extLst/>
-          </p:nvPr>
+          <p:nvPr/>
         </p:nvGraphicFramePr>
         <p:xfrm>
           <a:off x="2032001" y="5361603"/>
@@ -17189,7 +17189,7 @@
           <a:p>
             <a:r>
               <a:rPr lang="en-US" dirty="0"/>
-              <a:t>Practice It</a:t>
+              <a:t>Practice Problems</a:t>
             </a:r>
           </a:p>
         </p:txBody>
@@ -17224,7 +17224,7 @@
             <a:pPr lvl="1"/>
             <a:r>
               <a:rPr lang="en-US" dirty="0"/>
-              <a:t>Complete Strange 2, Strange 3, Complicated 2 and Complicated 3 Practice-It</a:t>
+              <a:t>Complete Strange 2, Strange 3, Complicated 2 and Complicated 3 Practice</a:t>
             </a:r>
           </a:p>
           <a:p>
@@ -19273,12 +19273,6 @@
             <a:r>
               <a:rPr lang="en-US" dirty="0"/>
               <a:t>Get set up on eclipse</a:t>
-            </a:r>
-          </a:p>
-          <a:p>
-            <a:r>
-              <a:rPr lang="en-US" dirty="0"/>
-              <a:t>Create practice-it accounts</a:t>
             </a:r>
           </a:p>
           <a:p>
@@ -19877,15 +19871,6 @@
 </file>
 
 <file path=customXml/item1.xml><?xml version="1.0" encoding="utf-8"?>
-<?mso-contentType ?>
-<FormTemplates xmlns="http://schemas.microsoft.com/sharepoint/v3/contenttype/forms">
-  <Display>DocumentLibraryForm</Display>
-  <Edit>DocumentLibraryForm</Edit>
-  <New>DocumentLibraryForm</New>
-</FormTemplates>
-</file>
-
-<file path=customXml/item2.xml><?xml version="1.0" encoding="utf-8"?>
 <ct:contentTypeSchema xmlns:ct="http://schemas.microsoft.com/office/2006/metadata/contentType" xmlns:ma="http://schemas.microsoft.com/office/2006/metadata/properties/metaAttributes" ct:_="" ma:_="" ma:contentTypeName="Document" ma:contentTypeID="0x01010011E83E049C87AC4AB56F27089B4ACA55" ma:contentTypeVersion="12" ma:contentTypeDescription="Create a new document." ma:contentTypeScope="" ma:versionID="1178fe99ddca204d3fc8224f4ed0acf8">
   <xsd:schema xmlns:xsd="http://www.w3.org/2001/XMLSchema" xmlns:xs="http://www.w3.org/2001/XMLSchema" xmlns:p="http://schemas.microsoft.com/office/2006/metadata/properties" xmlns:ns2="be898649-fe57-4b08-9fd4-31fc752880e3" xmlns:ns3="6f430b7c-f2e9-4385-9cb2-4dd06cc2317e" targetNamespace="http://schemas.microsoft.com/office/2006/metadata/properties" ma:root="true" ma:fieldsID="05a700af6660b82c6e85ae510b7169e9" ns2:_="" ns3:_="">
     <xsd:import namespace="be898649-fe57-4b08-9fd4-31fc752880e3"/>
@@ -20102,25 +20087,41 @@
 </ct:contentTypeSchema>
 </file>
 
-<file path=customXml/item3.xml><?xml version="1.0" encoding="utf-8"?>
+<file path=customXml/item2.xml><?xml version="1.0" encoding="utf-8"?>
 <p:properties xmlns:p="http://schemas.microsoft.com/office/2006/metadata/properties" xmlns:xsi="http://www.w3.org/2001/XMLSchema-instance" xmlns:pc="http://schemas.microsoft.com/office/infopath/2007/PartnerControls">
   <documentManagement/>
 </p:properties>
 </file>
 
+<file path=customXml/item3.xml><?xml version="1.0" encoding="utf-8"?>
+<?mso-contentType ?>
+<FormTemplates xmlns="http://schemas.microsoft.com/sharepoint/v3/contenttype/forms">
+  <Display>DocumentLibraryForm</Display>
+  <Edit>DocumentLibraryForm</Edit>
+  <New>DocumentLibraryForm</New>
+</FormTemplates>
+</file>
+
 <file path=customXml/itemProps1.xml><?xml version="1.0" encoding="utf-8"?>
-<ds:datastoreItem xmlns:ds="http://schemas.openxmlformats.org/officeDocument/2006/customXml" ds:itemID="{C50F8C75-931A-48E6-B6B6-95B6FE3B49ED}">
+<ds:datastoreItem xmlns:ds="http://schemas.openxmlformats.org/officeDocument/2006/customXml" ds:itemID="{463C0040-7EF5-4499-8895-76A94E6B94CF}">
   <ds:schemaRefs>
-    <ds:schemaRef ds:uri="http://schemas.microsoft.com/sharepoint/v3/contenttype/forms"/>
+    <ds:schemaRef ds:uri="http://schemas.microsoft.com/office/2006/metadata/contentType"/>
+    <ds:schemaRef ds:uri="http://schemas.microsoft.com/office/2006/metadata/properties/metaAttributes"/>
+    <ds:schemaRef ds:uri="http://www.w3.org/2001/XMLSchema"/>
+    <ds:schemaRef ds:uri="http://schemas.microsoft.com/office/2006/metadata/properties"/>
+    <ds:schemaRef ds:uri="be898649-fe57-4b08-9fd4-31fc752880e3"/>
+    <ds:schemaRef ds:uri="6f430b7c-f2e9-4385-9cb2-4dd06cc2317e"/>
+    <ds:schemaRef ds:uri="http://schemas.microsoft.com/office/2006/documentManagement/types"/>
+    <ds:schemaRef ds:uri="http://schemas.microsoft.com/office/infopath/2007/PartnerControls"/>
+    <ds:schemaRef ds:uri="http://schemas.openxmlformats.org/package/2006/metadata/core-properties"/>
+    <ds:schemaRef ds:uri="http://purl.org/dc/elements/1.1/"/>
+    <ds:schemaRef ds:uri="http://purl.org/dc/terms/"/>
+    <ds:schemaRef ds:uri="http://schemas.microsoft.com/internal/obd"/>
   </ds:schemaRefs>
 </ds:datastoreItem>
 </file>
 
 <file path=customXml/itemProps2.xml><?xml version="1.0" encoding="utf-8"?>
-<ds:datastoreItem xmlns:ds="http://schemas.openxmlformats.org/officeDocument/2006/customXml" ds:itemID="{463C0040-7EF5-4499-8895-76A94E6B94CF}"/>
-</file>
-
-<file path=customXml/itemProps3.xml><?xml version="1.0" encoding="utf-8"?>
 <ds:datastoreItem xmlns:ds="http://schemas.openxmlformats.org/officeDocument/2006/customXml" ds:itemID="{BF7E4D4D-5632-4132-9C72-86F7C697882A}">
   <ds:schemaRefs>
     <ds:schemaRef ds:uri="4ea7fbe1-9548-4e2a-a725-88be2afd7ae1"/>
@@ -20136,4 +20137,12 @@
     <ds:schemaRef ds:uri="http://purl.org/dc/dcmitype/"/>
   </ds:schemaRefs>
 </ds:datastoreItem>
+</file>
+
+<file path=customXml/itemProps3.xml><?xml version="1.0" encoding="utf-8"?>
+<ds:datastoreItem xmlns:ds="http://schemas.openxmlformats.org/officeDocument/2006/customXml" ds:itemID="{C50F8C75-931A-48E6-B6B6-95B6FE3B49ED}">
+  <ds:schemaRefs>
+    <ds:schemaRef ds:uri="http://schemas.microsoft.com/sharepoint/v3/contenttype/forms"/>
+  </ds:schemaRefs>
+</ds:datastoreItem>
 </file>